--- a/slides/draft.pptx
+++ b/slides/draft.pptx
@@ -5,7 +5,7 @@
     <p:sldMasterId id="2147483648" r:id="rId1"/>
   </p:sldMasterIdLst>
   <p:notesMasterIdLst>
-    <p:notesMasterId r:id="rId20"/>
+    <p:notesMasterId r:id="rId22"/>
   </p:notesMasterIdLst>
   <p:sldIdLst>
     <p:sldId id="256" r:id="rId2"/>
@@ -26,6 +26,8 @@
     <p:sldId id="260" r:id="rId17"/>
     <p:sldId id="273" r:id="rId18"/>
     <p:sldId id="276" r:id="rId19"/>
+    <p:sldId id="277" r:id="rId20"/>
+    <p:sldId id="278" r:id="rId21"/>
   </p:sldIdLst>
   <p:sldSz cx="12192000" cy="6858000"/>
   <p:notesSz cx="6858000" cy="9144000"/>
@@ -1917,6 +1919,456 @@
     <p:extLst>
       <p:ext uri="{BB962C8B-B14F-4D97-AF65-F5344CB8AC3E}">
         <p14:creationId xmlns:p14="http://schemas.microsoft.com/office/powerpoint/2010/main" val="1532811307"/>
+      </p:ext>
+    </p:extLst>
+  </p:cSld>
+  <p:clrMapOvr>
+    <a:masterClrMapping/>
+  </p:clrMapOvr>
+</p:notes>
+</file>
+
+<file path=ppt/notesSlides/notesSlide8.xml><?xml version="1.0" encoding="utf-8"?>
+<p:notes xmlns:a="http://schemas.openxmlformats.org/drawingml/2006/main" xmlns:r="http://schemas.openxmlformats.org/officeDocument/2006/relationships" xmlns:p="http://schemas.openxmlformats.org/presentationml/2006/main">
+  <p:cSld>
+    <p:spTree>
+      <p:nvGrpSpPr>
+        <p:cNvPr id="1" name=""/>
+        <p:cNvGrpSpPr/>
+        <p:nvPr/>
+      </p:nvGrpSpPr>
+      <p:grpSpPr>
+        <a:xfrm>
+          <a:off x="0" y="0"/>
+          <a:ext cx="0" cy="0"/>
+          <a:chOff x="0" y="0"/>
+          <a:chExt cx="0" cy="0"/>
+        </a:xfrm>
+      </p:grpSpPr>
+      <p:sp>
+        <p:nvSpPr>
+          <p:cNvPr id="2" name="Folienbildplatzhalter 1"/>
+          <p:cNvSpPr>
+            <a:spLocks noGrp="1" noRot="1" noChangeAspect="1"/>
+          </p:cNvSpPr>
+          <p:nvPr>
+            <p:ph type="sldImg"/>
+          </p:nvPr>
+        </p:nvSpPr>
+        <p:spPr/>
+      </p:sp>
+      <p:sp>
+        <p:nvSpPr>
+          <p:cNvPr id="3" name="Notizenplatzhalter 2"/>
+          <p:cNvSpPr>
+            <a:spLocks noGrp="1"/>
+          </p:cNvSpPr>
+          <p:nvPr>
+            <p:ph type="body" idx="1"/>
+          </p:nvPr>
+        </p:nvSpPr>
+        <p:spPr/>
+        <p:txBody>
+          <a:bodyPr/>
+          <a:lstStyle/>
+          <a:p>
+            <a:pPr marL="0" marR="0" lvl="0" indent="0" algn="l" defTabSz="914400" rtl="0" eaLnBrk="1" fontAlgn="auto" latinLnBrk="0" hangingPunct="1">
+              <a:lnSpc>
+                <a:spcPct val="100000"/>
+              </a:lnSpc>
+              <a:spcBef>
+                <a:spcPts val="0"/>
+              </a:spcBef>
+              <a:spcAft>
+                <a:spcPts val="0"/>
+              </a:spcAft>
+              <a:buClrTx/>
+              <a:buSzTx/>
+              <a:buFontTx/>
+              <a:buNone/>
+              <a:tabLst/>
+              <a:defRPr/>
+            </a:pPr>
+            <a:r>
+              <a:rPr lang="de-DE" sz="1200" kern="1200" dirty="0">
+                <a:solidFill>
+                  <a:schemeClr val="tx1"/>
+                </a:solidFill>
+                <a:effectLst/>
+                <a:latin typeface="+mn-lt"/>
+                <a:ea typeface="+mn-ea"/>
+                <a:cs typeface="+mn-cs"/>
+              </a:rPr>
+              <a:t>0.212 kg </a:t>
+            </a:r>
+            <a:r>
+              <a:rPr lang="de-DE" sz="1200" kern="1200" dirty="0" err="1">
+                <a:solidFill>
+                  <a:schemeClr val="tx1"/>
+                </a:solidFill>
+                <a:effectLst/>
+                <a:latin typeface="+mn-lt"/>
+                <a:ea typeface="+mn-ea"/>
+                <a:cs typeface="+mn-cs"/>
+              </a:rPr>
+              <a:t>of</a:t>
+            </a:r>
+            <a:r>
+              <a:rPr lang="de-DE" sz="1200" kern="1200" dirty="0">
+                <a:solidFill>
+                  <a:schemeClr val="tx1"/>
+                </a:solidFill>
+                <a:effectLst/>
+                <a:latin typeface="+mn-lt"/>
+                <a:ea typeface="+mn-ea"/>
+                <a:cs typeface="+mn-cs"/>
+              </a:rPr>
+              <a:t> co2 per 1km </a:t>
+            </a:r>
+            <a:r>
+              <a:rPr lang="de-DE" sz="1200" kern="1200" dirty="0" err="1">
+                <a:solidFill>
+                  <a:schemeClr val="tx1"/>
+                </a:solidFill>
+                <a:effectLst/>
+                <a:latin typeface="+mn-lt"/>
+                <a:ea typeface="+mn-ea"/>
+                <a:cs typeface="+mn-cs"/>
+              </a:rPr>
+              <a:t>drive</a:t>
+            </a:r>
+            <a:endParaRPr lang="de-DE" sz="1200" kern="1200" dirty="0">
+              <a:solidFill>
+                <a:schemeClr val="tx1"/>
+              </a:solidFill>
+              <a:effectLst/>
+              <a:latin typeface="+mn-lt"/>
+              <a:ea typeface="+mn-ea"/>
+              <a:cs typeface="+mn-cs"/>
+            </a:endParaRPr>
+          </a:p>
+          <a:p>
+            <a:pPr marL="0" marR="0" lvl="0" indent="0" algn="l" defTabSz="914400" rtl="0" eaLnBrk="1" fontAlgn="auto" latinLnBrk="0" hangingPunct="1">
+              <a:lnSpc>
+                <a:spcPct val="100000"/>
+              </a:lnSpc>
+              <a:spcBef>
+                <a:spcPts val="0"/>
+              </a:spcBef>
+              <a:spcAft>
+                <a:spcPts val="0"/>
+              </a:spcAft>
+              <a:buClrTx/>
+              <a:buSzTx/>
+              <a:buFontTx/>
+              <a:buNone/>
+              <a:tabLst/>
+              <a:defRPr/>
+            </a:pPr>
+            <a:r>
+              <a:rPr lang="de-DE" sz="1200" kern="1200" dirty="0">
+                <a:solidFill>
+                  <a:schemeClr val="tx1"/>
+                </a:solidFill>
+                <a:effectLst/>
+                <a:latin typeface="+mn-lt"/>
+                <a:ea typeface="+mn-ea"/>
+                <a:cs typeface="+mn-cs"/>
+              </a:rPr>
+              <a:t>*2 </a:t>
+            </a:r>
+            <a:r>
+              <a:rPr lang="de-DE" sz="1200" kern="1200" dirty="0" err="1">
+                <a:solidFill>
+                  <a:schemeClr val="tx1"/>
+                </a:solidFill>
+                <a:effectLst/>
+                <a:latin typeface="+mn-lt"/>
+                <a:ea typeface="+mn-ea"/>
+                <a:cs typeface="+mn-cs"/>
+              </a:rPr>
+              <a:t>twice</a:t>
+            </a:r>
+            <a:r>
+              <a:rPr lang="de-DE" sz="1200" kern="1200" dirty="0">
+                <a:solidFill>
+                  <a:schemeClr val="tx1"/>
+                </a:solidFill>
+                <a:effectLst/>
+                <a:latin typeface="+mn-lt"/>
+                <a:ea typeface="+mn-ea"/>
+                <a:cs typeface="+mn-cs"/>
+              </a:rPr>
+              <a:t> a </a:t>
+            </a:r>
+            <a:r>
+              <a:rPr lang="de-DE" sz="1200" kern="1200" dirty="0" err="1">
+                <a:solidFill>
+                  <a:schemeClr val="tx1"/>
+                </a:solidFill>
+                <a:effectLst/>
+                <a:latin typeface="+mn-lt"/>
+                <a:ea typeface="+mn-ea"/>
+                <a:cs typeface="+mn-cs"/>
+              </a:rPr>
+              <a:t>day</a:t>
+            </a:r>
+            <a:endParaRPr lang="de-DE" sz="1200" kern="1200" dirty="0">
+              <a:solidFill>
+                <a:schemeClr val="tx1"/>
+              </a:solidFill>
+              <a:effectLst/>
+              <a:latin typeface="+mn-lt"/>
+              <a:ea typeface="+mn-ea"/>
+              <a:cs typeface="+mn-cs"/>
+            </a:endParaRPr>
+          </a:p>
+          <a:p>
+            <a:pPr marL="0" marR="0" lvl="0" indent="0" algn="l" defTabSz="914400" rtl="0" eaLnBrk="1" fontAlgn="auto" latinLnBrk="0" hangingPunct="1">
+              <a:lnSpc>
+                <a:spcPct val="100000"/>
+              </a:lnSpc>
+              <a:spcBef>
+                <a:spcPts val="0"/>
+              </a:spcBef>
+              <a:spcAft>
+                <a:spcPts val="0"/>
+              </a:spcAft>
+              <a:buClrTx/>
+              <a:buSzTx/>
+              <a:buFontTx/>
+              <a:buNone/>
+              <a:tabLst/>
+              <a:defRPr/>
+            </a:pPr>
+            <a:r>
+              <a:rPr lang="de-DE" sz="1200" kern="1200" dirty="0">
+                <a:solidFill>
+                  <a:schemeClr val="tx1"/>
+                </a:solidFill>
+                <a:effectLst/>
+                <a:latin typeface="+mn-lt"/>
+                <a:ea typeface="+mn-ea"/>
+                <a:cs typeface="+mn-cs"/>
+              </a:rPr>
+              <a:t>*200 </a:t>
+            </a:r>
+            <a:r>
+              <a:rPr lang="de-DE" sz="1200" kern="1200" dirty="0" err="1">
+                <a:solidFill>
+                  <a:schemeClr val="tx1"/>
+                </a:solidFill>
+                <a:effectLst/>
+                <a:latin typeface="+mn-lt"/>
+                <a:ea typeface="+mn-ea"/>
+                <a:cs typeface="+mn-cs"/>
+              </a:rPr>
+              <a:t>times</a:t>
+            </a:r>
+            <a:r>
+              <a:rPr lang="de-DE" sz="1200" kern="1200" dirty="0">
+                <a:solidFill>
+                  <a:schemeClr val="tx1"/>
+                </a:solidFill>
+                <a:effectLst/>
+                <a:latin typeface="+mn-lt"/>
+                <a:ea typeface="+mn-ea"/>
+                <a:cs typeface="+mn-cs"/>
+              </a:rPr>
+              <a:t> a </a:t>
+            </a:r>
+            <a:r>
+              <a:rPr lang="de-DE" sz="1200" kern="1200" dirty="0" err="1">
+                <a:solidFill>
+                  <a:schemeClr val="tx1"/>
+                </a:solidFill>
+                <a:effectLst/>
+                <a:latin typeface="+mn-lt"/>
+                <a:ea typeface="+mn-ea"/>
+                <a:cs typeface="+mn-cs"/>
+              </a:rPr>
+              <a:t>year</a:t>
+            </a:r>
+            <a:endParaRPr lang="de-DE" sz="1200" kern="1200" dirty="0">
+              <a:solidFill>
+                <a:schemeClr val="tx1"/>
+              </a:solidFill>
+              <a:effectLst/>
+              <a:latin typeface="+mn-lt"/>
+              <a:ea typeface="+mn-ea"/>
+              <a:cs typeface="+mn-cs"/>
+            </a:endParaRPr>
+          </a:p>
+          <a:p>
+            <a:pPr marL="0" marR="0" lvl="0" indent="0" algn="l" defTabSz="914400" rtl="0" eaLnBrk="1" fontAlgn="auto" latinLnBrk="0" hangingPunct="1">
+              <a:lnSpc>
+                <a:spcPct val="100000"/>
+              </a:lnSpc>
+              <a:spcBef>
+                <a:spcPts val="0"/>
+              </a:spcBef>
+              <a:spcAft>
+                <a:spcPts val="0"/>
+              </a:spcAft>
+              <a:buClrTx/>
+              <a:buSzTx/>
+              <a:buFontTx/>
+              <a:buNone/>
+              <a:tabLst/>
+              <a:defRPr/>
+            </a:pPr>
+            <a:r>
+              <a:rPr lang="de-DE" sz="1200" kern="1200" dirty="0">
+                <a:solidFill>
+                  <a:schemeClr val="tx1"/>
+                </a:solidFill>
+                <a:effectLst/>
+                <a:latin typeface="+mn-lt"/>
+                <a:ea typeface="+mn-ea"/>
+                <a:cs typeface="+mn-cs"/>
+              </a:rPr>
+              <a:t>*500000 </a:t>
+            </a:r>
+            <a:r>
+              <a:rPr lang="de-DE" sz="1200" kern="1200" dirty="0" err="1">
+                <a:solidFill>
+                  <a:schemeClr val="tx1"/>
+                </a:solidFill>
+                <a:effectLst/>
+                <a:latin typeface="+mn-lt"/>
+                <a:ea typeface="+mn-ea"/>
+                <a:cs typeface="+mn-cs"/>
+              </a:rPr>
+              <a:t>families</a:t>
+            </a:r>
+            <a:r>
+              <a:rPr lang="de-DE" sz="1200" kern="1200" dirty="0">
+                <a:solidFill>
+                  <a:schemeClr val="tx1"/>
+                </a:solidFill>
+                <a:effectLst/>
+                <a:latin typeface="+mn-lt"/>
+                <a:ea typeface="+mn-ea"/>
+                <a:cs typeface="+mn-cs"/>
+              </a:rPr>
+              <a:t> (20% </a:t>
+            </a:r>
+            <a:r>
+              <a:rPr lang="de-DE" sz="1200" kern="1200" dirty="0" err="1">
+                <a:solidFill>
+                  <a:schemeClr val="tx1"/>
+                </a:solidFill>
+                <a:effectLst/>
+                <a:latin typeface="+mn-lt"/>
+                <a:ea typeface="+mn-ea"/>
+                <a:cs typeface="+mn-cs"/>
+              </a:rPr>
+              <a:t>of</a:t>
+            </a:r>
+            <a:r>
+              <a:rPr lang="de-DE" sz="1200" kern="1200" dirty="0">
+                <a:solidFill>
+                  <a:schemeClr val="tx1"/>
+                </a:solidFill>
+                <a:effectLst/>
+                <a:latin typeface="+mn-lt"/>
+                <a:ea typeface="+mn-ea"/>
+                <a:cs typeface="+mn-cs"/>
+              </a:rPr>
+              <a:t> 2.8 MIO)</a:t>
+            </a:r>
+          </a:p>
+          <a:p>
+            <a:pPr marL="0" marR="0" lvl="0" indent="0" algn="l" defTabSz="914400" rtl="0" eaLnBrk="1" fontAlgn="auto" latinLnBrk="0" hangingPunct="1">
+              <a:lnSpc>
+                <a:spcPct val="100000"/>
+              </a:lnSpc>
+              <a:spcBef>
+                <a:spcPts val="0"/>
+              </a:spcBef>
+              <a:spcAft>
+                <a:spcPts val="0"/>
+              </a:spcAft>
+              <a:buClrTx/>
+              <a:buSzTx/>
+              <a:buFontTx/>
+              <a:buNone/>
+              <a:tabLst/>
+              <a:defRPr/>
+            </a:pPr>
+            <a:endParaRPr lang="de-DE" sz="1200" kern="1200" dirty="0">
+              <a:solidFill>
+                <a:schemeClr val="tx1"/>
+              </a:solidFill>
+              <a:effectLst/>
+              <a:latin typeface="+mn-lt"/>
+              <a:ea typeface="+mn-ea"/>
+              <a:cs typeface="+mn-cs"/>
+            </a:endParaRPr>
+          </a:p>
+          <a:p>
+            <a:pPr marL="0" marR="0" lvl="0" indent="0" algn="l" defTabSz="914400" rtl="0" eaLnBrk="1" fontAlgn="auto" latinLnBrk="0" hangingPunct="1">
+              <a:lnSpc>
+                <a:spcPct val="100000"/>
+              </a:lnSpc>
+              <a:spcBef>
+                <a:spcPts val="0"/>
+              </a:spcBef>
+              <a:spcAft>
+                <a:spcPts val="0"/>
+              </a:spcAft>
+              <a:buClrTx/>
+              <a:buSzTx/>
+              <a:buFontTx/>
+              <a:buNone/>
+              <a:tabLst/>
+              <a:defRPr/>
+            </a:pPr>
+            <a:r>
+              <a:rPr lang="de-DE" sz="1200" kern="1200" dirty="0">
+                <a:solidFill>
+                  <a:schemeClr val="tx1"/>
+                </a:solidFill>
+                <a:effectLst/>
+                <a:latin typeface="+mn-lt"/>
+                <a:ea typeface="+mn-ea"/>
+                <a:cs typeface="+mn-cs"/>
+              </a:rPr>
+              <a:t>5-6cent pro Kilometer</a:t>
+            </a:r>
+          </a:p>
+          <a:p>
+            <a:endParaRPr lang="de-DE" dirty="0"/>
+          </a:p>
+        </p:txBody>
+      </p:sp>
+      <p:sp>
+        <p:nvSpPr>
+          <p:cNvPr id="4" name="Foliennummernplatzhalter 3"/>
+          <p:cNvSpPr>
+            <a:spLocks noGrp="1"/>
+          </p:cNvSpPr>
+          <p:nvPr>
+            <p:ph type="sldNum" sz="quarter" idx="5"/>
+          </p:nvPr>
+        </p:nvSpPr>
+        <p:spPr/>
+        <p:txBody>
+          <a:bodyPr/>
+          <a:lstStyle/>
+          <a:p>
+            <a:fld id="{0088EFD8-5ED9-AD4B-A3FB-8A287AE11395}" type="slidenum">
+              <a:rPr lang="de-DE" smtClean="0"/>
+              <a:t>20</a:t>
+            </a:fld>
+            <a:endParaRPr lang="de-DE"/>
+          </a:p>
+        </p:txBody>
+      </p:sp>
+    </p:spTree>
+    <p:extLst>
+      <p:ext uri="{BB962C8B-B14F-4D97-AF65-F5344CB8AC3E}">
+        <p14:creationId xmlns:p14="http://schemas.microsoft.com/office/powerpoint/2010/main" val="1209782080"/>
       </p:ext>
     </p:extLst>
   </p:cSld>
@@ -8107,7 +8559,7 @@
         <p:spPr>
           <a:xfrm>
             <a:off x="288098" y="1637100"/>
-            <a:ext cx="11903902" cy="4154984"/>
+            <a:ext cx="11903902" cy="4832092"/>
           </a:xfrm>
           <a:prstGeom prst="rect">
             <a:avLst/>
@@ -8207,6 +8659,21 @@
                 <a:latin typeface="DIN Condensed" pitchFamily="2" charset="0"/>
               </a:rPr>
               <a:t>MONEY VIA GAMIFICATION AND ABO MODEL.</a:t>
+            </a:r>
+          </a:p>
+          <a:p>
+            <a:pPr marL="571500" indent="-571500">
+              <a:buFont typeface="Arial" panose="020B0604020202020204" pitchFamily="34" charset="0"/>
+              <a:buChar char="•"/>
+            </a:pPr>
+            <a:r>
+              <a:rPr lang="de-DE" sz="4400" dirty="0">
+                <a:solidFill>
+                  <a:schemeClr val="bg1"/>
+                </a:solidFill>
+                <a:latin typeface="DIN Condensed" pitchFamily="2" charset="0"/>
+              </a:rPr>
+              <a:t>NICE FUTURE PLANS.</a:t>
             </a:r>
           </a:p>
         </p:txBody>
@@ -8349,6 +8816,140 @@
     <p:extLst>
       <p:ext uri="{BB962C8B-B14F-4D97-AF65-F5344CB8AC3E}">
         <p14:creationId xmlns:p14="http://schemas.microsoft.com/office/powerpoint/2010/main" val="3196179730"/>
+      </p:ext>
+    </p:extLst>
+  </p:cSld>
+  <p:clrMapOvr>
+    <a:masterClrMapping/>
+  </p:clrMapOvr>
+</p:sld>
+</file>
+
+<file path=ppt/slides/slide19.xml><?xml version="1.0" encoding="utf-8"?>
+<p:sld xmlns:a="http://schemas.openxmlformats.org/drawingml/2006/main" xmlns:r="http://schemas.openxmlformats.org/officeDocument/2006/relationships" xmlns:p="http://schemas.openxmlformats.org/presentationml/2006/main">
+  <p:cSld>
+    <p:spTree>
+      <p:nvGrpSpPr>
+        <p:cNvPr id="1" name=""/>
+        <p:cNvGrpSpPr/>
+        <p:nvPr/>
+      </p:nvGrpSpPr>
+      <p:grpSpPr>
+        <a:xfrm>
+          <a:off x="0" y="0"/>
+          <a:ext cx="0" cy="0"/>
+          <a:chOff x="0" y="0"/>
+          <a:chExt cx="0" cy="0"/>
+        </a:xfrm>
+      </p:grpSpPr>
+      <p:sp>
+        <p:nvSpPr>
+          <p:cNvPr id="4" name="Rechteck 3">
+            <a:extLst>
+              <a:ext uri="{FF2B5EF4-FFF2-40B4-BE49-F238E27FC236}">
+                <a16:creationId xmlns:a16="http://schemas.microsoft.com/office/drawing/2014/main" id="{4DC97915-D3D7-AD4B-9337-E8319E17DDD9}"/>
+              </a:ext>
+            </a:extLst>
+          </p:cNvPr>
+          <p:cNvSpPr/>
+          <p:nvPr/>
+        </p:nvSpPr>
+        <p:spPr>
+          <a:xfrm>
+            <a:off x="0" y="0"/>
+            <a:ext cx="12192000" cy="6858000"/>
+          </a:xfrm>
+          <a:prstGeom prst="rect">
+            <a:avLst/>
+          </a:prstGeom>
+          <a:gradFill flip="none" rotWithShape="1">
+            <a:gsLst>
+              <a:gs pos="100000">
+                <a:srgbClr val="5EDCFF"/>
+              </a:gs>
+              <a:gs pos="12000">
+                <a:srgbClr val="4A9CE8"/>
+              </a:gs>
+            </a:gsLst>
+            <a:path path="circle">
+              <a:fillToRect t="100000" r="100000"/>
+            </a:path>
+            <a:tileRect l="-100000" b="-100000"/>
+          </a:gradFill>
+          <a:ln>
+            <a:noFill/>
+          </a:ln>
+        </p:spPr>
+        <p:style>
+          <a:lnRef idx="2">
+            <a:schemeClr val="accent1">
+              <a:shade val="50000"/>
+            </a:schemeClr>
+          </a:lnRef>
+          <a:fillRef idx="1">
+            <a:schemeClr val="accent1"/>
+          </a:fillRef>
+          <a:effectRef idx="0">
+            <a:schemeClr val="accent1"/>
+          </a:effectRef>
+          <a:fontRef idx="minor">
+            <a:schemeClr val="lt1"/>
+          </a:fontRef>
+        </p:style>
+        <p:txBody>
+          <a:bodyPr rtlCol="0" anchor="ctr"/>
+          <a:lstStyle/>
+          <a:p>
+            <a:pPr algn="ctr"/>
+            <a:endParaRPr lang="de-DE"/>
+          </a:p>
+        </p:txBody>
+      </p:sp>
+      <p:sp>
+        <p:nvSpPr>
+          <p:cNvPr id="5" name="Textfeld 4">
+            <a:extLst>
+              <a:ext uri="{FF2B5EF4-FFF2-40B4-BE49-F238E27FC236}">
+                <a16:creationId xmlns:a16="http://schemas.microsoft.com/office/drawing/2014/main" id="{D172A450-7243-3241-8338-6594A435549B}"/>
+              </a:ext>
+            </a:extLst>
+          </p:cNvPr>
+          <p:cNvSpPr txBox="1"/>
+          <p:nvPr/>
+        </p:nvSpPr>
+        <p:spPr>
+          <a:xfrm>
+            <a:off x="2745287" y="2644170"/>
+            <a:ext cx="6701425" cy="1569660"/>
+          </a:xfrm>
+          <a:prstGeom prst="rect">
+            <a:avLst/>
+          </a:prstGeom>
+          <a:noFill/>
+        </p:spPr>
+        <p:txBody>
+          <a:bodyPr wrap="square" rtlCol="0">
+            <a:spAutoFit/>
+          </a:bodyPr>
+          <a:lstStyle/>
+          <a:p>
+            <a:pPr algn="ctr"/>
+            <a:r>
+              <a:rPr lang="de-DE" sz="9600" b="1" dirty="0">
+                <a:solidFill>
+                  <a:schemeClr val="bg1"/>
+                </a:solidFill>
+                <a:latin typeface="DIN Condensed" pitchFamily="2" charset="0"/>
+              </a:rPr>
+              <a:t>BOOOOOM.</a:t>
+            </a:r>
+          </a:p>
+        </p:txBody>
+      </p:sp>
+    </p:spTree>
+    <p:extLst>
+      <p:ext uri="{BB962C8B-B14F-4D97-AF65-F5344CB8AC3E}">
+        <p14:creationId xmlns:p14="http://schemas.microsoft.com/office/powerpoint/2010/main" val="2199140047"/>
       </p:ext>
     </p:extLst>
   </p:cSld>
@@ -8660,7 +9261,7 @@
                   </a:solidFill>
                   <a:latin typeface="DIN Condensed" pitchFamily="2" charset="0"/>
                 </a:rPr>
-                <a:t>BENNI</a:t>
+                <a:t>BENNY</a:t>
               </a:r>
             </a:p>
           </p:txBody>
@@ -9319,6 +9920,384 @@
       <p:bldP spid="19" grpId="0"/>
     </p:bldLst>
   </p:timing>
+</p:sld>
+</file>
+
+<file path=ppt/slides/slide20.xml><?xml version="1.0" encoding="utf-8"?>
+<p:sld xmlns:a="http://schemas.openxmlformats.org/drawingml/2006/main" xmlns:r="http://schemas.openxmlformats.org/officeDocument/2006/relationships" xmlns:p="http://schemas.openxmlformats.org/presentationml/2006/main">
+  <p:cSld>
+    <p:spTree>
+      <p:nvGrpSpPr>
+        <p:cNvPr id="1" name=""/>
+        <p:cNvGrpSpPr/>
+        <p:nvPr/>
+      </p:nvGrpSpPr>
+      <p:grpSpPr>
+        <a:xfrm>
+          <a:off x="0" y="0"/>
+          <a:ext cx="0" cy="0"/>
+          <a:chOff x="0" y="0"/>
+          <a:chExt cx="0" cy="0"/>
+        </a:xfrm>
+      </p:grpSpPr>
+      <p:sp>
+        <p:nvSpPr>
+          <p:cNvPr id="4" name="Rechteck 3">
+            <a:extLst>
+              <a:ext uri="{FF2B5EF4-FFF2-40B4-BE49-F238E27FC236}">
+                <a16:creationId xmlns:a16="http://schemas.microsoft.com/office/drawing/2014/main" id="{4DC97915-D3D7-AD4B-9337-E8319E17DDD9}"/>
+              </a:ext>
+            </a:extLst>
+          </p:cNvPr>
+          <p:cNvSpPr/>
+          <p:nvPr/>
+        </p:nvSpPr>
+        <p:spPr>
+          <a:xfrm>
+            <a:off x="0" y="0"/>
+            <a:ext cx="12192000" cy="6858000"/>
+          </a:xfrm>
+          <a:prstGeom prst="rect">
+            <a:avLst/>
+          </a:prstGeom>
+          <a:gradFill flip="none" rotWithShape="1">
+            <a:gsLst>
+              <a:gs pos="100000">
+                <a:srgbClr val="5EDCFF"/>
+              </a:gs>
+              <a:gs pos="12000">
+                <a:srgbClr val="4A9CE8"/>
+              </a:gs>
+            </a:gsLst>
+            <a:path path="circle">
+              <a:fillToRect t="100000" r="100000"/>
+            </a:path>
+            <a:tileRect l="-100000" b="-100000"/>
+          </a:gradFill>
+          <a:ln>
+            <a:noFill/>
+          </a:ln>
+        </p:spPr>
+        <p:style>
+          <a:lnRef idx="2">
+            <a:schemeClr val="accent1">
+              <a:shade val="50000"/>
+            </a:schemeClr>
+          </a:lnRef>
+          <a:fillRef idx="1">
+            <a:schemeClr val="accent1"/>
+          </a:fillRef>
+          <a:effectRef idx="0">
+            <a:schemeClr val="accent1"/>
+          </a:effectRef>
+          <a:fontRef idx="minor">
+            <a:schemeClr val="lt1"/>
+          </a:fontRef>
+        </p:style>
+        <p:txBody>
+          <a:bodyPr rtlCol="0" anchor="ctr"/>
+          <a:lstStyle/>
+          <a:p>
+            <a:pPr algn="ctr"/>
+            <a:endParaRPr lang="de-DE"/>
+          </a:p>
+        </p:txBody>
+      </p:sp>
+      <p:pic>
+        <p:nvPicPr>
+          <p:cNvPr id="9" name="Grafik 8">
+            <a:extLst>
+              <a:ext uri="{FF2B5EF4-FFF2-40B4-BE49-F238E27FC236}">
+                <a16:creationId xmlns:a16="http://schemas.microsoft.com/office/drawing/2014/main" id="{AB095246-CE2B-4E42-A87D-FD9A86FEBE80}"/>
+              </a:ext>
+            </a:extLst>
+          </p:cNvPr>
+          <p:cNvPicPr>
+            <a:picLocks noChangeAspect="1"/>
+          </p:cNvPicPr>
+          <p:nvPr/>
+        </p:nvPicPr>
+        <p:blipFill>
+          <a:blip r:embed="rId3"/>
+          <a:stretch>
+            <a:fillRect/>
+          </a:stretch>
+        </p:blipFill>
+        <p:spPr>
+          <a:xfrm>
+            <a:off x="141337" y="240270"/>
+            <a:ext cx="1224000" cy="1224000"/>
+          </a:xfrm>
+          <a:prstGeom prst="rect">
+            <a:avLst/>
+          </a:prstGeom>
+        </p:spPr>
+      </p:pic>
+      <p:sp>
+        <p:nvSpPr>
+          <p:cNvPr id="10" name="Textfeld 9">
+            <a:extLst>
+              <a:ext uri="{FF2B5EF4-FFF2-40B4-BE49-F238E27FC236}">
+                <a16:creationId xmlns:a16="http://schemas.microsoft.com/office/drawing/2014/main" id="{89C52750-940F-9A41-A756-9DA1300186EE}"/>
+              </a:ext>
+            </a:extLst>
+          </p:cNvPr>
+          <p:cNvSpPr txBox="1"/>
+          <p:nvPr/>
+        </p:nvSpPr>
+        <p:spPr>
+          <a:xfrm>
+            <a:off x="1506674" y="67440"/>
+            <a:ext cx="8854654" cy="1569660"/>
+          </a:xfrm>
+          <a:prstGeom prst="rect">
+            <a:avLst/>
+          </a:prstGeom>
+          <a:noFill/>
+        </p:spPr>
+        <p:txBody>
+          <a:bodyPr wrap="square" rtlCol="0">
+            <a:spAutoFit/>
+          </a:bodyPr>
+          <a:lstStyle/>
+          <a:p>
+            <a:r>
+              <a:rPr lang="de-DE" sz="9600" b="1" dirty="0">
+                <a:solidFill>
+                  <a:schemeClr val="bg1"/>
+                </a:solidFill>
+                <a:latin typeface="DIN Condensed" pitchFamily="2" charset="0"/>
+              </a:rPr>
+              <a:t>FUTURE PLANS</a:t>
+            </a:r>
+          </a:p>
+        </p:txBody>
+      </p:sp>
+      <p:sp>
+        <p:nvSpPr>
+          <p:cNvPr id="2" name="Textfeld 1">
+            <a:extLst>
+              <a:ext uri="{FF2B5EF4-FFF2-40B4-BE49-F238E27FC236}">
+                <a16:creationId xmlns:a16="http://schemas.microsoft.com/office/drawing/2014/main" id="{839E9D07-48CB-6042-9A97-50DD4AC9B313}"/>
+              </a:ext>
+            </a:extLst>
+          </p:cNvPr>
+          <p:cNvSpPr txBox="1"/>
+          <p:nvPr/>
+        </p:nvSpPr>
+        <p:spPr>
+          <a:xfrm>
+            <a:off x="288098" y="1637100"/>
+            <a:ext cx="11903902" cy="4154984"/>
+          </a:xfrm>
+          <a:prstGeom prst="rect">
+            <a:avLst/>
+          </a:prstGeom>
+          <a:noFill/>
+        </p:spPr>
+        <p:txBody>
+          <a:bodyPr wrap="square" rtlCol="0">
+            <a:spAutoFit/>
+          </a:bodyPr>
+          <a:lstStyle/>
+          <a:p>
+            <a:pPr marL="571500" indent="-571500">
+              <a:buFont typeface="Arial" panose="020B0604020202020204" pitchFamily="34" charset="0"/>
+              <a:buChar char="•"/>
+            </a:pPr>
+            <a:r>
+              <a:rPr lang="de-DE" sz="4400" dirty="0">
+                <a:solidFill>
+                  <a:schemeClr val="bg1"/>
+                </a:solidFill>
+                <a:latin typeface="DIN Condensed" pitchFamily="2" charset="0"/>
+              </a:rPr>
+              <a:t>Bus</a:t>
+            </a:r>
+          </a:p>
+          <a:p>
+            <a:pPr marL="571500" indent="-571500">
+              <a:buFont typeface="Arial" panose="020B0604020202020204" pitchFamily="34" charset="0"/>
+              <a:buChar char="•"/>
+            </a:pPr>
+            <a:r>
+              <a:rPr lang="de-DE" sz="4400" dirty="0" err="1">
+                <a:solidFill>
+                  <a:schemeClr val="bg1"/>
+                </a:solidFill>
+                <a:latin typeface="DIN Condensed" pitchFamily="2" charset="0"/>
+              </a:rPr>
+              <a:t>Wristband</a:t>
+            </a:r>
+            <a:endParaRPr lang="de-DE" sz="4400" dirty="0">
+              <a:solidFill>
+                <a:schemeClr val="bg1"/>
+              </a:solidFill>
+              <a:latin typeface="DIN Condensed" pitchFamily="2" charset="0"/>
+            </a:endParaRPr>
+          </a:p>
+          <a:p>
+            <a:pPr marL="571500" indent="-571500">
+              <a:buFont typeface="Arial" panose="020B0604020202020204" pitchFamily="34" charset="0"/>
+              <a:buChar char="•"/>
+            </a:pPr>
+            <a:r>
+              <a:rPr lang="de-DE" sz="4400" dirty="0">
+                <a:solidFill>
+                  <a:schemeClr val="bg1"/>
+                </a:solidFill>
+                <a:latin typeface="DIN Condensed" pitchFamily="2" charset="0"/>
+              </a:rPr>
+              <a:t>Parental </a:t>
+            </a:r>
+            <a:r>
+              <a:rPr lang="de-DE" sz="4400" dirty="0" err="1">
+                <a:solidFill>
+                  <a:schemeClr val="bg1"/>
+                </a:solidFill>
+                <a:latin typeface="DIN Condensed" pitchFamily="2" charset="0"/>
+              </a:rPr>
+              <a:t>thingy</a:t>
+            </a:r>
+            <a:endParaRPr lang="de-DE" sz="4400" dirty="0">
+              <a:solidFill>
+                <a:schemeClr val="bg1"/>
+              </a:solidFill>
+              <a:latin typeface="DIN Condensed" pitchFamily="2" charset="0"/>
+            </a:endParaRPr>
+          </a:p>
+          <a:p>
+            <a:pPr marL="571500" indent="-571500">
+              <a:buFont typeface="Arial" panose="020B0604020202020204" pitchFamily="34" charset="0"/>
+              <a:buChar char="•"/>
+            </a:pPr>
+            <a:r>
+              <a:rPr lang="de-DE" sz="4400" dirty="0">
+                <a:solidFill>
+                  <a:schemeClr val="bg1"/>
+                </a:solidFill>
+                <a:latin typeface="DIN Condensed" pitchFamily="2" charset="0"/>
+              </a:rPr>
+              <a:t>Tracking</a:t>
+            </a:r>
+          </a:p>
+          <a:p>
+            <a:pPr marL="571500" indent="-571500">
+              <a:buFont typeface="Arial" panose="020B0604020202020204" pitchFamily="34" charset="0"/>
+              <a:buChar char="•"/>
+            </a:pPr>
+            <a:r>
+              <a:rPr lang="de-DE" sz="4400" dirty="0">
+                <a:solidFill>
+                  <a:schemeClr val="bg1"/>
+                </a:solidFill>
+                <a:latin typeface="DIN Condensed" pitchFamily="2" charset="0"/>
+              </a:rPr>
+              <a:t>More </a:t>
+            </a:r>
+            <a:r>
+              <a:rPr lang="de-DE" sz="4400" dirty="0" err="1">
+                <a:solidFill>
+                  <a:schemeClr val="bg1"/>
+                </a:solidFill>
+                <a:latin typeface="DIN Condensed" pitchFamily="2" charset="0"/>
+              </a:rPr>
+              <a:t>gamification</a:t>
+            </a:r>
+            <a:endParaRPr lang="de-DE" sz="4400" dirty="0">
+              <a:solidFill>
+                <a:schemeClr val="bg1"/>
+              </a:solidFill>
+              <a:latin typeface="DIN Condensed" pitchFamily="2" charset="0"/>
+            </a:endParaRPr>
+          </a:p>
+          <a:p>
+            <a:pPr marL="571500" indent="-571500">
+              <a:buFont typeface="Arial" panose="020B0604020202020204" pitchFamily="34" charset="0"/>
+              <a:buChar char="•"/>
+            </a:pPr>
+            <a:r>
+              <a:rPr lang="de-DE" sz="4400" dirty="0" err="1">
+                <a:solidFill>
+                  <a:schemeClr val="bg1"/>
+                </a:solidFill>
+                <a:latin typeface="DIN Condensed" pitchFamily="2" charset="0"/>
+              </a:rPr>
+              <a:t>Learn</a:t>
+            </a:r>
+            <a:r>
+              <a:rPr lang="de-DE" sz="4400" dirty="0">
+                <a:solidFill>
+                  <a:schemeClr val="bg1"/>
+                </a:solidFill>
+                <a:latin typeface="DIN Condensed" pitchFamily="2" charset="0"/>
+              </a:rPr>
+              <a:t> </a:t>
+            </a:r>
+            <a:r>
+              <a:rPr lang="de-DE" sz="4400" dirty="0" err="1">
+                <a:solidFill>
+                  <a:schemeClr val="bg1"/>
+                </a:solidFill>
+                <a:latin typeface="DIN Condensed" pitchFamily="2" charset="0"/>
+              </a:rPr>
+              <a:t>traffic</a:t>
+            </a:r>
+            <a:r>
+              <a:rPr lang="de-DE" sz="4400" dirty="0">
+                <a:solidFill>
+                  <a:schemeClr val="bg1"/>
+                </a:solidFill>
+                <a:latin typeface="DIN Condensed" pitchFamily="2" charset="0"/>
+              </a:rPr>
+              <a:t> </a:t>
+            </a:r>
+            <a:r>
+              <a:rPr lang="de-DE" sz="4400" dirty="0" err="1">
+                <a:solidFill>
+                  <a:schemeClr val="bg1"/>
+                </a:solidFill>
+                <a:latin typeface="DIN Condensed" pitchFamily="2" charset="0"/>
+              </a:rPr>
+              <a:t>sign</a:t>
+            </a:r>
+            <a:r>
+              <a:rPr lang="de-DE" sz="4400" dirty="0">
+                <a:solidFill>
+                  <a:schemeClr val="bg1"/>
+                </a:solidFill>
+                <a:latin typeface="DIN Condensed" pitchFamily="2" charset="0"/>
+              </a:rPr>
+              <a:t> </a:t>
+            </a:r>
+            <a:r>
+              <a:rPr lang="de-DE" sz="4400" dirty="0" err="1">
+                <a:solidFill>
+                  <a:schemeClr val="bg1"/>
+                </a:solidFill>
+                <a:latin typeface="DIN Condensed" pitchFamily="2" charset="0"/>
+              </a:rPr>
+              <a:t>stuff</a:t>
+            </a:r>
+            <a:endParaRPr lang="de-DE" sz="4400" dirty="0">
+              <a:solidFill>
+                <a:schemeClr val="bg1"/>
+              </a:solidFill>
+              <a:latin typeface="DIN Condensed" pitchFamily="2" charset="0"/>
+            </a:endParaRPr>
+          </a:p>
+        </p:txBody>
+      </p:sp>
+    </p:spTree>
+    <p:extLst>
+      <p:ext uri="{BB962C8B-B14F-4D97-AF65-F5344CB8AC3E}">
+        <p14:creationId xmlns:p14="http://schemas.microsoft.com/office/powerpoint/2010/main" val="3608187931"/>
+      </p:ext>
+    </p:extLst>
+  </p:cSld>
+  <p:clrMapOvr>
+    <a:masterClrMapping/>
+  </p:clrMapOvr>
 </p:sld>
 </file>
 

--- a/slides/draft.pptx
+++ b/slides/draft.pptx
@@ -5,7 +5,7 @@
     <p:sldMasterId id="2147483648" r:id="rId1"/>
   </p:sldMasterIdLst>
   <p:notesMasterIdLst>
-    <p:notesMasterId r:id="rId22"/>
+    <p:notesMasterId r:id="rId23"/>
   </p:notesMasterIdLst>
   <p:sldIdLst>
     <p:sldId id="256" r:id="rId2"/>
@@ -17,17 +17,18 @@
     <p:sldId id="264" r:id="rId8"/>
     <p:sldId id="267" r:id="rId9"/>
     <p:sldId id="272" r:id="rId10"/>
-    <p:sldId id="268" r:id="rId11"/>
+    <p:sldId id="280" r:id="rId11"/>
     <p:sldId id="275" r:id="rId12"/>
-    <p:sldId id="271" r:id="rId13"/>
-    <p:sldId id="274" r:id="rId14"/>
-    <p:sldId id="270" r:id="rId15"/>
-    <p:sldId id="269" r:id="rId16"/>
-    <p:sldId id="260" r:id="rId17"/>
-    <p:sldId id="273" r:id="rId18"/>
-    <p:sldId id="276" r:id="rId19"/>
-    <p:sldId id="277" r:id="rId20"/>
-    <p:sldId id="278" r:id="rId21"/>
+    <p:sldId id="279" r:id="rId13"/>
+    <p:sldId id="271" r:id="rId14"/>
+    <p:sldId id="274" r:id="rId15"/>
+    <p:sldId id="270" r:id="rId16"/>
+    <p:sldId id="269" r:id="rId17"/>
+    <p:sldId id="260" r:id="rId18"/>
+    <p:sldId id="273" r:id="rId19"/>
+    <p:sldId id="276" r:id="rId20"/>
+    <p:sldId id="277" r:id="rId21"/>
+    <p:sldId id="278" r:id="rId22"/>
   </p:sldIdLst>
   <p:sldSz cx="12192000" cy="6858000"/>
   <p:notesSz cx="6858000" cy="9144000"/>
@@ -812,7 +813,7 @@
     </p:spTree>
     <p:extLst>
       <p:ext uri="{BB962C8B-B14F-4D97-AF65-F5344CB8AC3E}">
-        <p14:creationId xmlns:p14="http://schemas.microsoft.com/office/powerpoint/2010/main" val="2177111816"/>
+        <p14:creationId xmlns:p14="http://schemas.microsoft.com/office/powerpoint/2010/main" val="752357027"/>
       </p:ext>
     </p:extLst>
   </p:cSld>
@@ -1140,7 +1141,7 @@
     </p:spTree>
     <p:extLst>
       <p:ext uri="{BB962C8B-B14F-4D97-AF65-F5344CB8AC3E}">
-        <p14:creationId xmlns:p14="http://schemas.microsoft.com/office/powerpoint/2010/main" val="4191578546"/>
+        <p14:creationId xmlns:p14="http://schemas.microsoft.com/office/powerpoint/2010/main" val="941306001"/>
       </p:ext>
     </p:extLst>
   </p:cSld>
@@ -1304,7 +1305,7 @@
     </p:spTree>
     <p:extLst>
       <p:ext uri="{BB962C8B-B14F-4D97-AF65-F5344CB8AC3E}">
-        <p14:creationId xmlns:p14="http://schemas.microsoft.com/office/powerpoint/2010/main" val="4230448053"/>
+        <p14:creationId xmlns:p14="http://schemas.microsoft.com/office/powerpoint/2010/main" val="4191578546"/>
       </p:ext>
     </p:extLst>
   </p:cSld>
@@ -1459,7 +1460,7 @@
           <a:p>
             <a:fld id="{0088EFD8-5ED9-AD4B-A3FB-8A287AE11395}" type="slidenum">
               <a:rPr lang="de-DE" smtClean="0"/>
-              <a:t>15</a:t>
+              <a:t>14</a:t>
             </a:fld>
             <a:endParaRPr lang="de-DE"/>
           </a:p>
@@ -1468,7 +1469,7 @@
     </p:spTree>
     <p:extLst>
       <p:ext uri="{BB962C8B-B14F-4D97-AF65-F5344CB8AC3E}">
-        <p14:creationId xmlns:p14="http://schemas.microsoft.com/office/powerpoint/2010/main" val="3650784537"/>
+        <p14:creationId xmlns:p14="http://schemas.microsoft.com/office/powerpoint/2010/main" val="4230448053"/>
       </p:ext>
     </p:extLst>
   </p:cSld>
@@ -1522,6 +1523,170 @@
           <a:bodyPr/>
           <a:lstStyle/>
           <a:p>
+            <a:r>
+              <a:rPr lang="de-DE" dirty="0"/>
+              <a:t>*</a:t>
+            </a:r>
+            <a:r>
+              <a:rPr lang="de-DE" dirty="0" err="1"/>
+              <a:t>scared</a:t>
+            </a:r>
+            <a:r>
+              <a:rPr lang="de-DE" dirty="0"/>
+              <a:t> </a:t>
+            </a:r>
+            <a:r>
+              <a:rPr lang="de-DE" dirty="0" err="1"/>
+              <a:t>when</a:t>
+            </a:r>
+            <a:r>
+              <a:rPr lang="de-DE" dirty="0"/>
+              <a:t> </a:t>
+            </a:r>
+            <a:r>
+              <a:rPr lang="de-DE" dirty="0" err="1"/>
+              <a:t>their</a:t>
+            </a:r>
+            <a:r>
+              <a:rPr lang="de-DE" dirty="0"/>
+              <a:t> </a:t>
+            </a:r>
+            <a:r>
+              <a:rPr lang="de-DE" dirty="0" err="1"/>
+              <a:t>elementary</a:t>
+            </a:r>
+            <a:r>
+              <a:rPr lang="de-DE" dirty="0"/>
+              <a:t> </a:t>
+            </a:r>
+            <a:r>
+              <a:rPr lang="de-DE" dirty="0" err="1"/>
+              <a:t>school</a:t>
+            </a:r>
+            <a:r>
+              <a:rPr lang="de-DE" dirty="0"/>
+              <a:t> </a:t>
+            </a:r>
+            <a:r>
+              <a:rPr lang="de-DE" dirty="0" err="1"/>
+              <a:t>kids</a:t>
+            </a:r>
+            <a:r>
+              <a:rPr lang="de-DE" dirty="0"/>
+              <a:t> </a:t>
+            </a:r>
+            <a:r>
+              <a:rPr lang="de-DE" dirty="0" err="1"/>
+              <a:t>walks</a:t>
+            </a:r>
+            <a:r>
+              <a:rPr lang="de-DE" dirty="0"/>
+              <a:t> </a:t>
+            </a:r>
+            <a:r>
+              <a:rPr lang="de-DE" dirty="0" err="1"/>
+              <a:t>to</a:t>
+            </a:r>
+            <a:r>
+              <a:rPr lang="de-DE" dirty="0"/>
+              <a:t> </a:t>
+            </a:r>
+            <a:r>
+              <a:rPr lang="de-DE" dirty="0" err="1"/>
+              <a:t>school</a:t>
+            </a:r>
+            <a:r>
+              <a:rPr lang="de-DE" dirty="0"/>
+              <a:t> </a:t>
+            </a:r>
+            <a:r>
+              <a:rPr lang="de-DE" dirty="0" err="1"/>
+              <a:t>alone</a:t>
+            </a:r>
+            <a:endParaRPr lang="de-DE" dirty="0"/>
+          </a:p>
+        </p:txBody>
+      </p:sp>
+      <p:sp>
+        <p:nvSpPr>
+          <p:cNvPr id="4" name="Foliennummernplatzhalter 3"/>
+          <p:cNvSpPr>
+            <a:spLocks noGrp="1"/>
+          </p:cNvSpPr>
+          <p:nvPr>
+            <p:ph type="sldNum" sz="quarter" idx="5"/>
+          </p:nvPr>
+        </p:nvSpPr>
+        <p:spPr/>
+        <p:txBody>
+          <a:bodyPr/>
+          <a:lstStyle/>
+          <a:p>
+            <a:fld id="{0088EFD8-5ED9-AD4B-A3FB-8A287AE11395}" type="slidenum">
+              <a:rPr lang="de-DE" smtClean="0"/>
+              <a:t>16</a:t>
+            </a:fld>
+            <a:endParaRPr lang="de-DE"/>
+          </a:p>
+        </p:txBody>
+      </p:sp>
+    </p:spTree>
+    <p:extLst>
+      <p:ext uri="{BB962C8B-B14F-4D97-AF65-F5344CB8AC3E}">
+        <p14:creationId xmlns:p14="http://schemas.microsoft.com/office/powerpoint/2010/main" val="3650784537"/>
+      </p:ext>
+    </p:extLst>
+  </p:cSld>
+  <p:clrMapOvr>
+    <a:masterClrMapping/>
+  </p:clrMapOvr>
+</p:notes>
+</file>
+
+<file path=ppt/notesSlides/notesSlide8.xml><?xml version="1.0" encoding="utf-8"?>
+<p:notes xmlns:a="http://schemas.openxmlformats.org/drawingml/2006/main" xmlns:r="http://schemas.openxmlformats.org/officeDocument/2006/relationships" xmlns:p="http://schemas.openxmlformats.org/presentationml/2006/main">
+  <p:cSld>
+    <p:spTree>
+      <p:nvGrpSpPr>
+        <p:cNvPr id="1" name=""/>
+        <p:cNvGrpSpPr/>
+        <p:nvPr/>
+      </p:nvGrpSpPr>
+      <p:grpSpPr>
+        <a:xfrm>
+          <a:off x="0" y="0"/>
+          <a:ext cx="0" cy="0"/>
+          <a:chOff x="0" y="0"/>
+          <a:chExt cx="0" cy="0"/>
+        </a:xfrm>
+      </p:grpSpPr>
+      <p:sp>
+        <p:nvSpPr>
+          <p:cNvPr id="2" name="Folienbildplatzhalter 1"/>
+          <p:cNvSpPr>
+            <a:spLocks noGrp="1" noRot="1" noChangeAspect="1"/>
+          </p:cNvSpPr>
+          <p:nvPr>
+            <p:ph type="sldImg"/>
+          </p:nvPr>
+        </p:nvSpPr>
+        <p:spPr/>
+      </p:sp>
+      <p:sp>
+        <p:nvSpPr>
+          <p:cNvPr id="3" name="Notizenplatzhalter 2"/>
+          <p:cNvSpPr>
+            <a:spLocks noGrp="1"/>
+          </p:cNvSpPr>
+          <p:nvPr>
+            <p:ph type="body" idx="1"/>
+          </p:nvPr>
+        </p:nvSpPr>
+        <p:spPr/>
+        <p:txBody>
+          <a:bodyPr/>
+          <a:lstStyle/>
+          <a:p>
             <a:pPr marL="0" marR="0" lvl="0" indent="0" algn="l" defTabSz="914400" rtl="0" eaLnBrk="1" fontAlgn="auto" latinLnBrk="0" hangingPunct="1">
               <a:lnSpc>
                 <a:spcPct val="100000"/>
@@ -1909,7 +2074,7 @@
           <a:p>
             <a:fld id="{0088EFD8-5ED9-AD4B-A3FB-8A287AE11395}" type="slidenum">
               <a:rPr lang="de-DE" smtClean="0"/>
-              <a:t>17</a:t>
+              <a:t>18</a:t>
             </a:fld>
             <a:endParaRPr lang="de-DE"/>
           </a:p>
@@ -1928,7 +2093,7 @@
 </p:notes>
 </file>
 
-<file path=ppt/notesSlides/notesSlide8.xml><?xml version="1.0" encoding="utf-8"?>
+<file path=ppt/notesSlides/notesSlide9.xml><?xml version="1.0" encoding="utf-8"?>
 <p:notes xmlns:a="http://schemas.openxmlformats.org/drawingml/2006/main" xmlns:r="http://schemas.openxmlformats.org/officeDocument/2006/relationships" xmlns:p="http://schemas.openxmlformats.org/presentationml/2006/main">
   <p:cSld>
     <p:spTree>
@@ -2359,7 +2524,7 @@
           <a:p>
             <a:fld id="{0088EFD8-5ED9-AD4B-A3FB-8A287AE11395}" type="slidenum">
               <a:rPr lang="de-DE" smtClean="0"/>
-              <a:t>20</a:t>
+              <a:t>21</a:t>
             </a:fld>
             <a:endParaRPr lang="de-DE"/>
           </a:p>
@@ -5791,10 +5956,10 @@
       </p:sp>
       <p:pic>
         <p:nvPicPr>
-          <p:cNvPr id="9" name="Grafik 8">
-            <a:extLst>
-              <a:ext uri="{FF2B5EF4-FFF2-40B4-BE49-F238E27FC236}">
-                <a16:creationId xmlns:a16="http://schemas.microsoft.com/office/drawing/2014/main" id="{AB095246-CE2B-4E42-A87D-FD9A86FEBE80}"/>
+          <p:cNvPr id="11" name="Grafik 10">
+            <a:extLst>
+              <a:ext uri="{FF2B5EF4-FFF2-40B4-BE49-F238E27FC236}">
+                <a16:creationId xmlns:a16="http://schemas.microsoft.com/office/drawing/2014/main" id="{1AA931B9-3609-844C-8072-9749B248F5DA}"/>
               </a:ext>
             </a:extLst>
           </p:cNvPr>
@@ -5811,120 +5976,78 @@
         </p:blipFill>
         <p:spPr>
           <a:xfrm>
-            <a:off x="141337" y="240270"/>
-            <a:ext cx="1224000" cy="1224000"/>
+            <a:off x="1365337" y="850900"/>
+            <a:ext cx="2374900" cy="5156200"/>
           </a:xfrm>
           <a:prstGeom prst="rect">
             <a:avLst/>
           </a:prstGeom>
         </p:spPr>
       </p:pic>
-      <p:sp>
-        <p:nvSpPr>
-          <p:cNvPr id="10" name="Textfeld 9">
-            <a:extLst>
-              <a:ext uri="{FF2B5EF4-FFF2-40B4-BE49-F238E27FC236}">
-                <a16:creationId xmlns:a16="http://schemas.microsoft.com/office/drawing/2014/main" id="{89C52750-940F-9A41-A756-9DA1300186EE}"/>
-              </a:ext>
-            </a:extLst>
-          </p:cNvPr>
-          <p:cNvSpPr txBox="1"/>
+      <p:pic>
+        <p:nvPicPr>
+          <p:cNvPr id="13" name="Grafik 12">
+            <a:extLst>
+              <a:ext uri="{FF2B5EF4-FFF2-40B4-BE49-F238E27FC236}">
+                <a16:creationId xmlns:a16="http://schemas.microsoft.com/office/drawing/2014/main" id="{4BEFF6D5-B209-A949-974B-AFE86F3A2210}"/>
+              </a:ext>
+            </a:extLst>
+          </p:cNvPr>
+          <p:cNvPicPr>
+            <a:picLocks noChangeAspect="1"/>
+          </p:cNvPicPr>
           <p:nvPr/>
-        </p:nvSpPr>
+        </p:nvPicPr>
+        <p:blipFill>
+          <a:blip r:embed="rId4"/>
+          <a:stretch>
+            <a:fillRect/>
+          </a:stretch>
+        </p:blipFill>
         <p:spPr>
           <a:xfrm>
-            <a:off x="1506674" y="67440"/>
-            <a:ext cx="8854654" cy="1569660"/>
-          </a:xfrm>
-          <a:prstGeom prst="rect">
-            <a:avLst/>
-          </a:prstGeom>
-          <a:noFill/>
-        </p:spPr>
-        <p:txBody>
-          <a:bodyPr wrap="square" rtlCol="0">
-            <a:spAutoFit/>
-          </a:bodyPr>
-          <a:lstStyle/>
-          <a:p>
-            <a:r>
-              <a:rPr lang="de-DE" sz="9600" b="1" dirty="0">
-                <a:solidFill>
-                  <a:schemeClr val="bg1"/>
-                </a:solidFill>
-                <a:latin typeface="DIN Condensed" pitchFamily="2" charset="0"/>
-              </a:rPr>
-              <a:t>SAFE EMMA</a:t>
-            </a:r>
-          </a:p>
-        </p:txBody>
-      </p:sp>
-      <p:sp>
-        <p:nvSpPr>
-          <p:cNvPr id="21" name="Rechteck 20">
-            <a:extLst>
-              <a:ext uri="{FF2B5EF4-FFF2-40B4-BE49-F238E27FC236}">
-                <a16:creationId xmlns:a16="http://schemas.microsoft.com/office/drawing/2014/main" id="{1B66C7F6-674D-0D4B-B85E-DA4A0B1EC187}"/>
-              </a:ext>
-            </a:extLst>
-          </p:cNvPr>
-          <p:cNvSpPr/>
-          <p:nvPr/>
-        </p:nvSpPr>
-        <p:spPr>
-          <a:xfrm>
-            <a:off x="5160723" y="2668044"/>
-            <a:ext cx="3269293" cy="488515"/>
+            <a:off x="4908550" y="850900"/>
+            <a:ext cx="2374900" cy="5156200"/>
           </a:xfrm>
           <a:prstGeom prst="rect">
             <a:avLst/>
           </a:prstGeom>
         </p:spPr>
-        <p:style>
-          <a:lnRef idx="2">
-            <a:schemeClr val="accent1">
-              <a:shade val="50000"/>
-            </a:schemeClr>
-          </a:lnRef>
-          <a:fillRef idx="1">
-            <a:schemeClr val="accent1"/>
-          </a:fillRef>
-          <a:effectRef idx="0">
-            <a:schemeClr val="accent1"/>
-          </a:effectRef>
-          <a:fontRef idx="minor">
-            <a:schemeClr val="lt1"/>
-          </a:fontRef>
-        </p:style>
-        <p:txBody>
-          <a:bodyPr rtlCol="0" anchor="ctr"/>
-          <a:lstStyle/>
-          <a:p>
-            <a:pPr algn="ctr"/>
-            <a:r>
-              <a:rPr lang="de-DE" dirty="0"/>
-              <a:t>Screenshots </a:t>
-            </a:r>
-            <a:r>
-              <a:rPr lang="de-DE" dirty="0" err="1"/>
-              <a:t>and</a:t>
-            </a:r>
-            <a:r>
-              <a:rPr lang="de-DE" dirty="0"/>
-              <a:t> </a:t>
-            </a:r>
-            <a:r>
-              <a:rPr lang="de-DE" dirty="0" err="1"/>
-              <a:t>functions</a:t>
-            </a:r>
-            <a:endParaRPr lang="de-DE" dirty="0"/>
-          </a:p>
-        </p:txBody>
-      </p:sp>
+      </p:pic>
+      <p:pic>
+        <p:nvPicPr>
+          <p:cNvPr id="14" name="Grafik 13">
+            <a:extLst>
+              <a:ext uri="{FF2B5EF4-FFF2-40B4-BE49-F238E27FC236}">
+                <a16:creationId xmlns:a16="http://schemas.microsoft.com/office/drawing/2014/main" id="{501DBEB6-4919-8A4E-B174-26971DFC020B}"/>
+              </a:ext>
+            </a:extLst>
+          </p:cNvPr>
+          <p:cNvPicPr>
+            <a:picLocks noChangeAspect="1"/>
+          </p:cNvPicPr>
+          <p:nvPr/>
+        </p:nvPicPr>
+        <p:blipFill>
+          <a:blip r:embed="rId5"/>
+          <a:stretch>
+            <a:fillRect/>
+          </a:stretch>
+        </p:blipFill>
+        <p:spPr>
+          <a:xfrm>
+            <a:off x="8451763" y="850900"/>
+            <a:ext cx="2374900" cy="5156200"/>
+          </a:xfrm>
+          <a:prstGeom prst="rect">
+            <a:avLst/>
+          </a:prstGeom>
+        </p:spPr>
+      </p:pic>
     </p:spTree>
     <p:extLst>
       <p:ext uri="{BB962C8B-B14F-4D97-AF65-F5344CB8AC3E}">
-        <p14:creationId xmlns:p14="http://schemas.microsoft.com/office/powerpoint/2010/main" val="4121824153"/>
+        <p14:creationId xmlns:p14="http://schemas.microsoft.com/office/powerpoint/2010/main" val="314512001"/>
       </p:ext>
     </p:extLst>
   </p:cSld>
@@ -6016,10 +6139,10 @@
       </p:sp>
       <p:pic>
         <p:nvPicPr>
-          <p:cNvPr id="9" name="Grafik 8">
-            <a:extLst>
-              <a:ext uri="{FF2B5EF4-FFF2-40B4-BE49-F238E27FC236}">
-                <a16:creationId xmlns:a16="http://schemas.microsoft.com/office/drawing/2014/main" id="{AB095246-CE2B-4E42-A87D-FD9A86FEBE80}"/>
+          <p:cNvPr id="3" name="Grafik 2">
+            <a:extLst>
+              <a:ext uri="{FF2B5EF4-FFF2-40B4-BE49-F238E27FC236}">
+                <a16:creationId xmlns:a16="http://schemas.microsoft.com/office/drawing/2014/main" id="{8A8F5466-37BE-6541-A386-A9A3AF52740B}"/>
               </a:ext>
             </a:extLst>
           </p:cNvPr>
@@ -6036,116 +6159,44 @@
         </p:blipFill>
         <p:spPr>
           <a:xfrm>
-            <a:off x="141337" y="240270"/>
-            <a:ext cx="1224000" cy="1224000"/>
+            <a:off x="6540580" y="850900"/>
+            <a:ext cx="2374900" cy="5156200"/>
           </a:xfrm>
           <a:prstGeom prst="rect">
             <a:avLst/>
           </a:prstGeom>
         </p:spPr>
       </p:pic>
-      <p:sp>
-        <p:nvSpPr>
-          <p:cNvPr id="10" name="Textfeld 9">
-            <a:extLst>
-              <a:ext uri="{FF2B5EF4-FFF2-40B4-BE49-F238E27FC236}">
-                <a16:creationId xmlns:a16="http://schemas.microsoft.com/office/drawing/2014/main" id="{89C52750-940F-9A41-A756-9DA1300186EE}"/>
-              </a:ext>
-            </a:extLst>
-          </p:cNvPr>
-          <p:cNvSpPr txBox="1"/>
+      <p:pic>
+        <p:nvPicPr>
+          <p:cNvPr id="8" name="Grafik 7">
+            <a:extLst>
+              <a:ext uri="{FF2B5EF4-FFF2-40B4-BE49-F238E27FC236}">
+                <a16:creationId xmlns:a16="http://schemas.microsoft.com/office/drawing/2014/main" id="{7E07EAA9-2F48-C84B-B6E1-BD6F947EC9B3}"/>
+              </a:ext>
+            </a:extLst>
+          </p:cNvPr>
+          <p:cNvPicPr>
+            <a:picLocks noChangeAspect="1"/>
+          </p:cNvPicPr>
           <p:nvPr/>
-        </p:nvSpPr>
+        </p:nvPicPr>
+        <p:blipFill>
+          <a:blip r:embed="rId4"/>
+          <a:stretch>
+            <a:fillRect/>
+          </a:stretch>
+        </p:blipFill>
         <p:spPr>
           <a:xfrm>
-            <a:off x="1506674" y="67440"/>
-            <a:ext cx="8854654" cy="1569660"/>
-          </a:xfrm>
-          <a:prstGeom prst="rect">
-            <a:avLst/>
-          </a:prstGeom>
-          <a:noFill/>
-        </p:spPr>
-        <p:txBody>
-          <a:bodyPr wrap="square" rtlCol="0">
-            <a:spAutoFit/>
-          </a:bodyPr>
-          <a:lstStyle/>
-          <a:p>
-            <a:r>
-              <a:rPr lang="de-DE" sz="9600" b="1" dirty="0">
-                <a:solidFill>
-                  <a:schemeClr val="bg1"/>
-                </a:solidFill>
-                <a:latin typeface="DIN Condensed" pitchFamily="2" charset="0"/>
-              </a:rPr>
-              <a:t>SAFE EMMA</a:t>
-            </a:r>
-          </a:p>
-        </p:txBody>
-      </p:sp>
-      <p:sp>
-        <p:nvSpPr>
-          <p:cNvPr id="21" name="Rechteck 20">
-            <a:extLst>
-              <a:ext uri="{FF2B5EF4-FFF2-40B4-BE49-F238E27FC236}">
-                <a16:creationId xmlns:a16="http://schemas.microsoft.com/office/drawing/2014/main" id="{1B66C7F6-674D-0D4B-B85E-DA4A0B1EC187}"/>
-              </a:ext>
-            </a:extLst>
-          </p:cNvPr>
-          <p:cNvSpPr/>
-          <p:nvPr/>
-        </p:nvSpPr>
-        <p:spPr>
-          <a:xfrm>
-            <a:off x="5160723" y="2668044"/>
-            <a:ext cx="3269293" cy="488515"/>
+            <a:off x="3277507" y="850900"/>
+            <a:ext cx="2374900" cy="5156200"/>
           </a:xfrm>
           <a:prstGeom prst="rect">
             <a:avLst/>
           </a:prstGeom>
         </p:spPr>
-        <p:style>
-          <a:lnRef idx="2">
-            <a:schemeClr val="accent1">
-              <a:shade val="50000"/>
-            </a:schemeClr>
-          </a:lnRef>
-          <a:fillRef idx="1">
-            <a:schemeClr val="accent1"/>
-          </a:fillRef>
-          <a:effectRef idx="0">
-            <a:schemeClr val="accent1"/>
-          </a:effectRef>
-          <a:fontRef idx="minor">
-            <a:schemeClr val="lt1"/>
-          </a:fontRef>
-        </p:style>
-        <p:txBody>
-          <a:bodyPr rtlCol="0" anchor="ctr"/>
-          <a:lstStyle/>
-          <a:p>
-            <a:pPr algn="ctr"/>
-            <a:r>
-              <a:rPr lang="de-DE" dirty="0"/>
-              <a:t>Screenshots </a:t>
-            </a:r>
-            <a:r>
-              <a:rPr lang="de-DE" dirty="0" err="1"/>
-              <a:t>and</a:t>
-            </a:r>
-            <a:r>
-              <a:rPr lang="de-DE" dirty="0"/>
-              <a:t> </a:t>
-            </a:r>
-            <a:r>
-              <a:rPr lang="de-DE" dirty="0" err="1"/>
-              <a:t>functions</a:t>
-            </a:r>
-            <a:endParaRPr lang="de-DE" dirty="0"/>
-          </a:p>
-        </p:txBody>
-      </p:sp>
+      </p:pic>
     </p:spTree>
     <p:extLst>
       <p:ext uri="{BB962C8B-B14F-4D97-AF65-F5344CB8AC3E}">
@@ -6241,10 +6292,10 @@
       </p:sp>
       <p:pic>
         <p:nvPicPr>
-          <p:cNvPr id="5" name="Grafik 4">
-            <a:extLst>
-              <a:ext uri="{FF2B5EF4-FFF2-40B4-BE49-F238E27FC236}">
-                <a16:creationId xmlns:a16="http://schemas.microsoft.com/office/drawing/2014/main" id="{E523C6CA-DACD-9D49-811B-BE2DBD719520}"/>
+          <p:cNvPr id="3" name="Grafik 2">
+            <a:extLst>
+              <a:ext uri="{FF2B5EF4-FFF2-40B4-BE49-F238E27FC236}">
+                <a16:creationId xmlns:a16="http://schemas.microsoft.com/office/drawing/2014/main" id="{53207169-BEC6-1C4B-A5FD-ADF88118B839}"/>
               </a:ext>
             </a:extLst>
           </p:cNvPr>
@@ -6261,112 +6312,78 @@
         </p:blipFill>
         <p:spPr>
           <a:xfrm>
-            <a:off x="141337" y="240270"/>
-            <a:ext cx="1224000" cy="1224000"/>
+            <a:off x="1400061" y="850900"/>
+            <a:ext cx="2374900" cy="5156200"/>
           </a:xfrm>
           <a:prstGeom prst="rect">
             <a:avLst/>
           </a:prstGeom>
         </p:spPr>
       </p:pic>
-      <p:sp>
-        <p:nvSpPr>
-          <p:cNvPr id="10" name="Textfeld 9">
-            <a:extLst>
-              <a:ext uri="{FF2B5EF4-FFF2-40B4-BE49-F238E27FC236}">
-                <a16:creationId xmlns:a16="http://schemas.microsoft.com/office/drawing/2014/main" id="{89C52750-940F-9A41-A756-9DA1300186EE}"/>
-              </a:ext>
-            </a:extLst>
-          </p:cNvPr>
-          <p:cNvSpPr txBox="1"/>
+      <p:pic>
+        <p:nvPicPr>
+          <p:cNvPr id="8" name="Grafik 7">
+            <a:extLst>
+              <a:ext uri="{FF2B5EF4-FFF2-40B4-BE49-F238E27FC236}">
+                <a16:creationId xmlns:a16="http://schemas.microsoft.com/office/drawing/2014/main" id="{04007C6B-A169-AC49-8BB8-95C65815C905}"/>
+              </a:ext>
+            </a:extLst>
+          </p:cNvPr>
+          <p:cNvPicPr>
+            <a:picLocks noChangeAspect="1"/>
+          </p:cNvPicPr>
           <p:nvPr/>
-        </p:nvSpPr>
+        </p:nvPicPr>
+        <p:blipFill>
+          <a:blip r:embed="rId4"/>
+          <a:stretch>
+            <a:fillRect/>
+          </a:stretch>
+        </p:blipFill>
         <p:spPr>
           <a:xfrm>
-            <a:off x="1506674" y="67440"/>
-            <a:ext cx="8854654" cy="1569660"/>
-          </a:xfrm>
-          <a:prstGeom prst="rect">
-            <a:avLst/>
-          </a:prstGeom>
-          <a:noFill/>
-        </p:spPr>
-        <p:txBody>
-          <a:bodyPr wrap="square" rtlCol="0">
-            <a:spAutoFit/>
-          </a:bodyPr>
-          <a:lstStyle/>
-          <a:p>
-            <a:r>
-              <a:rPr lang="de-DE" sz="9600" b="1" dirty="0">
-                <a:solidFill>
-                  <a:schemeClr val="bg1"/>
-                </a:solidFill>
-                <a:latin typeface="DIN Condensed" pitchFamily="2" charset="0"/>
-              </a:rPr>
-              <a:t>PROOF OF CONCEPT</a:t>
-            </a:r>
-          </a:p>
-        </p:txBody>
-      </p:sp>
-      <p:sp>
-        <p:nvSpPr>
-          <p:cNvPr id="2" name="Rechteck 1">
-            <a:extLst>
-              <a:ext uri="{FF2B5EF4-FFF2-40B4-BE49-F238E27FC236}">
-                <a16:creationId xmlns:a16="http://schemas.microsoft.com/office/drawing/2014/main" id="{D268CD54-5F46-AC4A-8688-BDBFB647FF0C}"/>
-              </a:ext>
-            </a:extLst>
-          </p:cNvPr>
-          <p:cNvSpPr/>
-          <p:nvPr/>
-        </p:nvSpPr>
-        <p:spPr>
-          <a:xfrm>
-            <a:off x="5160723" y="2668044"/>
-            <a:ext cx="3269293" cy="488515"/>
+            <a:off x="8486487" y="850900"/>
+            <a:ext cx="2374900" cy="5156200"/>
           </a:xfrm>
           <a:prstGeom prst="rect">
             <a:avLst/>
           </a:prstGeom>
         </p:spPr>
-        <p:style>
-          <a:lnRef idx="2">
-            <a:schemeClr val="accent1">
-              <a:shade val="50000"/>
-            </a:schemeClr>
-          </a:lnRef>
-          <a:fillRef idx="1">
-            <a:schemeClr val="accent1"/>
-          </a:fillRef>
-          <a:effectRef idx="0">
-            <a:schemeClr val="accent1"/>
-          </a:effectRef>
-          <a:fontRef idx="minor">
-            <a:schemeClr val="lt1"/>
-          </a:fontRef>
-        </p:style>
-        <p:txBody>
-          <a:bodyPr rtlCol="0" anchor="ctr"/>
-          <a:lstStyle/>
-          <a:p>
-            <a:pPr algn="ctr"/>
-            <a:r>
-              <a:rPr lang="de-DE" dirty="0"/>
-              <a:t>Live </a:t>
-            </a:r>
-            <a:r>
-              <a:rPr lang="de-DE" dirty="0" err="1"/>
-              <a:t>demo</a:t>
-            </a:r>
-            <a:endParaRPr lang="de-DE" dirty="0"/>
-          </a:p>
-        </p:txBody>
-      </p:sp>
+      </p:pic>
+      <p:pic>
+        <p:nvPicPr>
+          <p:cNvPr id="12" name="Grafik 11">
+            <a:extLst>
+              <a:ext uri="{FF2B5EF4-FFF2-40B4-BE49-F238E27FC236}">
+                <a16:creationId xmlns:a16="http://schemas.microsoft.com/office/drawing/2014/main" id="{7758F87F-7B7F-D64B-82F0-CEF725BF41B0}"/>
+              </a:ext>
+            </a:extLst>
+          </p:cNvPr>
+          <p:cNvPicPr>
+            <a:picLocks noChangeAspect="1"/>
+          </p:cNvPicPr>
+          <p:nvPr/>
+        </p:nvPicPr>
+        <p:blipFill>
+          <a:blip r:embed="rId5"/>
+          <a:stretch>
+            <a:fillRect/>
+          </a:stretch>
+        </p:blipFill>
+        <p:spPr>
+          <a:xfrm>
+            <a:off x="4943274" y="850900"/>
+            <a:ext cx="2374900" cy="5156200"/>
+          </a:xfrm>
+          <a:prstGeom prst="rect">
+            <a:avLst/>
+          </a:prstGeom>
+        </p:spPr>
+      </p:pic>
     </p:spTree>
     <p:extLst>
       <p:ext uri="{BB962C8B-B14F-4D97-AF65-F5344CB8AC3E}">
-        <p14:creationId xmlns:p14="http://schemas.microsoft.com/office/powerpoint/2010/main" val="3931372928"/>
+        <p14:creationId xmlns:p14="http://schemas.microsoft.com/office/powerpoint/2010/main" val="174242931"/>
       </p:ext>
     </p:extLst>
   </p:cSld>
@@ -6461,7 +6478,7 @@
           <p:cNvPr id="5" name="Grafik 4">
             <a:extLst>
               <a:ext uri="{FF2B5EF4-FFF2-40B4-BE49-F238E27FC236}">
-                <a16:creationId xmlns:a16="http://schemas.microsoft.com/office/drawing/2014/main" id="{97F7549A-51BA-0E4D-85EB-60F2DB5B7A84}"/>
+                <a16:creationId xmlns:a16="http://schemas.microsoft.com/office/drawing/2014/main" id="{E523C6CA-DACD-9D49-811B-BE2DBD719520}"/>
               </a:ext>
             </a:extLst>
           </p:cNvPr>
@@ -6478,7 +6495,7 @@
         </p:blipFill>
         <p:spPr>
           <a:xfrm>
-            <a:off x="141337" y="206550"/>
+            <a:off x="141337" y="240270"/>
             <a:ext cx="1224000" cy="1224000"/>
           </a:xfrm>
           <a:prstGeom prst="rect">
@@ -6521,689 +6538,27 @@
                 </a:solidFill>
                 <a:latin typeface="DIN Condensed" pitchFamily="2" charset="0"/>
               </a:rPr>
-              <a:t>CA$H. LOTS OF CASH</a:t>
-            </a:r>
-          </a:p>
-        </p:txBody>
-      </p:sp>
-      <p:sp>
-        <p:nvSpPr>
-          <p:cNvPr id="6" name="Textfeld 5">
-            <a:extLst>
-              <a:ext uri="{FF2B5EF4-FFF2-40B4-BE49-F238E27FC236}">
-                <a16:creationId xmlns:a16="http://schemas.microsoft.com/office/drawing/2014/main" id="{E467247D-267E-3E4A-BD87-430368712837}"/>
-              </a:ext>
-            </a:extLst>
-          </p:cNvPr>
-          <p:cNvSpPr txBox="1"/>
+              <a:t>PROOF OF CONCEPT</a:t>
+            </a:r>
+          </a:p>
+        </p:txBody>
+      </p:sp>
+      <p:sp>
+        <p:nvSpPr>
+          <p:cNvPr id="2" name="Rechteck 1">
+            <a:extLst>
+              <a:ext uri="{FF2B5EF4-FFF2-40B4-BE49-F238E27FC236}">
+                <a16:creationId xmlns:a16="http://schemas.microsoft.com/office/drawing/2014/main" id="{D268CD54-5F46-AC4A-8688-BDBFB647FF0C}"/>
+              </a:ext>
+            </a:extLst>
+          </p:cNvPr>
+          <p:cNvSpPr/>
           <p:nvPr/>
         </p:nvSpPr>
         <p:spPr>
           <a:xfrm>
-            <a:off x="288098" y="1637100"/>
-            <a:ext cx="10860066" cy="4154984"/>
-          </a:xfrm>
-          <a:prstGeom prst="rect">
-            <a:avLst/>
-          </a:prstGeom>
-          <a:noFill/>
-        </p:spPr>
-        <p:txBody>
-          <a:bodyPr wrap="square" rtlCol="0">
-            <a:spAutoFit/>
-          </a:bodyPr>
-          <a:lstStyle/>
-          <a:p>
-            <a:pPr marL="571500" indent="-571500">
-              <a:buFont typeface="Arial" panose="020B0604020202020204" pitchFamily="34" charset="0"/>
-              <a:buChar char="•"/>
-            </a:pPr>
-            <a:r>
-              <a:rPr lang="de-DE" sz="4400" dirty="0">
-                <a:solidFill>
-                  <a:schemeClr val="bg1"/>
-                </a:solidFill>
-                <a:latin typeface="DIN Condensed" pitchFamily="2" charset="0"/>
-              </a:rPr>
-              <a:t>Abonnement Model: </a:t>
-            </a:r>
-            <a:r>
-              <a:rPr lang="de-DE" sz="4400" dirty="0" err="1">
-                <a:solidFill>
-                  <a:schemeClr val="bg1"/>
-                </a:solidFill>
-                <a:latin typeface="DIN Condensed" pitchFamily="2" charset="0"/>
-              </a:rPr>
-              <a:t>Only</a:t>
-            </a:r>
-            <a:r>
-              <a:rPr lang="de-DE" sz="4400" dirty="0">
-                <a:solidFill>
-                  <a:schemeClr val="bg1"/>
-                </a:solidFill>
-                <a:latin typeface="DIN Condensed" pitchFamily="2" charset="0"/>
-              </a:rPr>
-              <a:t> 2 </a:t>
-            </a:r>
-            <a:r>
-              <a:rPr lang="de-DE" sz="4400" dirty="0" err="1">
-                <a:solidFill>
-                  <a:schemeClr val="bg1"/>
-                </a:solidFill>
-                <a:latin typeface="DIN Condensed" pitchFamily="2" charset="0"/>
-              </a:rPr>
-              <a:t>SafeSpots</a:t>
-            </a:r>
-            <a:r>
-              <a:rPr lang="de-DE" sz="4400" dirty="0">
-                <a:solidFill>
-                  <a:schemeClr val="bg1"/>
-                </a:solidFill>
-                <a:latin typeface="DIN Condensed" pitchFamily="2" charset="0"/>
-              </a:rPr>
-              <a:t> </a:t>
-            </a:r>
-            <a:r>
-              <a:rPr lang="de-DE" sz="4400" dirty="0" err="1">
-                <a:solidFill>
-                  <a:schemeClr val="bg1"/>
-                </a:solidFill>
-                <a:latin typeface="DIN Condensed" pitchFamily="2" charset="0"/>
-              </a:rPr>
-              <a:t>available</a:t>
-            </a:r>
-            <a:r>
-              <a:rPr lang="de-DE" sz="4400" dirty="0">
-                <a:solidFill>
-                  <a:schemeClr val="bg1"/>
-                </a:solidFill>
-                <a:latin typeface="DIN Condensed" pitchFamily="2" charset="0"/>
-              </a:rPr>
-              <a:t> (School &amp; Home), but </a:t>
-            </a:r>
-            <a:r>
-              <a:rPr lang="de-DE" sz="4400" dirty="0" err="1">
-                <a:solidFill>
-                  <a:schemeClr val="bg1"/>
-                </a:solidFill>
-                <a:latin typeface="DIN Condensed" pitchFamily="2" charset="0"/>
-              </a:rPr>
-              <a:t>more</a:t>
-            </a:r>
-            <a:r>
-              <a:rPr lang="de-DE" sz="4400" dirty="0">
-                <a:solidFill>
-                  <a:schemeClr val="bg1"/>
-                </a:solidFill>
-                <a:latin typeface="DIN Condensed" pitchFamily="2" charset="0"/>
-              </a:rPr>
-              <a:t> </a:t>
-            </a:r>
-            <a:r>
-              <a:rPr lang="de-DE" sz="4400" dirty="0" err="1">
-                <a:solidFill>
-                  <a:schemeClr val="bg1"/>
-                </a:solidFill>
-                <a:latin typeface="DIN Condensed" pitchFamily="2" charset="0"/>
-              </a:rPr>
-              <a:t>cost</a:t>
-            </a:r>
-            <a:r>
-              <a:rPr lang="de-DE" sz="4400" dirty="0">
-                <a:solidFill>
-                  <a:schemeClr val="bg1"/>
-                </a:solidFill>
-                <a:latin typeface="DIN Condensed" pitchFamily="2" charset="0"/>
-              </a:rPr>
-              <a:t> </a:t>
-            </a:r>
-            <a:r>
-              <a:rPr lang="de-DE" sz="4400" dirty="0" err="1">
-                <a:solidFill>
-                  <a:schemeClr val="bg1"/>
-                </a:solidFill>
-                <a:latin typeface="DIN Condensed" pitchFamily="2" charset="0"/>
-              </a:rPr>
-              <a:t>money</a:t>
-            </a:r>
-            <a:r>
-              <a:rPr lang="de-DE" sz="4400" dirty="0">
-                <a:solidFill>
-                  <a:schemeClr val="bg1"/>
-                </a:solidFill>
-                <a:latin typeface="DIN Condensed" pitchFamily="2" charset="0"/>
-              </a:rPr>
-              <a:t> (</a:t>
-            </a:r>
-            <a:r>
-              <a:rPr lang="de-DE" sz="4400" dirty="0" err="1">
-                <a:solidFill>
-                  <a:schemeClr val="bg1"/>
-                </a:solidFill>
-                <a:latin typeface="DIN Condensed" pitchFamily="2" charset="0"/>
-              </a:rPr>
-              <a:t>soccer</a:t>
-            </a:r>
-            <a:r>
-              <a:rPr lang="de-DE" sz="4400" dirty="0">
-                <a:solidFill>
-                  <a:schemeClr val="bg1"/>
-                </a:solidFill>
-                <a:latin typeface="DIN Condensed" pitchFamily="2" charset="0"/>
-              </a:rPr>
-              <a:t> </a:t>
-            </a:r>
-            <a:r>
-              <a:rPr lang="de-DE" sz="4400" dirty="0" err="1">
-                <a:solidFill>
-                  <a:schemeClr val="bg1"/>
-                </a:solidFill>
-                <a:latin typeface="DIN Condensed" pitchFamily="2" charset="0"/>
-              </a:rPr>
-              <a:t>practise</a:t>
-            </a:r>
-            <a:r>
-              <a:rPr lang="de-DE" sz="4400" dirty="0">
-                <a:solidFill>
-                  <a:schemeClr val="bg1"/>
-                </a:solidFill>
-                <a:latin typeface="DIN Condensed" pitchFamily="2" charset="0"/>
-              </a:rPr>
-              <a:t>)</a:t>
-            </a:r>
-          </a:p>
-          <a:p>
-            <a:pPr marL="571500" indent="-571500">
-              <a:buFont typeface="Arial" panose="020B0604020202020204" pitchFamily="34" charset="0"/>
-              <a:buChar char="•"/>
-            </a:pPr>
-            <a:r>
-              <a:rPr lang="de-DE" sz="4400" dirty="0" err="1">
-                <a:solidFill>
-                  <a:schemeClr val="bg1"/>
-                </a:solidFill>
-                <a:latin typeface="DIN Condensed" pitchFamily="2" charset="0"/>
-              </a:rPr>
-              <a:t>Buy</a:t>
-            </a:r>
-            <a:r>
-              <a:rPr lang="de-DE" sz="4400" dirty="0">
-                <a:solidFill>
-                  <a:schemeClr val="bg1"/>
-                </a:solidFill>
-                <a:latin typeface="DIN Condensed" pitchFamily="2" charset="0"/>
-              </a:rPr>
-              <a:t> </a:t>
-            </a:r>
-            <a:r>
-              <a:rPr lang="de-DE" sz="4400" dirty="0" err="1">
-                <a:solidFill>
-                  <a:schemeClr val="bg1"/>
-                </a:solidFill>
-                <a:latin typeface="DIN Condensed" pitchFamily="2" charset="0"/>
-              </a:rPr>
-              <a:t>new</a:t>
-            </a:r>
-            <a:r>
-              <a:rPr lang="de-DE" sz="4400" dirty="0">
-                <a:solidFill>
-                  <a:schemeClr val="bg1"/>
-                </a:solidFill>
-                <a:latin typeface="DIN Condensed" pitchFamily="2" charset="0"/>
-              </a:rPr>
-              <a:t> </a:t>
-            </a:r>
-            <a:r>
-              <a:rPr lang="de-DE" sz="4400" dirty="0" err="1">
-                <a:solidFill>
-                  <a:schemeClr val="bg1"/>
-                </a:solidFill>
-                <a:latin typeface="DIN Condensed" pitchFamily="2" charset="0"/>
-              </a:rPr>
-              <a:t>pets</a:t>
-            </a:r>
-            <a:r>
-              <a:rPr lang="de-DE" sz="4400" dirty="0">
-                <a:solidFill>
-                  <a:schemeClr val="bg1"/>
-                </a:solidFill>
-                <a:latin typeface="DIN Condensed" pitchFamily="2" charset="0"/>
-              </a:rPr>
-              <a:t> (</a:t>
-            </a:r>
-            <a:r>
-              <a:rPr lang="de-DE" sz="4400" dirty="0" err="1">
-                <a:solidFill>
-                  <a:schemeClr val="bg1"/>
-                </a:solidFill>
-                <a:latin typeface="DIN Condensed" pitchFamily="2" charset="0"/>
-              </a:rPr>
-              <a:t>can</a:t>
-            </a:r>
-            <a:r>
-              <a:rPr lang="de-DE" sz="4400" dirty="0">
-                <a:solidFill>
-                  <a:schemeClr val="bg1"/>
-                </a:solidFill>
-                <a:latin typeface="DIN Condensed" pitchFamily="2" charset="0"/>
-              </a:rPr>
-              <a:t> </a:t>
-            </a:r>
-            <a:r>
-              <a:rPr lang="de-DE" sz="4400" dirty="0" err="1">
-                <a:solidFill>
-                  <a:schemeClr val="bg1"/>
-                </a:solidFill>
-                <a:latin typeface="DIN Condensed" pitchFamily="2" charset="0"/>
-              </a:rPr>
-              <a:t>only</a:t>
-            </a:r>
-            <a:r>
-              <a:rPr lang="de-DE" sz="4400" dirty="0">
-                <a:solidFill>
-                  <a:schemeClr val="bg1"/>
-                </a:solidFill>
-                <a:latin typeface="DIN Condensed" pitchFamily="2" charset="0"/>
-              </a:rPr>
-              <a:t> </a:t>
-            </a:r>
-            <a:r>
-              <a:rPr lang="de-DE" sz="4400" dirty="0" err="1">
-                <a:solidFill>
-                  <a:schemeClr val="bg1"/>
-                </a:solidFill>
-                <a:latin typeface="DIN Condensed" pitchFamily="2" charset="0"/>
-              </a:rPr>
-              <a:t>be</a:t>
-            </a:r>
-            <a:r>
-              <a:rPr lang="de-DE" sz="4400" dirty="0">
-                <a:solidFill>
-                  <a:schemeClr val="bg1"/>
-                </a:solidFill>
-                <a:latin typeface="DIN Condensed" pitchFamily="2" charset="0"/>
-              </a:rPr>
-              <a:t> </a:t>
-            </a:r>
-            <a:r>
-              <a:rPr lang="de-DE" sz="4400" dirty="0" err="1">
-                <a:solidFill>
-                  <a:schemeClr val="bg1"/>
-                </a:solidFill>
-                <a:latin typeface="DIN Condensed" pitchFamily="2" charset="0"/>
-              </a:rPr>
-              <a:t>done</a:t>
-            </a:r>
-            <a:r>
-              <a:rPr lang="de-DE" sz="4400" dirty="0">
-                <a:solidFill>
-                  <a:schemeClr val="bg1"/>
-                </a:solidFill>
-                <a:latin typeface="DIN Condensed" pitchFamily="2" charset="0"/>
-              </a:rPr>
-              <a:t> </a:t>
-            </a:r>
-            <a:r>
-              <a:rPr lang="de-DE" sz="4400" dirty="0" err="1">
-                <a:solidFill>
-                  <a:schemeClr val="bg1"/>
-                </a:solidFill>
-                <a:latin typeface="DIN Condensed" pitchFamily="2" charset="0"/>
-              </a:rPr>
-              <a:t>by</a:t>
-            </a:r>
-            <a:r>
-              <a:rPr lang="de-DE" sz="4400" dirty="0">
-                <a:solidFill>
-                  <a:schemeClr val="bg1"/>
-                </a:solidFill>
-                <a:latin typeface="DIN Condensed" pitchFamily="2" charset="0"/>
-              </a:rPr>
-              <a:t> </a:t>
-            </a:r>
-            <a:r>
-              <a:rPr lang="de-DE" sz="4400" dirty="0" err="1">
-                <a:solidFill>
-                  <a:schemeClr val="bg1"/>
-                </a:solidFill>
-                <a:latin typeface="DIN Condensed" pitchFamily="2" charset="0"/>
-              </a:rPr>
-              <a:t>parents</a:t>
-            </a:r>
-            <a:r>
-              <a:rPr lang="de-DE" sz="4400" dirty="0">
-                <a:solidFill>
-                  <a:schemeClr val="bg1"/>
-                </a:solidFill>
-                <a:latin typeface="DIN Condensed" pitchFamily="2" charset="0"/>
-              </a:rPr>
-              <a:t>)</a:t>
-            </a:r>
-          </a:p>
-          <a:p>
-            <a:pPr marL="571500" indent="-571500">
-              <a:buFont typeface="Arial" panose="020B0604020202020204" pitchFamily="34" charset="0"/>
-              <a:buChar char="•"/>
-            </a:pPr>
-            <a:endParaRPr lang="de-DE" sz="4400" dirty="0">
-              <a:solidFill>
-                <a:schemeClr val="bg1"/>
-              </a:solidFill>
-              <a:latin typeface="DIN Condensed" pitchFamily="2" charset="0"/>
-            </a:endParaRPr>
-          </a:p>
-          <a:p>
-            <a:pPr marL="571500" indent="-571500">
-              <a:buFont typeface="Arial" panose="020B0604020202020204" pitchFamily="34" charset="0"/>
-              <a:buChar char="•"/>
-            </a:pPr>
-            <a:r>
-              <a:rPr lang="de-DE" sz="4400" dirty="0" err="1">
-                <a:solidFill>
-                  <a:schemeClr val="bg1"/>
-                </a:solidFill>
-                <a:latin typeface="DIN Condensed" pitchFamily="2" charset="0"/>
-              </a:rPr>
-              <a:t>I‘d</a:t>
-            </a:r>
-            <a:r>
-              <a:rPr lang="de-DE" sz="4400" dirty="0">
-                <a:solidFill>
-                  <a:schemeClr val="bg1"/>
-                </a:solidFill>
-                <a:latin typeface="DIN Condensed" pitchFamily="2" charset="0"/>
-              </a:rPr>
-              <a:t> like </a:t>
-            </a:r>
-            <a:r>
-              <a:rPr lang="de-DE" sz="4400" dirty="0" err="1">
-                <a:solidFill>
-                  <a:schemeClr val="bg1"/>
-                </a:solidFill>
-                <a:latin typeface="DIN Condensed" pitchFamily="2" charset="0"/>
-              </a:rPr>
-              <a:t>to</a:t>
-            </a:r>
-            <a:r>
-              <a:rPr lang="de-DE" sz="4400" dirty="0">
-                <a:solidFill>
-                  <a:schemeClr val="bg1"/>
-                </a:solidFill>
-                <a:latin typeface="DIN Condensed" pitchFamily="2" charset="0"/>
-              </a:rPr>
-              <a:t> </a:t>
-            </a:r>
-            <a:r>
-              <a:rPr lang="de-DE" sz="4400" dirty="0" err="1">
-                <a:solidFill>
-                  <a:schemeClr val="bg1"/>
-                </a:solidFill>
-                <a:latin typeface="DIN Condensed" pitchFamily="2" charset="0"/>
-              </a:rPr>
-              <a:t>put</a:t>
-            </a:r>
-            <a:r>
-              <a:rPr lang="de-DE" sz="4400" dirty="0">
-                <a:solidFill>
-                  <a:schemeClr val="bg1"/>
-                </a:solidFill>
-                <a:latin typeface="DIN Condensed" pitchFamily="2" charset="0"/>
-              </a:rPr>
-              <a:t> </a:t>
-            </a:r>
-            <a:r>
-              <a:rPr lang="de-DE" sz="4400" dirty="0" err="1">
-                <a:solidFill>
-                  <a:schemeClr val="bg1"/>
-                </a:solidFill>
-                <a:latin typeface="DIN Condensed" pitchFamily="2" charset="0"/>
-              </a:rPr>
-              <a:t>bank</a:t>
-            </a:r>
-            <a:r>
-              <a:rPr lang="de-DE" sz="4400" dirty="0">
-                <a:solidFill>
-                  <a:schemeClr val="bg1"/>
-                </a:solidFill>
-                <a:latin typeface="DIN Condensed" pitchFamily="2" charset="0"/>
-              </a:rPr>
-              <a:t> </a:t>
-            </a:r>
-            <a:r>
-              <a:rPr lang="de-DE" sz="4400" dirty="0" err="1">
-                <a:solidFill>
-                  <a:schemeClr val="bg1"/>
-                </a:solidFill>
-                <a:latin typeface="DIN Condensed" pitchFamily="2" charset="0"/>
-              </a:rPr>
-              <a:t>notes</a:t>
-            </a:r>
-            <a:r>
-              <a:rPr lang="de-DE" sz="4400" dirty="0">
-                <a:solidFill>
-                  <a:schemeClr val="bg1"/>
-                </a:solidFill>
-                <a:latin typeface="DIN Condensed" pitchFamily="2" charset="0"/>
-              </a:rPr>
-              <a:t> on </a:t>
-            </a:r>
-            <a:r>
-              <a:rPr lang="de-DE" sz="4400" dirty="0" err="1">
-                <a:solidFill>
-                  <a:schemeClr val="bg1"/>
-                </a:solidFill>
-                <a:latin typeface="DIN Condensed" pitchFamily="2" charset="0"/>
-              </a:rPr>
-              <a:t>the</a:t>
-            </a:r>
-            <a:r>
-              <a:rPr lang="de-DE" sz="4400" dirty="0">
-                <a:solidFill>
-                  <a:schemeClr val="bg1"/>
-                </a:solidFill>
-                <a:latin typeface="DIN Condensed" pitchFamily="2" charset="0"/>
-              </a:rPr>
-              <a:t> </a:t>
-            </a:r>
-            <a:r>
-              <a:rPr lang="de-DE" sz="4400" dirty="0" err="1">
-                <a:solidFill>
-                  <a:schemeClr val="bg1"/>
-                </a:solidFill>
-                <a:latin typeface="DIN Condensed" pitchFamily="2" charset="0"/>
-              </a:rPr>
-              <a:t>screens</a:t>
-            </a:r>
-            <a:r>
-              <a:rPr lang="de-DE" sz="4400" dirty="0">
-                <a:solidFill>
-                  <a:schemeClr val="bg1"/>
-                </a:solidFill>
-                <a:latin typeface="DIN Condensed" pitchFamily="2" charset="0"/>
-              </a:rPr>
-              <a:t> </a:t>
-            </a:r>
-            <a:r>
-              <a:rPr lang="de-DE" sz="4400" dirty="0" err="1">
-                <a:solidFill>
-                  <a:schemeClr val="bg1"/>
-                </a:solidFill>
-                <a:latin typeface="DIN Condensed" pitchFamily="2" charset="0"/>
-              </a:rPr>
-              <a:t>to</a:t>
-            </a:r>
-            <a:r>
-              <a:rPr lang="de-DE" sz="4400" dirty="0">
-                <a:solidFill>
-                  <a:schemeClr val="bg1"/>
-                </a:solidFill>
-                <a:latin typeface="DIN Condensed" pitchFamily="2" charset="0"/>
-              </a:rPr>
-              <a:t> </a:t>
-            </a:r>
-            <a:r>
-              <a:rPr lang="de-DE" sz="4400" dirty="0" err="1">
-                <a:solidFill>
-                  <a:schemeClr val="bg1"/>
-                </a:solidFill>
-                <a:latin typeface="DIN Condensed" pitchFamily="2" charset="0"/>
-              </a:rPr>
-              <a:t>directly</a:t>
-            </a:r>
-            <a:r>
-              <a:rPr lang="de-DE" sz="4400" dirty="0">
-                <a:solidFill>
-                  <a:schemeClr val="bg1"/>
-                </a:solidFill>
-                <a:latin typeface="DIN Condensed" pitchFamily="2" charset="0"/>
-              </a:rPr>
-              <a:t> </a:t>
-            </a:r>
-            <a:r>
-              <a:rPr lang="de-DE" sz="4400" dirty="0" err="1">
-                <a:solidFill>
-                  <a:schemeClr val="bg1"/>
-                </a:solidFill>
-                <a:latin typeface="DIN Condensed" pitchFamily="2" charset="0"/>
-              </a:rPr>
-              <a:t>talk</a:t>
-            </a:r>
-            <a:r>
-              <a:rPr lang="de-DE" sz="4400" dirty="0">
-                <a:solidFill>
-                  <a:schemeClr val="bg1"/>
-                </a:solidFill>
-                <a:latin typeface="DIN Condensed" pitchFamily="2" charset="0"/>
-              </a:rPr>
-              <a:t> </a:t>
-            </a:r>
-            <a:r>
-              <a:rPr lang="de-DE" sz="4400" dirty="0" err="1">
-                <a:solidFill>
-                  <a:schemeClr val="bg1"/>
-                </a:solidFill>
-                <a:latin typeface="DIN Condensed" pitchFamily="2" charset="0"/>
-              </a:rPr>
-              <a:t>about</a:t>
-            </a:r>
-            <a:r>
-              <a:rPr lang="de-DE" sz="4400" dirty="0">
-                <a:solidFill>
-                  <a:schemeClr val="bg1"/>
-                </a:solidFill>
-                <a:latin typeface="DIN Condensed" pitchFamily="2" charset="0"/>
-              </a:rPr>
-              <a:t> </a:t>
-            </a:r>
-            <a:r>
-              <a:rPr lang="de-DE" sz="4400" dirty="0" err="1">
-                <a:solidFill>
-                  <a:schemeClr val="bg1"/>
-                </a:solidFill>
-                <a:latin typeface="DIN Condensed" pitchFamily="2" charset="0"/>
-              </a:rPr>
-              <a:t>monetization</a:t>
-            </a:r>
-            <a:r>
-              <a:rPr lang="de-DE" sz="4400" dirty="0">
-                <a:solidFill>
-                  <a:schemeClr val="bg1"/>
-                </a:solidFill>
-                <a:latin typeface="DIN Condensed" pitchFamily="2" charset="0"/>
-              </a:rPr>
-              <a:t> </a:t>
-            </a:r>
-            <a:r>
-              <a:rPr lang="de-DE" sz="4400" dirty="0" err="1">
-                <a:solidFill>
-                  <a:schemeClr val="bg1"/>
-                </a:solidFill>
-                <a:latin typeface="DIN Condensed" pitchFamily="2" charset="0"/>
-              </a:rPr>
-              <a:t>while</a:t>
-            </a:r>
-            <a:r>
-              <a:rPr lang="de-DE" sz="4400" dirty="0">
-                <a:solidFill>
-                  <a:schemeClr val="bg1"/>
-                </a:solidFill>
-                <a:latin typeface="DIN Condensed" pitchFamily="2" charset="0"/>
-              </a:rPr>
-              <a:t> </a:t>
-            </a:r>
-            <a:r>
-              <a:rPr lang="de-DE" sz="4400" dirty="0" err="1">
-                <a:solidFill>
-                  <a:schemeClr val="bg1"/>
-                </a:solidFill>
-                <a:latin typeface="DIN Condensed" pitchFamily="2" charset="0"/>
-              </a:rPr>
-              <a:t>explaining</a:t>
-            </a:r>
-            <a:r>
-              <a:rPr lang="de-DE" sz="4400" dirty="0">
-                <a:solidFill>
-                  <a:schemeClr val="bg1"/>
-                </a:solidFill>
-                <a:latin typeface="DIN Condensed" pitchFamily="2" charset="0"/>
-              </a:rPr>
-              <a:t> </a:t>
-            </a:r>
-            <a:r>
-              <a:rPr lang="de-DE" sz="4400" dirty="0" err="1">
-                <a:solidFill>
-                  <a:schemeClr val="bg1"/>
-                </a:solidFill>
-                <a:latin typeface="DIN Condensed" pitchFamily="2" charset="0"/>
-              </a:rPr>
-              <a:t>the</a:t>
-            </a:r>
-            <a:r>
-              <a:rPr lang="de-DE" sz="4400" dirty="0">
-                <a:solidFill>
-                  <a:schemeClr val="bg1"/>
-                </a:solidFill>
-                <a:latin typeface="DIN Condensed" pitchFamily="2" charset="0"/>
-              </a:rPr>
-              <a:t> </a:t>
-            </a:r>
-            <a:r>
-              <a:rPr lang="de-DE" sz="4400" dirty="0" err="1">
-                <a:solidFill>
-                  <a:schemeClr val="bg1"/>
-                </a:solidFill>
-                <a:latin typeface="DIN Condensed" pitchFamily="2" charset="0"/>
-              </a:rPr>
-              <a:t>features</a:t>
-            </a:r>
-            <a:r>
-              <a:rPr lang="de-DE" sz="4400" dirty="0">
-                <a:solidFill>
-                  <a:schemeClr val="bg1"/>
-                </a:solidFill>
-                <a:latin typeface="DIN Condensed" pitchFamily="2" charset="0"/>
-              </a:rPr>
-              <a:t>.</a:t>
-            </a:r>
-          </a:p>
-        </p:txBody>
-      </p:sp>
-      <p:sp>
-        <p:nvSpPr>
-          <p:cNvPr id="7" name="Rechteck 6">
-            <a:extLst>
-              <a:ext uri="{FF2B5EF4-FFF2-40B4-BE49-F238E27FC236}">
-                <a16:creationId xmlns:a16="http://schemas.microsoft.com/office/drawing/2014/main" id="{7DB36913-0BD8-E540-B6CD-BDED08AAB7FD}"/>
-              </a:ext>
-            </a:extLst>
-          </p:cNvPr>
-          <p:cNvSpPr/>
-          <p:nvPr/>
-        </p:nvSpPr>
-        <p:spPr>
-          <a:xfrm>
-            <a:off x="6626269" y="3429000"/>
-            <a:ext cx="3281819" cy="588724"/>
+            <a:off x="5160723" y="2668044"/>
+            <a:ext cx="3269293" cy="488515"/>
           </a:xfrm>
           <a:prstGeom prst="rect">
             <a:avLst/>
@@ -7231,24 +6586,12 @@
           <a:p>
             <a:pPr algn="ctr"/>
             <a:r>
+              <a:rPr lang="de-DE" dirty="0"/>
+              <a:t>Live </a:t>
+            </a:r>
+            <a:r>
               <a:rPr lang="de-DE" dirty="0" err="1"/>
-              <a:t>Dont</a:t>
-            </a:r>
-            <a:r>
-              <a:rPr lang="de-DE" dirty="0"/>
-              <a:t> </a:t>
-            </a:r>
-            <a:r>
-              <a:rPr lang="de-DE" dirty="0" err="1"/>
-              <a:t>use</a:t>
-            </a:r>
-            <a:r>
-              <a:rPr lang="de-DE" dirty="0"/>
-              <a:t> </a:t>
-            </a:r>
-            <a:r>
-              <a:rPr lang="de-DE" dirty="0" err="1"/>
-              <a:t>slide</a:t>
+              <a:t>demo</a:t>
             </a:r>
             <a:endParaRPr lang="de-DE" dirty="0"/>
           </a:p>
@@ -7257,7 +6600,7 @@
     </p:spTree>
     <p:extLst>
       <p:ext uri="{BB962C8B-B14F-4D97-AF65-F5344CB8AC3E}">
-        <p14:creationId xmlns:p14="http://schemas.microsoft.com/office/powerpoint/2010/main" val="753468063"/>
+        <p14:creationId xmlns:p14="http://schemas.microsoft.com/office/powerpoint/2010/main" val="3931372928"/>
       </p:ext>
     </p:extLst>
   </p:cSld>
@@ -7268,7 +6611,7 @@
 </file>
 
 <file path=ppt/slides/slide14.xml><?xml version="1.0" encoding="utf-8"?>
-<p:sld xmlns:a="http://schemas.openxmlformats.org/drawingml/2006/main" xmlns:r="http://schemas.openxmlformats.org/officeDocument/2006/relationships" xmlns:p="http://schemas.openxmlformats.org/presentationml/2006/main">
+<p:sld xmlns:a="http://schemas.openxmlformats.org/drawingml/2006/main" xmlns:r="http://schemas.openxmlformats.org/officeDocument/2006/relationships" xmlns:p="http://schemas.openxmlformats.org/presentationml/2006/main" show="0">
   <p:cSld>
     <p:spTree>
       <p:nvGrpSpPr>
@@ -7347,6 +6690,897 @@
           </a:p>
         </p:txBody>
       </p:sp>
+      <p:pic>
+        <p:nvPicPr>
+          <p:cNvPr id="5" name="Grafik 4">
+            <a:extLst>
+              <a:ext uri="{FF2B5EF4-FFF2-40B4-BE49-F238E27FC236}">
+                <a16:creationId xmlns:a16="http://schemas.microsoft.com/office/drawing/2014/main" id="{97F7549A-51BA-0E4D-85EB-60F2DB5B7A84}"/>
+              </a:ext>
+            </a:extLst>
+          </p:cNvPr>
+          <p:cNvPicPr>
+            <a:picLocks noChangeAspect="1"/>
+          </p:cNvPicPr>
+          <p:nvPr/>
+        </p:nvPicPr>
+        <p:blipFill>
+          <a:blip r:embed="rId3"/>
+          <a:stretch>
+            <a:fillRect/>
+          </a:stretch>
+        </p:blipFill>
+        <p:spPr>
+          <a:xfrm>
+            <a:off x="141337" y="206550"/>
+            <a:ext cx="1224000" cy="1224000"/>
+          </a:xfrm>
+          <a:prstGeom prst="rect">
+            <a:avLst/>
+          </a:prstGeom>
+        </p:spPr>
+      </p:pic>
+      <p:sp>
+        <p:nvSpPr>
+          <p:cNvPr id="10" name="Textfeld 9">
+            <a:extLst>
+              <a:ext uri="{FF2B5EF4-FFF2-40B4-BE49-F238E27FC236}">
+                <a16:creationId xmlns:a16="http://schemas.microsoft.com/office/drawing/2014/main" id="{89C52750-940F-9A41-A756-9DA1300186EE}"/>
+              </a:ext>
+            </a:extLst>
+          </p:cNvPr>
+          <p:cNvSpPr txBox="1"/>
+          <p:nvPr/>
+        </p:nvSpPr>
+        <p:spPr>
+          <a:xfrm>
+            <a:off x="1506674" y="67440"/>
+            <a:ext cx="8854654" cy="1569660"/>
+          </a:xfrm>
+          <a:prstGeom prst="rect">
+            <a:avLst/>
+          </a:prstGeom>
+          <a:noFill/>
+        </p:spPr>
+        <p:txBody>
+          <a:bodyPr wrap="square" rtlCol="0">
+            <a:spAutoFit/>
+          </a:bodyPr>
+          <a:lstStyle/>
+          <a:p>
+            <a:r>
+              <a:rPr lang="de-DE" sz="9600" b="1" dirty="0">
+                <a:solidFill>
+                  <a:schemeClr val="bg1"/>
+                </a:solidFill>
+                <a:latin typeface="DIN Condensed" pitchFamily="2" charset="0"/>
+              </a:rPr>
+              <a:t>CA$H. LOTS OF CASH</a:t>
+            </a:r>
+          </a:p>
+        </p:txBody>
+      </p:sp>
+      <p:sp>
+        <p:nvSpPr>
+          <p:cNvPr id="6" name="Textfeld 5">
+            <a:extLst>
+              <a:ext uri="{FF2B5EF4-FFF2-40B4-BE49-F238E27FC236}">
+                <a16:creationId xmlns:a16="http://schemas.microsoft.com/office/drawing/2014/main" id="{E467247D-267E-3E4A-BD87-430368712837}"/>
+              </a:ext>
+            </a:extLst>
+          </p:cNvPr>
+          <p:cNvSpPr txBox="1"/>
+          <p:nvPr/>
+        </p:nvSpPr>
+        <p:spPr>
+          <a:xfrm>
+            <a:off x="288098" y="1637100"/>
+            <a:ext cx="10860066" cy="4154984"/>
+          </a:xfrm>
+          <a:prstGeom prst="rect">
+            <a:avLst/>
+          </a:prstGeom>
+          <a:noFill/>
+        </p:spPr>
+        <p:txBody>
+          <a:bodyPr wrap="square" rtlCol="0">
+            <a:spAutoFit/>
+          </a:bodyPr>
+          <a:lstStyle/>
+          <a:p>
+            <a:pPr marL="571500" indent="-571500">
+              <a:buFont typeface="Arial" panose="020B0604020202020204" pitchFamily="34" charset="0"/>
+              <a:buChar char="•"/>
+            </a:pPr>
+            <a:r>
+              <a:rPr lang="de-DE" sz="4400" dirty="0">
+                <a:solidFill>
+                  <a:schemeClr val="bg1"/>
+                </a:solidFill>
+                <a:latin typeface="DIN Condensed" pitchFamily="2" charset="0"/>
+              </a:rPr>
+              <a:t>Abonnement Model: </a:t>
+            </a:r>
+            <a:r>
+              <a:rPr lang="de-DE" sz="4400" dirty="0" err="1">
+                <a:solidFill>
+                  <a:schemeClr val="bg1"/>
+                </a:solidFill>
+                <a:latin typeface="DIN Condensed" pitchFamily="2" charset="0"/>
+              </a:rPr>
+              <a:t>Only</a:t>
+            </a:r>
+            <a:r>
+              <a:rPr lang="de-DE" sz="4400" dirty="0">
+                <a:solidFill>
+                  <a:schemeClr val="bg1"/>
+                </a:solidFill>
+                <a:latin typeface="DIN Condensed" pitchFamily="2" charset="0"/>
+              </a:rPr>
+              <a:t> 2 </a:t>
+            </a:r>
+            <a:r>
+              <a:rPr lang="de-DE" sz="4400" dirty="0" err="1">
+                <a:solidFill>
+                  <a:schemeClr val="bg1"/>
+                </a:solidFill>
+                <a:latin typeface="DIN Condensed" pitchFamily="2" charset="0"/>
+              </a:rPr>
+              <a:t>SafeSpots</a:t>
+            </a:r>
+            <a:r>
+              <a:rPr lang="de-DE" sz="4400" dirty="0">
+                <a:solidFill>
+                  <a:schemeClr val="bg1"/>
+                </a:solidFill>
+                <a:latin typeface="DIN Condensed" pitchFamily="2" charset="0"/>
+              </a:rPr>
+              <a:t> </a:t>
+            </a:r>
+            <a:r>
+              <a:rPr lang="de-DE" sz="4400" dirty="0" err="1">
+                <a:solidFill>
+                  <a:schemeClr val="bg1"/>
+                </a:solidFill>
+                <a:latin typeface="DIN Condensed" pitchFamily="2" charset="0"/>
+              </a:rPr>
+              <a:t>available</a:t>
+            </a:r>
+            <a:r>
+              <a:rPr lang="de-DE" sz="4400" dirty="0">
+                <a:solidFill>
+                  <a:schemeClr val="bg1"/>
+                </a:solidFill>
+                <a:latin typeface="DIN Condensed" pitchFamily="2" charset="0"/>
+              </a:rPr>
+              <a:t> (School &amp; Home), but </a:t>
+            </a:r>
+            <a:r>
+              <a:rPr lang="de-DE" sz="4400" dirty="0" err="1">
+                <a:solidFill>
+                  <a:schemeClr val="bg1"/>
+                </a:solidFill>
+                <a:latin typeface="DIN Condensed" pitchFamily="2" charset="0"/>
+              </a:rPr>
+              <a:t>more</a:t>
+            </a:r>
+            <a:r>
+              <a:rPr lang="de-DE" sz="4400" dirty="0">
+                <a:solidFill>
+                  <a:schemeClr val="bg1"/>
+                </a:solidFill>
+                <a:latin typeface="DIN Condensed" pitchFamily="2" charset="0"/>
+              </a:rPr>
+              <a:t> </a:t>
+            </a:r>
+            <a:r>
+              <a:rPr lang="de-DE" sz="4400" dirty="0" err="1">
+                <a:solidFill>
+                  <a:schemeClr val="bg1"/>
+                </a:solidFill>
+                <a:latin typeface="DIN Condensed" pitchFamily="2" charset="0"/>
+              </a:rPr>
+              <a:t>cost</a:t>
+            </a:r>
+            <a:r>
+              <a:rPr lang="de-DE" sz="4400" dirty="0">
+                <a:solidFill>
+                  <a:schemeClr val="bg1"/>
+                </a:solidFill>
+                <a:latin typeface="DIN Condensed" pitchFamily="2" charset="0"/>
+              </a:rPr>
+              <a:t> </a:t>
+            </a:r>
+            <a:r>
+              <a:rPr lang="de-DE" sz="4400" dirty="0" err="1">
+                <a:solidFill>
+                  <a:schemeClr val="bg1"/>
+                </a:solidFill>
+                <a:latin typeface="DIN Condensed" pitchFamily="2" charset="0"/>
+              </a:rPr>
+              <a:t>money</a:t>
+            </a:r>
+            <a:r>
+              <a:rPr lang="de-DE" sz="4400" dirty="0">
+                <a:solidFill>
+                  <a:schemeClr val="bg1"/>
+                </a:solidFill>
+                <a:latin typeface="DIN Condensed" pitchFamily="2" charset="0"/>
+              </a:rPr>
+              <a:t> (</a:t>
+            </a:r>
+            <a:r>
+              <a:rPr lang="de-DE" sz="4400" dirty="0" err="1">
+                <a:solidFill>
+                  <a:schemeClr val="bg1"/>
+                </a:solidFill>
+                <a:latin typeface="DIN Condensed" pitchFamily="2" charset="0"/>
+              </a:rPr>
+              <a:t>soccer</a:t>
+            </a:r>
+            <a:r>
+              <a:rPr lang="de-DE" sz="4400" dirty="0">
+                <a:solidFill>
+                  <a:schemeClr val="bg1"/>
+                </a:solidFill>
+                <a:latin typeface="DIN Condensed" pitchFamily="2" charset="0"/>
+              </a:rPr>
+              <a:t> </a:t>
+            </a:r>
+            <a:r>
+              <a:rPr lang="de-DE" sz="4400" dirty="0" err="1">
+                <a:solidFill>
+                  <a:schemeClr val="bg1"/>
+                </a:solidFill>
+                <a:latin typeface="DIN Condensed" pitchFamily="2" charset="0"/>
+              </a:rPr>
+              <a:t>practise</a:t>
+            </a:r>
+            <a:r>
+              <a:rPr lang="de-DE" sz="4400" dirty="0">
+                <a:solidFill>
+                  <a:schemeClr val="bg1"/>
+                </a:solidFill>
+                <a:latin typeface="DIN Condensed" pitchFamily="2" charset="0"/>
+              </a:rPr>
+              <a:t>)</a:t>
+            </a:r>
+          </a:p>
+          <a:p>
+            <a:pPr marL="571500" indent="-571500">
+              <a:buFont typeface="Arial" panose="020B0604020202020204" pitchFamily="34" charset="0"/>
+              <a:buChar char="•"/>
+            </a:pPr>
+            <a:r>
+              <a:rPr lang="de-DE" sz="4400" dirty="0" err="1">
+                <a:solidFill>
+                  <a:schemeClr val="bg1"/>
+                </a:solidFill>
+                <a:latin typeface="DIN Condensed" pitchFamily="2" charset="0"/>
+              </a:rPr>
+              <a:t>Buy</a:t>
+            </a:r>
+            <a:r>
+              <a:rPr lang="de-DE" sz="4400" dirty="0">
+                <a:solidFill>
+                  <a:schemeClr val="bg1"/>
+                </a:solidFill>
+                <a:latin typeface="DIN Condensed" pitchFamily="2" charset="0"/>
+              </a:rPr>
+              <a:t> </a:t>
+            </a:r>
+            <a:r>
+              <a:rPr lang="de-DE" sz="4400" dirty="0" err="1">
+                <a:solidFill>
+                  <a:schemeClr val="bg1"/>
+                </a:solidFill>
+                <a:latin typeface="DIN Condensed" pitchFamily="2" charset="0"/>
+              </a:rPr>
+              <a:t>new</a:t>
+            </a:r>
+            <a:r>
+              <a:rPr lang="de-DE" sz="4400" dirty="0">
+                <a:solidFill>
+                  <a:schemeClr val="bg1"/>
+                </a:solidFill>
+                <a:latin typeface="DIN Condensed" pitchFamily="2" charset="0"/>
+              </a:rPr>
+              <a:t> </a:t>
+            </a:r>
+            <a:r>
+              <a:rPr lang="de-DE" sz="4400" dirty="0" err="1">
+                <a:solidFill>
+                  <a:schemeClr val="bg1"/>
+                </a:solidFill>
+                <a:latin typeface="DIN Condensed" pitchFamily="2" charset="0"/>
+              </a:rPr>
+              <a:t>pets</a:t>
+            </a:r>
+            <a:r>
+              <a:rPr lang="de-DE" sz="4400" dirty="0">
+                <a:solidFill>
+                  <a:schemeClr val="bg1"/>
+                </a:solidFill>
+                <a:latin typeface="DIN Condensed" pitchFamily="2" charset="0"/>
+              </a:rPr>
+              <a:t> (</a:t>
+            </a:r>
+            <a:r>
+              <a:rPr lang="de-DE" sz="4400" dirty="0" err="1">
+                <a:solidFill>
+                  <a:schemeClr val="bg1"/>
+                </a:solidFill>
+                <a:latin typeface="DIN Condensed" pitchFamily="2" charset="0"/>
+              </a:rPr>
+              <a:t>can</a:t>
+            </a:r>
+            <a:r>
+              <a:rPr lang="de-DE" sz="4400" dirty="0">
+                <a:solidFill>
+                  <a:schemeClr val="bg1"/>
+                </a:solidFill>
+                <a:latin typeface="DIN Condensed" pitchFamily="2" charset="0"/>
+              </a:rPr>
+              <a:t> </a:t>
+            </a:r>
+            <a:r>
+              <a:rPr lang="de-DE" sz="4400" dirty="0" err="1">
+                <a:solidFill>
+                  <a:schemeClr val="bg1"/>
+                </a:solidFill>
+                <a:latin typeface="DIN Condensed" pitchFamily="2" charset="0"/>
+              </a:rPr>
+              <a:t>only</a:t>
+            </a:r>
+            <a:r>
+              <a:rPr lang="de-DE" sz="4400" dirty="0">
+                <a:solidFill>
+                  <a:schemeClr val="bg1"/>
+                </a:solidFill>
+                <a:latin typeface="DIN Condensed" pitchFamily="2" charset="0"/>
+              </a:rPr>
+              <a:t> </a:t>
+            </a:r>
+            <a:r>
+              <a:rPr lang="de-DE" sz="4400" dirty="0" err="1">
+                <a:solidFill>
+                  <a:schemeClr val="bg1"/>
+                </a:solidFill>
+                <a:latin typeface="DIN Condensed" pitchFamily="2" charset="0"/>
+              </a:rPr>
+              <a:t>be</a:t>
+            </a:r>
+            <a:r>
+              <a:rPr lang="de-DE" sz="4400" dirty="0">
+                <a:solidFill>
+                  <a:schemeClr val="bg1"/>
+                </a:solidFill>
+                <a:latin typeface="DIN Condensed" pitchFamily="2" charset="0"/>
+              </a:rPr>
+              <a:t> </a:t>
+            </a:r>
+            <a:r>
+              <a:rPr lang="de-DE" sz="4400" dirty="0" err="1">
+                <a:solidFill>
+                  <a:schemeClr val="bg1"/>
+                </a:solidFill>
+                <a:latin typeface="DIN Condensed" pitchFamily="2" charset="0"/>
+              </a:rPr>
+              <a:t>done</a:t>
+            </a:r>
+            <a:r>
+              <a:rPr lang="de-DE" sz="4400" dirty="0">
+                <a:solidFill>
+                  <a:schemeClr val="bg1"/>
+                </a:solidFill>
+                <a:latin typeface="DIN Condensed" pitchFamily="2" charset="0"/>
+              </a:rPr>
+              <a:t> </a:t>
+            </a:r>
+            <a:r>
+              <a:rPr lang="de-DE" sz="4400" dirty="0" err="1">
+                <a:solidFill>
+                  <a:schemeClr val="bg1"/>
+                </a:solidFill>
+                <a:latin typeface="DIN Condensed" pitchFamily="2" charset="0"/>
+              </a:rPr>
+              <a:t>by</a:t>
+            </a:r>
+            <a:r>
+              <a:rPr lang="de-DE" sz="4400" dirty="0">
+                <a:solidFill>
+                  <a:schemeClr val="bg1"/>
+                </a:solidFill>
+                <a:latin typeface="DIN Condensed" pitchFamily="2" charset="0"/>
+              </a:rPr>
+              <a:t> </a:t>
+            </a:r>
+            <a:r>
+              <a:rPr lang="de-DE" sz="4400" dirty="0" err="1">
+                <a:solidFill>
+                  <a:schemeClr val="bg1"/>
+                </a:solidFill>
+                <a:latin typeface="DIN Condensed" pitchFamily="2" charset="0"/>
+              </a:rPr>
+              <a:t>parents</a:t>
+            </a:r>
+            <a:r>
+              <a:rPr lang="de-DE" sz="4400" dirty="0">
+                <a:solidFill>
+                  <a:schemeClr val="bg1"/>
+                </a:solidFill>
+                <a:latin typeface="DIN Condensed" pitchFamily="2" charset="0"/>
+              </a:rPr>
+              <a:t>)</a:t>
+            </a:r>
+          </a:p>
+          <a:p>
+            <a:pPr marL="571500" indent="-571500">
+              <a:buFont typeface="Arial" panose="020B0604020202020204" pitchFamily="34" charset="0"/>
+              <a:buChar char="•"/>
+            </a:pPr>
+            <a:endParaRPr lang="de-DE" sz="4400" dirty="0">
+              <a:solidFill>
+                <a:schemeClr val="bg1"/>
+              </a:solidFill>
+              <a:latin typeface="DIN Condensed" pitchFamily="2" charset="0"/>
+            </a:endParaRPr>
+          </a:p>
+          <a:p>
+            <a:pPr marL="571500" indent="-571500">
+              <a:buFont typeface="Arial" panose="020B0604020202020204" pitchFamily="34" charset="0"/>
+              <a:buChar char="•"/>
+            </a:pPr>
+            <a:r>
+              <a:rPr lang="de-DE" sz="4400" dirty="0" err="1">
+                <a:solidFill>
+                  <a:schemeClr val="bg1"/>
+                </a:solidFill>
+                <a:latin typeface="DIN Condensed" pitchFamily="2" charset="0"/>
+              </a:rPr>
+              <a:t>I‘d</a:t>
+            </a:r>
+            <a:r>
+              <a:rPr lang="de-DE" sz="4400" dirty="0">
+                <a:solidFill>
+                  <a:schemeClr val="bg1"/>
+                </a:solidFill>
+                <a:latin typeface="DIN Condensed" pitchFamily="2" charset="0"/>
+              </a:rPr>
+              <a:t> like </a:t>
+            </a:r>
+            <a:r>
+              <a:rPr lang="de-DE" sz="4400" dirty="0" err="1">
+                <a:solidFill>
+                  <a:schemeClr val="bg1"/>
+                </a:solidFill>
+                <a:latin typeface="DIN Condensed" pitchFamily="2" charset="0"/>
+              </a:rPr>
+              <a:t>to</a:t>
+            </a:r>
+            <a:r>
+              <a:rPr lang="de-DE" sz="4400" dirty="0">
+                <a:solidFill>
+                  <a:schemeClr val="bg1"/>
+                </a:solidFill>
+                <a:latin typeface="DIN Condensed" pitchFamily="2" charset="0"/>
+              </a:rPr>
+              <a:t> </a:t>
+            </a:r>
+            <a:r>
+              <a:rPr lang="de-DE" sz="4400" dirty="0" err="1">
+                <a:solidFill>
+                  <a:schemeClr val="bg1"/>
+                </a:solidFill>
+                <a:latin typeface="DIN Condensed" pitchFamily="2" charset="0"/>
+              </a:rPr>
+              <a:t>put</a:t>
+            </a:r>
+            <a:r>
+              <a:rPr lang="de-DE" sz="4400" dirty="0">
+                <a:solidFill>
+                  <a:schemeClr val="bg1"/>
+                </a:solidFill>
+                <a:latin typeface="DIN Condensed" pitchFamily="2" charset="0"/>
+              </a:rPr>
+              <a:t> </a:t>
+            </a:r>
+            <a:r>
+              <a:rPr lang="de-DE" sz="4400" dirty="0" err="1">
+                <a:solidFill>
+                  <a:schemeClr val="bg1"/>
+                </a:solidFill>
+                <a:latin typeface="DIN Condensed" pitchFamily="2" charset="0"/>
+              </a:rPr>
+              <a:t>bank</a:t>
+            </a:r>
+            <a:r>
+              <a:rPr lang="de-DE" sz="4400" dirty="0">
+                <a:solidFill>
+                  <a:schemeClr val="bg1"/>
+                </a:solidFill>
+                <a:latin typeface="DIN Condensed" pitchFamily="2" charset="0"/>
+              </a:rPr>
+              <a:t> </a:t>
+            </a:r>
+            <a:r>
+              <a:rPr lang="de-DE" sz="4400" dirty="0" err="1">
+                <a:solidFill>
+                  <a:schemeClr val="bg1"/>
+                </a:solidFill>
+                <a:latin typeface="DIN Condensed" pitchFamily="2" charset="0"/>
+              </a:rPr>
+              <a:t>notes</a:t>
+            </a:r>
+            <a:r>
+              <a:rPr lang="de-DE" sz="4400" dirty="0">
+                <a:solidFill>
+                  <a:schemeClr val="bg1"/>
+                </a:solidFill>
+                <a:latin typeface="DIN Condensed" pitchFamily="2" charset="0"/>
+              </a:rPr>
+              <a:t> on </a:t>
+            </a:r>
+            <a:r>
+              <a:rPr lang="de-DE" sz="4400" dirty="0" err="1">
+                <a:solidFill>
+                  <a:schemeClr val="bg1"/>
+                </a:solidFill>
+                <a:latin typeface="DIN Condensed" pitchFamily="2" charset="0"/>
+              </a:rPr>
+              <a:t>the</a:t>
+            </a:r>
+            <a:r>
+              <a:rPr lang="de-DE" sz="4400" dirty="0">
+                <a:solidFill>
+                  <a:schemeClr val="bg1"/>
+                </a:solidFill>
+                <a:latin typeface="DIN Condensed" pitchFamily="2" charset="0"/>
+              </a:rPr>
+              <a:t> </a:t>
+            </a:r>
+            <a:r>
+              <a:rPr lang="de-DE" sz="4400" dirty="0" err="1">
+                <a:solidFill>
+                  <a:schemeClr val="bg1"/>
+                </a:solidFill>
+                <a:latin typeface="DIN Condensed" pitchFamily="2" charset="0"/>
+              </a:rPr>
+              <a:t>screens</a:t>
+            </a:r>
+            <a:r>
+              <a:rPr lang="de-DE" sz="4400" dirty="0">
+                <a:solidFill>
+                  <a:schemeClr val="bg1"/>
+                </a:solidFill>
+                <a:latin typeface="DIN Condensed" pitchFamily="2" charset="0"/>
+              </a:rPr>
+              <a:t> </a:t>
+            </a:r>
+            <a:r>
+              <a:rPr lang="de-DE" sz="4400" dirty="0" err="1">
+                <a:solidFill>
+                  <a:schemeClr val="bg1"/>
+                </a:solidFill>
+                <a:latin typeface="DIN Condensed" pitchFamily="2" charset="0"/>
+              </a:rPr>
+              <a:t>to</a:t>
+            </a:r>
+            <a:r>
+              <a:rPr lang="de-DE" sz="4400" dirty="0">
+                <a:solidFill>
+                  <a:schemeClr val="bg1"/>
+                </a:solidFill>
+                <a:latin typeface="DIN Condensed" pitchFamily="2" charset="0"/>
+              </a:rPr>
+              <a:t> </a:t>
+            </a:r>
+            <a:r>
+              <a:rPr lang="de-DE" sz="4400" dirty="0" err="1">
+                <a:solidFill>
+                  <a:schemeClr val="bg1"/>
+                </a:solidFill>
+                <a:latin typeface="DIN Condensed" pitchFamily="2" charset="0"/>
+              </a:rPr>
+              <a:t>directly</a:t>
+            </a:r>
+            <a:r>
+              <a:rPr lang="de-DE" sz="4400" dirty="0">
+                <a:solidFill>
+                  <a:schemeClr val="bg1"/>
+                </a:solidFill>
+                <a:latin typeface="DIN Condensed" pitchFamily="2" charset="0"/>
+              </a:rPr>
+              <a:t> </a:t>
+            </a:r>
+            <a:r>
+              <a:rPr lang="de-DE" sz="4400" dirty="0" err="1">
+                <a:solidFill>
+                  <a:schemeClr val="bg1"/>
+                </a:solidFill>
+                <a:latin typeface="DIN Condensed" pitchFamily="2" charset="0"/>
+              </a:rPr>
+              <a:t>talk</a:t>
+            </a:r>
+            <a:r>
+              <a:rPr lang="de-DE" sz="4400" dirty="0">
+                <a:solidFill>
+                  <a:schemeClr val="bg1"/>
+                </a:solidFill>
+                <a:latin typeface="DIN Condensed" pitchFamily="2" charset="0"/>
+              </a:rPr>
+              <a:t> </a:t>
+            </a:r>
+            <a:r>
+              <a:rPr lang="de-DE" sz="4400" dirty="0" err="1">
+                <a:solidFill>
+                  <a:schemeClr val="bg1"/>
+                </a:solidFill>
+                <a:latin typeface="DIN Condensed" pitchFamily="2" charset="0"/>
+              </a:rPr>
+              <a:t>about</a:t>
+            </a:r>
+            <a:r>
+              <a:rPr lang="de-DE" sz="4400" dirty="0">
+                <a:solidFill>
+                  <a:schemeClr val="bg1"/>
+                </a:solidFill>
+                <a:latin typeface="DIN Condensed" pitchFamily="2" charset="0"/>
+              </a:rPr>
+              <a:t> </a:t>
+            </a:r>
+            <a:r>
+              <a:rPr lang="de-DE" sz="4400" dirty="0" err="1">
+                <a:solidFill>
+                  <a:schemeClr val="bg1"/>
+                </a:solidFill>
+                <a:latin typeface="DIN Condensed" pitchFamily="2" charset="0"/>
+              </a:rPr>
+              <a:t>monetization</a:t>
+            </a:r>
+            <a:r>
+              <a:rPr lang="de-DE" sz="4400" dirty="0">
+                <a:solidFill>
+                  <a:schemeClr val="bg1"/>
+                </a:solidFill>
+                <a:latin typeface="DIN Condensed" pitchFamily="2" charset="0"/>
+              </a:rPr>
+              <a:t> </a:t>
+            </a:r>
+            <a:r>
+              <a:rPr lang="de-DE" sz="4400" dirty="0" err="1">
+                <a:solidFill>
+                  <a:schemeClr val="bg1"/>
+                </a:solidFill>
+                <a:latin typeface="DIN Condensed" pitchFamily="2" charset="0"/>
+              </a:rPr>
+              <a:t>while</a:t>
+            </a:r>
+            <a:r>
+              <a:rPr lang="de-DE" sz="4400" dirty="0">
+                <a:solidFill>
+                  <a:schemeClr val="bg1"/>
+                </a:solidFill>
+                <a:latin typeface="DIN Condensed" pitchFamily="2" charset="0"/>
+              </a:rPr>
+              <a:t> </a:t>
+            </a:r>
+            <a:r>
+              <a:rPr lang="de-DE" sz="4400" dirty="0" err="1">
+                <a:solidFill>
+                  <a:schemeClr val="bg1"/>
+                </a:solidFill>
+                <a:latin typeface="DIN Condensed" pitchFamily="2" charset="0"/>
+              </a:rPr>
+              <a:t>explaining</a:t>
+            </a:r>
+            <a:r>
+              <a:rPr lang="de-DE" sz="4400" dirty="0">
+                <a:solidFill>
+                  <a:schemeClr val="bg1"/>
+                </a:solidFill>
+                <a:latin typeface="DIN Condensed" pitchFamily="2" charset="0"/>
+              </a:rPr>
+              <a:t> </a:t>
+            </a:r>
+            <a:r>
+              <a:rPr lang="de-DE" sz="4400" dirty="0" err="1">
+                <a:solidFill>
+                  <a:schemeClr val="bg1"/>
+                </a:solidFill>
+                <a:latin typeface="DIN Condensed" pitchFamily="2" charset="0"/>
+              </a:rPr>
+              <a:t>the</a:t>
+            </a:r>
+            <a:r>
+              <a:rPr lang="de-DE" sz="4400" dirty="0">
+                <a:solidFill>
+                  <a:schemeClr val="bg1"/>
+                </a:solidFill>
+                <a:latin typeface="DIN Condensed" pitchFamily="2" charset="0"/>
+              </a:rPr>
+              <a:t> </a:t>
+            </a:r>
+            <a:r>
+              <a:rPr lang="de-DE" sz="4400" dirty="0" err="1">
+                <a:solidFill>
+                  <a:schemeClr val="bg1"/>
+                </a:solidFill>
+                <a:latin typeface="DIN Condensed" pitchFamily="2" charset="0"/>
+              </a:rPr>
+              <a:t>features</a:t>
+            </a:r>
+            <a:r>
+              <a:rPr lang="de-DE" sz="4400" dirty="0">
+                <a:solidFill>
+                  <a:schemeClr val="bg1"/>
+                </a:solidFill>
+                <a:latin typeface="DIN Condensed" pitchFamily="2" charset="0"/>
+              </a:rPr>
+              <a:t>.</a:t>
+            </a:r>
+          </a:p>
+        </p:txBody>
+      </p:sp>
+      <p:sp>
+        <p:nvSpPr>
+          <p:cNvPr id="7" name="Rechteck 6">
+            <a:extLst>
+              <a:ext uri="{FF2B5EF4-FFF2-40B4-BE49-F238E27FC236}">
+                <a16:creationId xmlns:a16="http://schemas.microsoft.com/office/drawing/2014/main" id="{7DB36913-0BD8-E540-B6CD-BDED08AAB7FD}"/>
+              </a:ext>
+            </a:extLst>
+          </p:cNvPr>
+          <p:cNvSpPr/>
+          <p:nvPr/>
+        </p:nvSpPr>
+        <p:spPr>
+          <a:xfrm>
+            <a:off x="6626269" y="3429000"/>
+            <a:ext cx="3281819" cy="588724"/>
+          </a:xfrm>
+          <a:prstGeom prst="rect">
+            <a:avLst/>
+          </a:prstGeom>
+        </p:spPr>
+        <p:style>
+          <a:lnRef idx="2">
+            <a:schemeClr val="accent1">
+              <a:shade val="50000"/>
+            </a:schemeClr>
+          </a:lnRef>
+          <a:fillRef idx="1">
+            <a:schemeClr val="accent1"/>
+          </a:fillRef>
+          <a:effectRef idx="0">
+            <a:schemeClr val="accent1"/>
+          </a:effectRef>
+          <a:fontRef idx="minor">
+            <a:schemeClr val="lt1"/>
+          </a:fontRef>
+        </p:style>
+        <p:txBody>
+          <a:bodyPr rtlCol="0" anchor="ctr"/>
+          <a:lstStyle/>
+          <a:p>
+            <a:pPr algn="ctr"/>
+            <a:r>
+              <a:rPr lang="de-DE" dirty="0" err="1"/>
+              <a:t>Dont</a:t>
+            </a:r>
+            <a:r>
+              <a:rPr lang="de-DE" dirty="0"/>
+              <a:t> </a:t>
+            </a:r>
+            <a:r>
+              <a:rPr lang="de-DE" dirty="0" err="1"/>
+              <a:t>use</a:t>
+            </a:r>
+            <a:r>
+              <a:rPr lang="de-DE" dirty="0"/>
+              <a:t> </a:t>
+            </a:r>
+            <a:r>
+              <a:rPr lang="de-DE" dirty="0" err="1"/>
+              <a:t>slide</a:t>
+            </a:r>
+            <a:endParaRPr lang="de-DE" dirty="0"/>
+          </a:p>
+        </p:txBody>
+      </p:sp>
+    </p:spTree>
+    <p:extLst>
+      <p:ext uri="{BB962C8B-B14F-4D97-AF65-F5344CB8AC3E}">
+        <p14:creationId xmlns:p14="http://schemas.microsoft.com/office/powerpoint/2010/main" val="753468063"/>
+      </p:ext>
+    </p:extLst>
+  </p:cSld>
+  <p:clrMapOvr>
+    <a:masterClrMapping/>
+  </p:clrMapOvr>
+</p:sld>
+</file>
+
+<file path=ppt/slides/slide15.xml><?xml version="1.0" encoding="utf-8"?>
+<p:sld xmlns:a="http://schemas.openxmlformats.org/drawingml/2006/main" xmlns:r="http://schemas.openxmlformats.org/officeDocument/2006/relationships" xmlns:p="http://schemas.openxmlformats.org/presentationml/2006/main">
+  <p:cSld>
+    <p:spTree>
+      <p:nvGrpSpPr>
+        <p:cNvPr id="1" name=""/>
+        <p:cNvGrpSpPr/>
+        <p:nvPr/>
+      </p:nvGrpSpPr>
+      <p:grpSpPr>
+        <a:xfrm>
+          <a:off x="0" y="0"/>
+          <a:ext cx="0" cy="0"/>
+          <a:chOff x="0" y="0"/>
+          <a:chExt cx="0" cy="0"/>
+        </a:xfrm>
+      </p:grpSpPr>
+      <p:sp>
+        <p:nvSpPr>
+          <p:cNvPr id="4" name="Rechteck 3">
+            <a:extLst>
+              <a:ext uri="{FF2B5EF4-FFF2-40B4-BE49-F238E27FC236}">
+                <a16:creationId xmlns:a16="http://schemas.microsoft.com/office/drawing/2014/main" id="{4DC97915-D3D7-AD4B-9337-E8319E17DDD9}"/>
+              </a:ext>
+            </a:extLst>
+          </p:cNvPr>
+          <p:cNvSpPr/>
+          <p:nvPr/>
+        </p:nvSpPr>
+        <p:spPr>
+          <a:xfrm>
+            <a:off x="0" y="0"/>
+            <a:ext cx="12192000" cy="6858000"/>
+          </a:xfrm>
+          <a:prstGeom prst="rect">
+            <a:avLst/>
+          </a:prstGeom>
+          <a:gradFill flip="none" rotWithShape="1">
+            <a:gsLst>
+              <a:gs pos="100000">
+                <a:srgbClr val="5EDCFF"/>
+              </a:gs>
+              <a:gs pos="12000">
+                <a:srgbClr val="4A9CE8"/>
+              </a:gs>
+            </a:gsLst>
+            <a:path path="circle">
+              <a:fillToRect t="100000" r="100000"/>
+            </a:path>
+            <a:tileRect l="-100000" b="-100000"/>
+          </a:gradFill>
+          <a:ln>
+            <a:noFill/>
+          </a:ln>
+        </p:spPr>
+        <p:style>
+          <a:lnRef idx="2">
+            <a:schemeClr val="accent1">
+              <a:shade val="50000"/>
+            </a:schemeClr>
+          </a:lnRef>
+          <a:fillRef idx="1">
+            <a:schemeClr val="accent1"/>
+          </a:fillRef>
+          <a:effectRef idx="0">
+            <a:schemeClr val="accent1"/>
+          </a:effectRef>
+          <a:fontRef idx="minor">
+            <a:schemeClr val="lt1"/>
+          </a:fontRef>
+        </p:style>
+        <p:txBody>
+          <a:bodyPr rtlCol="0" anchor="ctr"/>
+          <a:lstStyle/>
+          <a:p>
+            <a:pPr algn="ctr"/>
+            <a:endParaRPr lang="de-DE"/>
+          </a:p>
+        </p:txBody>
+      </p:sp>
       <p:sp>
         <p:nvSpPr>
           <p:cNvPr id="5" name="Textfeld 4">
@@ -7401,7 +7635,7 @@
 </p:sld>
 </file>
 
-<file path=ppt/slides/slide15.xml><?xml version="1.0" encoding="utf-8"?>
+<file path=ppt/slides/slide16.xml><?xml version="1.0" encoding="utf-8"?>
 <p:sld xmlns:a="http://schemas.openxmlformats.org/drawingml/2006/main" xmlns:r="http://schemas.openxmlformats.org/officeDocument/2006/relationships" xmlns:p="http://schemas.openxmlformats.org/presentationml/2006/main">
   <p:cSld>
     <p:spTree>
@@ -8260,7 +8494,7 @@
 </p:sld>
 </file>
 
-<file path=ppt/slides/slide16.xml><?xml version="1.0" encoding="utf-8"?>
+<file path=ppt/slides/slide17.xml><?xml version="1.0" encoding="utf-8"?>
 <p:sld xmlns:a="http://schemas.openxmlformats.org/drawingml/2006/main" xmlns:r="http://schemas.openxmlformats.org/officeDocument/2006/relationships" xmlns:p="http://schemas.openxmlformats.org/presentationml/2006/main">
   <p:cSld>
     <p:spTree>
@@ -8394,7 +8628,7 @@
 </p:sld>
 </file>
 
-<file path=ppt/slides/slide17.xml><?xml version="1.0" encoding="utf-8"?>
+<file path=ppt/slides/slide18.xml><?xml version="1.0" encoding="utf-8"?>
 <p:sld xmlns:a="http://schemas.openxmlformats.org/drawingml/2006/main" xmlns:r="http://schemas.openxmlformats.org/officeDocument/2006/relationships" xmlns:p="http://schemas.openxmlformats.org/presentationml/2006/main">
   <p:cSld>
     <p:spTree>
@@ -8691,7 +8925,7 @@
 </p:sld>
 </file>
 
-<file path=ppt/slides/slide18.xml><?xml version="1.0" encoding="utf-8"?>
+<file path=ppt/slides/slide19.xml><?xml version="1.0" encoding="utf-8"?>
 <p:sld xmlns:a="http://schemas.openxmlformats.org/drawingml/2006/main" xmlns:r="http://schemas.openxmlformats.org/officeDocument/2006/relationships" xmlns:p="http://schemas.openxmlformats.org/presentationml/2006/main">
   <p:cSld>
     <p:spTree>
@@ -8816,140 +9050,6 @@
     <p:extLst>
       <p:ext uri="{BB962C8B-B14F-4D97-AF65-F5344CB8AC3E}">
         <p14:creationId xmlns:p14="http://schemas.microsoft.com/office/powerpoint/2010/main" val="3196179730"/>
-      </p:ext>
-    </p:extLst>
-  </p:cSld>
-  <p:clrMapOvr>
-    <a:masterClrMapping/>
-  </p:clrMapOvr>
-</p:sld>
-</file>
-
-<file path=ppt/slides/slide19.xml><?xml version="1.0" encoding="utf-8"?>
-<p:sld xmlns:a="http://schemas.openxmlformats.org/drawingml/2006/main" xmlns:r="http://schemas.openxmlformats.org/officeDocument/2006/relationships" xmlns:p="http://schemas.openxmlformats.org/presentationml/2006/main">
-  <p:cSld>
-    <p:spTree>
-      <p:nvGrpSpPr>
-        <p:cNvPr id="1" name=""/>
-        <p:cNvGrpSpPr/>
-        <p:nvPr/>
-      </p:nvGrpSpPr>
-      <p:grpSpPr>
-        <a:xfrm>
-          <a:off x="0" y="0"/>
-          <a:ext cx="0" cy="0"/>
-          <a:chOff x="0" y="0"/>
-          <a:chExt cx="0" cy="0"/>
-        </a:xfrm>
-      </p:grpSpPr>
-      <p:sp>
-        <p:nvSpPr>
-          <p:cNvPr id="4" name="Rechteck 3">
-            <a:extLst>
-              <a:ext uri="{FF2B5EF4-FFF2-40B4-BE49-F238E27FC236}">
-                <a16:creationId xmlns:a16="http://schemas.microsoft.com/office/drawing/2014/main" id="{4DC97915-D3D7-AD4B-9337-E8319E17DDD9}"/>
-              </a:ext>
-            </a:extLst>
-          </p:cNvPr>
-          <p:cNvSpPr/>
-          <p:nvPr/>
-        </p:nvSpPr>
-        <p:spPr>
-          <a:xfrm>
-            <a:off x="0" y="0"/>
-            <a:ext cx="12192000" cy="6858000"/>
-          </a:xfrm>
-          <a:prstGeom prst="rect">
-            <a:avLst/>
-          </a:prstGeom>
-          <a:gradFill flip="none" rotWithShape="1">
-            <a:gsLst>
-              <a:gs pos="100000">
-                <a:srgbClr val="5EDCFF"/>
-              </a:gs>
-              <a:gs pos="12000">
-                <a:srgbClr val="4A9CE8"/>
-              </a:gs>
-            </a:gsLst>
-            <a:path path="circle">
-              <a:fillToRect t="100000" r="100000"/>
-            </a:path>
-            <a:tileRect l="-100000" b="-100000"/>
-          </a:gradFill>
-          <a:ln>
-            <a:noFill/>
-          </a:ln>
-        </p:spPr>
-        <p:style>
-          <a:lnRef idx="2">
-            <a:schemeClr val="accent1">
-              <a:shade val="50000"/>
-            </a:schemeClr>
-          </a:lnRef>
-          <a:fillRef idx="1">
-            <a:schemeClr val="accent1"/>
-          </a:fillRef>
-          <a:effectRef idx="0">
-            <a:schemeClr val="accent1"/>
-          </a:effectRef>
-          <a:fontRef idx="minor">
-            <a:schemeClr val="lt1"/>
-          </a:fontRef>
-        </p:style>
-        <p:txBody>
-          <a:bodyPr rtlCol="0" anchor="ctr"/>
-          <a:lstStyle/>
-          <a:p>
-            <a:pPr algn="ctr"/>
-            <a:endParaRPr lang="de-DE"/>
-          </a:p>
-        </p:txBody>
-      </p:sp>
-      <p:sp>
-        <p:nvSpPr>
-          <p:cNvPr id="5" name="Textfeld 4">
-            <a:extLst>
-              <a:ext uri="{FF2B5EF4-FFF2-40B4-BE49-F238E27FC236}">
-                <a16:creationId xmlns:a16="http://schemas.microsoft.com/office/drawing/2014/main" id="{D172A450-7243-3241-8338-6594A435549B}"/>
-              </a:ext>
-            </a:extLst>
-          </p:cNvPr>
-          <p:cNvSpPr txBox="1"/>
-          <p:nvPr/>
-        </p:nvSpPr>
-        <p:spPr>
-          <a:xfrm>
-            <a:off x="2745287" y="2644170"/>
-            <a:ext cx="6701425" cy="1569660"/>
-          </a:xfrm>
-          <a:prstGeom prst="rect">
-            <a:avLst/>
-          </a:prstGeom>
-          <a:noFill/>
-        </p:spPr>
-        <p:txBody>
-          <a:bodyPr wrap="square" rtlCol="0">
-            <a:spAutoFit/>
-          </a:bodyPr>
-          <a:lstStyle/>
-          <a:p>
-            <a:pPr algn="ctr"/>
-            <a:r>
-              <a:rPr lang="de-DE" sz="9600" b="1" dirty="0">
-                <a:solidFill>
-                  <a:schemeClr val="bg1"/>
-                </a:solidFill>
-                <a:latin typeface="DIN Condensed" pitchFamily="2" charset="0"/>
-              </a:rPr>
-              <a:t>BOOOOOM.</a:t>
-            </a:r>
-          </a:p>
-        </p:txBody>
-      </p:sp>
-    </p:spTree>
-    <p:extLst>
-      <p:ext uri="{BB962C8B-B14F-4D97-AF65-F5344CB8AC3E}">
-        <p14:creationId xmlns:p14="http://schemas.microsoft.com/office/powerpoint/2010/main" val="2199140047"/>
       </p:ext>
     </p:extLst>
   </p:cSld>
@@ -9924,6 +10024,140 @@
 </file>
 
 <file path=ppt/slides/slide20.xml><?xml version="1.0" encoding="utf-8"?>
+<p:sld xmlns:a="http://schemas.openxmlformats.org/drawingml/2006/main" xmlns:r="http://schemas.openxmlformats.org/officeDocument/2006/relationships" xmlns:p="http://schemas.openxmlformats.org/presentationml/2006/main">
+  <p:cSld>
+    <p:spTree>
+      <p:nvGrpSpPr>
+        <p:cNvPr id="1" name=""/>
+        <p:cNvGrpSpPr/>
+        <p:nvPr/>
+      </p:nvGrpSpPr>
+      <p:grpSpPr>
+        <a:xfrm>
+          <a:off x="0" y="0"/>
+          <a:ext cx="0" cy="0"/>
+          <a:chOff x="0" y="0"/>
+          <a:chExt cx="0" cy="0"/>
+        </a:xfrm>
+      </p:grpSpPr>
+      <p:sp>
+        <p:nvSpPr>
+          <p:cNvPr id="4" name="Rechteck 3">
+            <a:extLst>
+              <a:ext uri="{FF2B5EF4-FFF2-40B4-BE49-F238E27FC236}">
+                <a16:creationId xmlns:a16="http://schemas.microsoft.com/office/drawing/2014/main" id="{4DC97915-D3D7-AD4B-9337-E8319E17DDD9}"/>
+              </a:ext>
+            </a:extLst>
+          </p:cNvPr>
+          <p:cNvSpPr/>
+          <p:nvPr/>
+        </p:nvSpPr>
+        <p:spPr>
+          <a:xfrm>
+            <a:off x="0" y="0"/>
+            <a:ext cx="12192000" cy="6858000"/>
+          </a:xfrm>
+          <a:prstGeom prst="rect">
+            <a:avLst/>
+          </a:prstGeom>
+          <a:gradFill flip="none" rotWithShape="1">
+            <a:gsLst>
+              <a:gs pos="100000">
+                <a:srgbClr val="5EDCFF"/>
+              </a:gs>
+              <a:gs pos="12000">
+                <a:srgbClr val="4A9CE8"/>
+              </a:gs>
+            </a:gsLst>
+            <a:path path="circle">
+              <a:fillToRect t="100000" r="100000"/>
+            </a:path>
+            <a:tileRect l="-100000" b="-100000"/>
+          </a:gradFill>
+          <a:ln>
+            <a:noFill/>
+          </a:ln>
+        </p:spPr>
+        <p:style>
+          <a:lnRef idx="2">
+            <a:schemeClr val="accent1">
+              <a:shade val="50000"/>
+            </a:schemeClr>
+          </a:lnRef>
+          <a:fillRef idx="1">
+            <a:schemeClr val="accent1"/>
+          </a:fillRef>
+          <a:effectRef idx="0">
+            <a:schemeClr val="accent1"/>
+          </a:effectRef>
+          <a:fontRef idx="minor">
+            <a:schemeClr val="lt1"/>
+          </a:fontRef>
+        </p:style>
+        <p:txBody>
+          <a:bodyPr rtlCol="0" anchor="ctr"/>
+          <a:lstStyle/>
+          <a:p>
+            <a:pPr algn="ctr"/>
+            <a:endParaRPr lang="de-DE"/>
+          </a:p>
+        </p:txBody>
+      </p:sp>
+      <p:sp>
+        <p:nvSpPr>
+          <p:cNvPr id="5" name="Textfeld 4">
+            <a:extLst>
+              <a:ext uri="{FF2B5EF4-FFF2-40B4-BE49-F238E27FC236}">
+                <a16:creationId xmlns:a16="http://schemas.microsoft.com/office/drawing/2014/main" id="{D172A450-7243-3241-8338-6594A435549B}"/>
+              </a:ext>
+            </a:extLst>
+          </p:cNvPr>
+          <p:cNvSpPr txBox="1"/>
+          <p:nvPr/>
+        </p:nvSpPr>
+        <p:spPr>
+          <a:xfrm>
+            <a:off x="2745287" y="2644170"/>
+            <a:ext cx="6701425" cy="1569660"/>
+          </a:xfrm>
+          <a:prstGeom prst="rect">
+            <a:avLst/>
+          </a:prstGeom>
+          <a:noFill/>
+        </p:spPr>
+        <p:txBody>
+          <a:bodyPr wrap="square" rtlCol="0">
+            <a:spAutoFit/>
+          </a:bodyPr>
+          <a:lstStyle/>
+          <a:p>
+            <a:pPr algn="ctr"/>
+            <a:r>
+              <a:rPr lang="de-DE" sz="9600" b="1" dirty="0">
+                <a:solidFill>
+                  <a:schemeClr val="bg1"/>
+                </a:solidFill>
+                <a:latin typeface="DIN Condensed" pitchFamily="2" charset="0"/>
+              </a:rPr>
+              <a:t>BOOOOOM.</a:t>
+            </a:r>
+          </a:p>
+        </p:txBody>
+      </p:sp>
+    </p:spTree>
+    <p:extLst>
+      <p:ext uri="{BB962C8B-B14F-4D97-AF65-F5344CB8AC3E}">
+        <p14:creationId xmlns:p14="http://schemas.microsoft.com/office/powerpoint/2010/main" val="2199140047"/>
+      </p:ext>
+    </p:extLst>
+  </p:cSld>
+  <p:clrMapOvr>
+    <a:masterClrMapping/>
+  </p:clrMapOvr>
+</p:sld>
+</file>
+
+<file path=ppt/slides/slide21.xml><?xml version="1.0" encoding="utf-8"?>
 <p:sld xmlns:a="http://schemas.openxmlformats.org/drawingml/2006/main" xmlns:r="http://schemas.openxmlformats.org/officeDocument/2006/relationships" xmlns:p="http://schemas.openxmlformats.org/presentationml/2006/main">
   <p:cSld>
     <p:spTree>

--- a/slides/draft.pptx
+++ b/slides/draft.pptx
@@ -5,7 +5,7 @@
     <p:sldMasterId id="2147483648" r:id="rId1"/>
   </p:sldMasterIdLst>
   <p:notesMasterIdLst>
-    <p:notesMasterId r:id="rId23"/>
+    <p:notesMasterId r:id="rId21"/>
   </p:notesMasterIdLst>
   <p:sldIdLst>
     <p:sldId id="256" r:id="rId2"/>
@@ -21,14 +21,12 @@
     <p:sldId id="275" r:id="rId12"/>
     <p:sldId id="279" r:id="rId13"/>
     <p:sldId id="271" r:id="rId14"/>
-    <p:sldId id="274" r:id="rId15"/>
-    <p:sldId id="270" r:id="rId16"/>
-    <p:sldId id="269" r:id="rId17"/>
-    <p:sldId id="260" r:id="rId18"/>
-    <p:sldId id="273" r:id="rId19"/>
-    <p:sldId id="276" r:id="rId20"/>
-    <p:sldId id="277" r:id="rId21"/>
-    <p:sldId id="278" r:id="rId22"/>
+    <p:sldId id="270" r:id="rId15"/>
+    <p:sldId id="269" r:id="rId16"/>
+    <p:sldId id="260" r:id="rId17"/>
+    <p:sldId id="273" r:id="rId18"/>
+    <p:sldId id="276" r:id="rId19"/>
+    <p:sldId id="278" r:id="rId20"/>
   </p:sldIdLst>
   <p:sldSz cx="12192000" cy="6858000"/>
   <p:notesSz cx="6858000" cy="9144000"/>
@@ -1460,7 +1458,7 @@
           <a:p>
             <a:fld id="{0088EFD8-5ED9-AD4B-A3FB-8A287AE11395}" type="slidenum">
               <a:rPr lang="de-DE" smtClean="0"/>
-              <a:t>14</a:t>
+              <a:t>15</a:t>
             </a:fld>
             <a:endParaRPr lang="de-DE"/>
           </a:p>
@@ -1469,7 +1467,7 @@
     </p:spTree>
     <p:extLst>
       <p:ext uri="{BB962C8B-B14F-4D97-AF65-F5344CB8AC3E}">
-        <p14:creationId xmlns:p14="http://schemas.microsoft.com/office/powerpoint/2010/main" val="4230448053"/>
+        <p14:creationId xmlns:p14="http://schemas.microsoft.com/office/powerpoint/2010/main" val="3650784537"/>
       </p:ext>
     </p:extLst>
   </p:cSld>
@@ -1523,86 +1521,372 @@
           <a:bodyPr/>
           <a:lstStyle/>
           <a:p>
-            <a:r>
-              <a:rPr lang="de-DE" dirty="0"/>
-              <a:t>*</a:t>
-            </a:r>
-            <a:r>
-              <a:rPr lang="de-DE" dirty="0" err="1"/>
-              <a:t>scared</a:t>
-            </a:r>
-            <a:r>
-              <a:rPr lang="de-DE" dirty="0"/>
-              <a:t> </a:t>
-            </a:r>
-            <a:r>
-              <a:rPr lang="de-DE" dirty="0" err="1"/>
-              <a:t>when</a:t>
-            </a:r>
-            <a:r>
-              <a:rPr lang="de-DE" dirty="0"/>
-              <a:t> </a:t>
-            </a:r>
-            <a:r>
-              <a:rPr lang="de-DE" dirty="0" err="1"/>
-              <a:t>their</a:t>
-            </a:r>
-            <a:r>
-              <a:rPr lang="de-DE" dirty="0"/>
-              <a:t> </a:t>
-            </a:r>
-            <a:r>
-              <a:rPr lang="de-DE" dirty="0" err="1"/>
-              <a:t>elementary</a:t>
-            </a:r>
-            <a:r>
-              <a:rPr lang="de-DE" dirty="0"/>
-              <a:t> </a:t>
-            </a:r>
-            <a:r>
-              <a:rPr lang="de-DE" dirty="0" err="1"/>
-              <a:t>school</a:t>
-            </a:r>
-            <a:r>
-              <a:rPr lang="de-DE" dirty="0"/>
-              <a:t> </a:t>
-            </a:r>
-            <a:r>
-              <a:rPr lang="de-DE" dirty="0" err="1"/>
-              <a:t>kids</a:t>
-            </a:r>
-            <a:r>
-              <a:rPr lang="de-DE" dirty="0"/>
-              <a:t> </a:t>
-            </a:r>
-            <a:r>
-              <a:rPr lang="de-DE" dirty="0" err="1"/>
-              <a:t>walks</a:t>
-            </a:r>
-            <a:r>
-              <a:rPr lang="de-DE" dirty="0"/>
-              <a:t> </a:t>
-            </a:r>
-            <a:r>
-              <a:rPr lang="de-DE" dirty="0" err="1"/>
-              <a:t>to</a:t>
-            </a:r>
-            <a:r>
-              <a:rPr lang="de-DE" dirty="0"/>
-              <a:t> </a:t>
-            </a:r>
-            <a:r>
-              <a:rPr lang="de-DE" dirty="0" err="1"/>
-              <a:t>school</a:t>
-            </a:r>
-            <a:r>
-              <a:rPr lang="de-DE" dirty="0"/>
-              <a:t> </a:t>
-            </a:r>
-            <a:r>
-              <a:rPr lang="de-DE" dirty="0" err="1"/>
-              <a:t>alone</a:t>
-            </a:r>
+            <a:pPr marL="0" marR="0" lvl="0" indent="0" algn="l" defTabSz="914400" rtl="0" eaLnBrk="1" fontAlgn="auto" latinLnBrk="0" hangingPunct="1">
+              <a:lnSpc>
+                <a:spcPct val="100000"/>
+              </a:lnSpc>
+              <a:spcBef>
+                <a:spcPts val="0"/>
+              </a:spcBef>
+              <a:spcAft>
+                <a:spcPts val="0"/>
+              </a:spcAft>
+              <a:buClrTx/>
+              <a:buSzTx/>
+              <a:buFontTx/>
+              <a:buNone/>
+              <a:tabLst/>
+              <a:defRPr/>
+            </a:pPr>
+            <a:r>
+              <a:rPr lang="de-DE" sz="1200" kern="1200" dirty="0">
+                <a:solidFill>
+                  <a:schemeClr val="tx1"/>
+                </a:solidFill>
+                <a:effectLst/>
+                <a:latin typeface="+mn-lt"/>
+                <a:ea typeface="+mn-ea"/>
+                <a:cs typeface="+mn-cs"/>
+              </a:rPr>
+              <a:t>0.212 kg </a:t>
+            </a:r>
+            <a:r>
+              <a:rPr lang="de-DE" sz="1200" kern="1200" dirty="0" err="1">
+                <a:solidFill>
+                  <a:schemeClr val="tx1"/>
+                </a:solidFill>
+                <a:effectLst/>
+                <a:latin typeface="+mn-lt"/>
+                <a:ea typeface="+mn-ea"/>
+                <a:cs typeface="+mn-cs"/>
+              </a:rPr>
+              <a:t>of</a:t>
+            </a:r>
+            <a:r>
+              <a:rPr lang="de-DE" sz="1200" kern="1200" dirty="0">
+                <a:solidFill>
+                  <a:schemeClr val="tx1"/>
+                </a:solidFill>
+                <a:effectLst/>
+                <a:latin typeface="+mn-lt"/>
+                <a:ea typeface="+mn-ea"/>
+                <a:cs typeface="+mn-cs"/>
+              </a:rPr>
+              <a:t> co2 per 1km </a:t>
+            </a:r>
+            <a:r>
+              <a:rPr lang="de-DE" sz="1200" kern="1200" dirty="0" err="1">
+                <a:solidFill>
+                  <a:schemeClr val="tx1"/>
+                </a:solidFill>
+                <a:effectLst/>
+                <a:latin typeface="+mn-lt"/>
+                <a:ea typeface="+mn-ea"/>
+                <a:cs typeface="+mn-cs"/>
+              </a:rPr>
+              <a:t>drive</a:t>
+            </a:r>
+            <a:endParaRPr lang="de-DE" sz="1200" kern="1200" dirty="0">
+              <a:solidFill>
+                <a:schemeClr val="tx1"/>
+              </a:solidFill>
+              <a:effectLst/>
+              <a:latin typeface="+mn-lt"/>
+              <a:ea typeface="+mn-ea"/>
+              <a:cs typeface="+mn-cs"/>
+            </a:endParaRPr>
+          </a:p>
+          <a:p>
+            <a:pPr marL="0" marR="0" lvl="0" indent="0" algn="l" defTabSz="914400" rtl="0" eaLnBrk="1" fontAlgn="auto" latinLnBrk="0" hangingPunct="1">
+              <a:lnSpc>
+                <a:spcPct val="100000"/>
+              </a:lnSpc>
+              <a:spcBef>
+                <a:spcPts val="0"/>
+              </a:spcBef>
+              <a:spcAft>
+                <a:spcPts val="0"/>
+              </a:spcAft>
+              <a:buClrTx/>
+              <a:buSzTx/>
+              <a:buFontTx/>
+              <a:buNone/>
+              <a:tabLst/>
+              <a:defRPr/>
+            </a:pPr>
+            <a:r>
+              <a:rPr lang="de-DE" sz="1200" kern="1200" dirty="0">
+                <a:solidFill>
+                  <a:schemeClr val="tx1"/>
+                </a:solidFill>
+                <a:effectLst/>
+                <a:latin typeface="+mn-lt"/>
+                <a:ea typeface="+mn-ea"/>
+                <a:cs typeface="+mn-cs"/>
+              </a:rPr>
+              <a:t>*2 </a:t>
+            </a:r>
+            <a:r>
+              <a:rPr lang="de-DE" sz="1200" kern="1200" dirty="0" err="1">
+                <a:solidFill>
+                  <a:schemeClr val="tx1"/>
+                </a:solidFill>
+                <a:effectLst/>
+                <a:latin typeface="+mn-lt"/>
+                <a:ea typeface="+mn-ea"/>
+                <a:cs typeface="+mn-cs"/>
+              </a:rPr>
+              <a:t>twice</a:t>
+            </a:r>
+            <a:r>
+              <a:rPr lang="de-DE" sz="1200" kern="1200" dirty="0">
+                <a:solidFill>
+                  <a:schemeClr val="tx1"/>
+                </a:solidFill>
+                <a:effectLst/>
+                <a:latin typeface="+mn-lt"/>
+                <a:ea typeface="+mn-ea"/>
+                <a:cs typeface="+mn-cs"/>
+              </a:rPr>
+              <a:t> a </a:t>
+            </a:r>
+            <a:r>
+              <a:rPr lang="de-DE" sz="1200" kern="1200" dirty="0" err="1">
+                <a:solidFill>
+                  <a:schemeClr val="tx1"/>
+                </a:solidFill>
+                <a:effectLst/>
+                <a:latin typeface="+mn-lt"/>
+                <a:ea typeface="+mn-ea"/>
+                <a:cs typeface="+mn-cs"/>
+              </a:rPr>
+              <a:t>day</a:t>
+            </a:r>
+            <a:endParaRPr lang="de-DE" sz="1200" kern="1200" dirty="0">
+              <a:solidFill>
+                <a:schemeClr val="tx1"/>
+              </a:solidFill>
+              <a:effectLst/>
+              <a:latin typeface="+mn-lt"/>
+              <a:ea typeface="+mn-ea"/>
+              <a:cs typeface="+mn-cs"/>
+            </a:endParaRPr>
+          </a:p>
+          <a:p>
+            <a:pPr marL="0" marR="0" lvl="0" indent="0" algn="l" defTabSz="914400" rtl="0" eaLnBrk="1" fontAlgn="auto" latinLnBrk="0" hangingPunct="1">
+              <a:lnSpc>
+                <a:spcPct val="100000"/>
+              </a:lnSpc>
+              <a:spcBef>
+                <a:spcPts val="0"/>
+              </a:spcBef>
+              <a:spcAft>
+                <a:spcPts val="0"/>
+              </a:spcAft>
+              <a:buClrTx/>
+              <a:buSzTx/>
+              <a:buFontTx/>
+              <a:buNone/>
+              <a:tabLst/>
+              <a:defRPr/>
+            </a:pPr>
+            <a:r>
+              <a:rPr lang="de-DE" sz="1200" kern="1200" dirty="0">
+                <a:solidFill>
+                  <a:schemeClr val="tx1"/>
+                </a:solidFill>
+                <a:effectLst/>
+                <a:latin typeface="+mn-lt"/>
+                <a:ea typeface="+mn-ea"/>
+                <a:cs typeface="+mn-cs"/>
+              </a:rPr>
+              <a:t>*200 </a:t>
+            </a:r>
+            <a:r>
+              <a:rPr lang="de-DE" sz="1200" kern="1200" dirty="0" err="1">
+                <a:solidFill>
+                  <a:schemeClr val="tx1"/>
+                </a:solidFill>
+                <a:effectLst/>
+                <a:latin typeface="+mn-lt"/>
+                <a:ea typeface="+mn-ea"/>
+                <a:cs typeface="+mn-cs"/>
+              </a:rPr>
+              <a:t>times</a:t>
+            </a:r>
+            <a:r>
+              <a:rPr lang="de-DE" sz="1200" kern="1200" dirty="0">
+                <a:solidFill>
+                  <a:schemeClr val="tx1"/>
+                </a:solidFill>
+                <a:effectLst/>
+                <a:latin typeface="+mn-lt"/>
+                <a:ea typeface="+mn-ea"/>
+                <a:cs typeface="+mn-cs"/>
+              </a:rPr>
+              <a:t> a </a:t>
+            </a:r>
+            <a:r>
+              <a:rPr lang="de-DE" sz="1200" kern="1200" dirty="0" err="1">
+                <a:solidFill>
+                  <a:schemeClr val="tx1"/>
+                </a:solidFill>
+                <a:effectLst/>
+                <a:latin typeface="+mn-lt"/>
+                <a:ea typeface="+mn-ea"/>
+                <a:cs typeface="+mn-cs"/>
+              </a:rPr>
+              <a:t>year</a:t>
+            </a:r>
+            <a:endParaRPr lang="de-DE" sz="1200" kern="1200" dirty="0">
+              <a:solidFill>
+                <a:schemeClr val="tx1"/>
+              </a:solidFill>
+              <a:effectLst/>
+              <a:latin typeface="+mn-lt"/>
+              <a:ea typeface="+mn-ea"/>
+              <a:cs typeface="+mn-cs"/>
+            </a:endParaRPr>
+          </a:p>
+          <a:p>
+            <a:pPr marL="0" marR="0" lvl="0" indent="0" algn="l" defTabSz="914400" rtl="0" eaLnBrk="1" fontAlgn="auto" latinLnBrk="0" hangingPunct="1">
+              <a:lnSpc>
+                <a:spcPct val="100000"/>
+              </a:lnSpc>
+              <a:spcBef>
+                <a:spcPts val="0"/>
+              </a:spcBef>
+              <a:spcAft>
+                <a:spcPts val="0"/>
+              </a:spcAft>
+              <a:buClrTx/>
+              <a:buSzTx/>
+              <a:buFontTx/>
+              <a:buNone/>
+              <a:tabLst/>
+              <a:defRPr/>
+            </a:pPr>
+            <a:r>
+              <a:rPr lang="de-DE" sz="1200" kern="1200" dirty="0">
+                <a:solidFill>
+                  <a:schemeClr val="tx1"/>
+                </a:solidFill>
+                <a:effectLst/>
+                <a:latin typeface="+mn-lt"/>
+                <a:ea typeface="+mn-ea"/>
+                <a:cs typeface="+mn-cs"/>
+              </a:rPr>
+              <a:t>*500000 </a:t>
+            </a:r>
+            <a:r>
+              <a:rPr lang="de-DE" sz="1200" kern="1200" dirty="0" err="1">
+                <a:solidFill>
+                  <a:schemeClr val="tx1"/>
+                </a:solidFill>
+                <a:effectLst/>
+                <a:latin typeface="+mn-lt"/>
+                <a:ea typeface="+mn-ea"/>
+                <a:cs typeface="+mn-cs"/>
+              </a:rPr>
+              <a:t>families</a:t>
+            </a:r>
+            <a:r>
+              <a:rPr lang="de-DE" sz="1200" kern="1200" dirty="0">
+                <a:solidFill>
+                  <a:schemeClr val="tx1"/>
+                </a:solidFill>
+                <a:effectLst/>
+                <a:latin typeface="+mn-lt"/>
+                <a:ea typeface="+mn-ea"/>
+                <a:cs typeface="+mn-cs"/>
+              </a:rPr>
+              <a:t> (20% </a:t>
+            </a:r>
+            <a:r>
+              <a:rPr lang="de-DE" sz="1200" kern="1200" dirty="0" err="1">
+                <a:solidFill>
+                  <a:schemeClr val="tx1"/>
+                </a:solidFill>
+                <a:effectLst/>
+                <a:latin typeface="+mn-lt"/>
+                <a:ea typeface="+mn-ea"/>
+                <a:cs typeface="+mn-cs"/>
+              </a:rPr>
+              <a:t>of</a:t>
+            </a:r>
+            <a:r>
+              <a:rPr lang="de-DE" sz="1200" kern="1200" dirty="0">
+                <a:solidFill>
+                  <a:schemeClr val="tx1"/>
+                </a:solidFill>
+                <a:effectLst/>
+                <a:latin typeface="+mn-lt"/>
+                <a:ea typeface="+mn-ea"/>
+                <a:cs typeface="+mn-cs"/>
+              </a:rPr>
+              <a:t> 2.8 MIO)</a:t>
+            </a:r>
+          </a:p>
+          <a:p>
+            <a:pPr marL="0" marR="0" lvl="0" indent="0" algn="l" defTabSz="914400" rtl="0" eaLnBrk="1" fontAlgn="auto" latinLnBrk="0" hangingPunct="1">
+              <a:lnSpc>
+                <a:spcPct val="100000"/>
+              </a:lnSpc>
+              <a:spcBef>
+                <a:spcPts val="0"/>
+              </a:spcBef>
+              <a:spcAft>
+                <a:spcPts val="0"/>
+              </a:spcAft>
+              <a:buClrTx/>
+              <a:buSzTx/>
+              <a:buFontTx/>
+              <a:buNone/>
+              <a:tabLst/>
+              <a:defRPr/>
+            </a:pPr>
+            <a:endParaRPr lang="de-DE" sz="1200" kern="1200" dirty="0">
+              <a:solidFill>
+                <a:schemeClr val="tx1"/>
+              </a:solidFill>
+              <a:effectLst/>
+              <a:latin typeface="+mn-lt"/>
+              <a:ea typeface="+mn-ea"/>
+              <a:cs typeface="+mn-cs"/>
+            </a:endParaRPr>
+          </a:p>
+          <a:p>
+            <a:pPr marL="0" marR="0" lvl="0" indent="0" algn="l" defTabSz="914400" rtl="0" eaLnBrk="1" fontAlgn="auto" latinLnBrk="0" hangingPunct="1">
+              <a:lnSpc>
+                <a:spcPct val="100000"/>
+              </a:lnSpc>
+              <a:spcBef>
+                <a:spcPts val="0"/>
+              </a:spcBef>
+              <a:spcAft>
+                <a:spcPts val="0"/>
+              </a:spcAft>
+              <a:buClrTx/>
+              <a:buSzTx/>
+              <a:buFontTx/>
+              <a:buNone/>
+              <a:tabLst/>
+              <a:defRPr/>
+            </a:pPr>
+            <a:r>
+              <a:rPr lang="de-DE" sz="1200" kern="1200" dirty="0">
+                <a:solidFill>
+                  <a:schemeClr val="tx1"/>
+                </a:solidFill>
+                <a:effectLst/>
+                <a:latin typeface="+mn-lt"/>
+                <a:ea typeface="+mn-ea"/>
+                <a:cs typeface="+mn-cs"/>
+              </a:rPr>
+              <a:t>5-6cent pro Kilometer</a:t>
+            </a:r>
+          </a:p>
+          <a:p>
             <a:endParaRPr lang="de-DE" dirty="0"/>
           </a:p>
         </p:txBody>
@@ -1624,7 +1908,7 @@
           <a:p>
             <a:fld id="{0088EFD8-5ED9-AD4B-A3FB-8A287AE11395}" type="slidenum">
               <a:rPr lang="de-DE" smtClean="0"/>
-              <a:t>16</a:t>
+              <a:t>17</a:t>
             </a:fld>
             <a:endParaRPr lang="de-DE"/>
           </a:p>
@@ -1633,7 +1917,7 @@
     </p:spTree>
     <p:extLst>
       <p:ext uri="{BB962C8B-B14F-4D97-AF65-F5344CB8AC3E}">
-        <p14:creationId xmlns:p14="http://schemas.microsoft.com/office/powerpoint/2010/main" val="3650784537"/>
+        <p14:creationId xmlns:p14="http://schemas.microsoft.com/office/powerpoint/2010/main" val="1532811307"/>
       </p:ext>
     </p:extLst>
   </p:cSld>
@@ -2074,457 +2358,7 @@
           <a:p>
             <a:fld id="{0088EFD8-5ED9-AD4B-A3FB-8A287AE11395}" type="slidenum">
               <a:rPr lang="de-DE" smtClean="0"/>
-              <a:t>18</a:t>
-            </a:fld>
-            <a:endParaRPr lang="de-DE"/>
-          </a:p>
-        </p:txBody>
-      </p:sp>
-    </p:spTree>
-    <p:extLst>
-      <p:ext uri="{BB962C8B-B14F-4D97-AF65-F5344CB8AC3E}">
-        <p14:creationId xmlns:p14="http://schemas.microsoft.com/office/powerpoint/2010/main" val="1532811307"/>
-      </p:ext>
-    </p:extLst>
-  </p:cSld>
-  <p:clrMapOvr>
-    <a:masterClrMapping/>
-  </p:clrMapOvr>
-</p:notes>
-</file>
-
-<file path=ppt/notesSlides/notesSlide9.xml><?xml version="1.0" encoding="utf-8"?>
-<p:notes xmlns:a="http://schemas.openxmlformats.org/drawingml/2006/main" xmlns:r="http://schemas.openxmlformats.org/officeDocument/2006/relationships" xmlns:p="http://schemas.openxmlformats.org/presentationml/2006/main">
-  <p:cSld>
-    <p:spTree>
-      <p:nvGrpSpPr>
-        <p:cNvPr id="1" name=""/>
-        <p:cNvGrpSpPr/>
-        <p:nvPr/>
-      </p:nvGrpSpPr>
-      <p:grpSpPr>
-        <a:xfrm>
-          <a:off x="0" y="0"/>
-          <a:ext cx="0" cy="0"/>
-          <a:chOff x="0" y="0"/>
-          <a:chExt cx="0" cy="0"/>
-        </a:xfrm>
-      </p:grpSpPr>
-      <p:sp>
-        <p:nvSpPr>
-          <p:cNvPr id="2" name="Folienbildplatzhalter 1"/>
-          <p:cNvSpPr>
-            <a:spLocks noGrp="1" noRot="1" noChangeAspect="1"/>
-          </p:cNvSpPr>
-          <p:nvPr>
-            <p:ph type="sldImg"/>
-          </p:nvPr>
-        </p:nvSpPr>
-        <p:spPr/>
-      </p:sp>
-      <p:sp>
-        <p:nvSpPr>
-          <p:cNvPr id="3" name="Notizenplatzhalter 2"/>
-          <p:cNvSpPr>
-            <a:spLocks noGrp="1"/>
-          </p:cNvSpPr>
-          <p:nvPr>
-            <p:ph type="body" idx="1"/>
-          </p:nvPr>
-        </p:nvSpPr>
-        <p:spPr/>
-        <p:txBody>
-          <a:bodyPr/>
-          <a:lstStyle/>
-          <a:p>
-            <a:pPr marL="0" marR="0" lvl="0" indent="0" algn="l" defTabSz="914400" rtl="0" eaLnBrk="1" fontAlgn="auto" latinLnBrk="0" hangingPunct="1">
-              <a:lnSpc>
-                <a:spcPct val="100000"/>
-              </a:lnSpc>
-              <a:spcBef>
-                <a:spcPts val="0"/>
-              </a:spcBef>
-              <a:spcAft>
-                <a:spcPts val="0"/>
-              </a:spcAft>
-              <a:buClrTx/>
-              <a:buSzTx/>
-              <a:buFontTx/>
-              <a:buNone/>
-              <a:tabLst/>
-              <a:defRPr/>
-            </a:pPr>
-            <a:r>
-              <a:rPr lang="de-DE" sz="1200" kern="1200" dirty="0">
-                <a:solidFill>
-                  <a:schemeClr val="tx1"/>
-                </a:solidFill>
-                <a:effectLst/>
-                <a:latin typeface="+mn-lt"/>
-                <a:ea typeface="+mn-ea"/>
-                <a:cs typeface="+mn-cs"/>
-              </a:rPr>
-              <a:t>0.212 kg </a:t>
-            </a:r>
-            <a:r>
-              <a:rPr lang="de-DE" sz="1200" kern="1200" dirty="0" err="1">
-                <a:solidFill>
-                  <a:schemeClr val="tx1"/>
-                </a:solidFill>
-                <a:effectLst/>
-                <a:latin typeface="+mn-lt"/>
-                <a:ea typeface="+mn-ea"/>
-                <a:cs typeface="+mn-cs"/>
-              </a:rPr>
-              <a:t>of</a:t>
-            </a:r>
-            <a:r>
-              <a:rPr lang="de-DE" sz="1200" kern="1200" dirty="0">
-                <a:solidFill>
-                  <a:schemeClr val="tx1"/>
-                </a:solidFill>
-                <a:effectLst/>
-                <a:latin typeface="+mn-lt"/>
-                <a:ea typeface="+mn-ea"/>
-                <a:cs typeface="+mn-cs"/>
-              </a:rPr>
-              <a:t> co2 per 1km </a:t>
-            </a:r>
-            <a:r>
-              <a:rPr lang="de-DE" sz="1200" kern="1200" dirty="0" err="1">
-                <a:solidFill>
-                  <a:schemeClr val="tx1"/>
-                </a:solidFill>
-                <a:effectLst/>
-                <a:latin typeface="+mn-lt"/>
-                <a:ea typeface="+mn-ea"/>
-                <a:cs typeface="+mn-cs"/>
-              </a:rPr>
-              <a:t>drive</a:t>
-            </a:r>
-            <a:endParaRPr lang="de-DE" sz="1200" kern="1200" dirty="0">
-              <a:solidFill>
-                <a:schemeClr val="tx1"/>
-              </a:solidFill>
-              <a:effectLst/>
-              <a:latin typeface="+mn-lt"/>
-              <a:ea typeface="+mn-ea"/>
-              <a:cs typeface="+mn-cs"/>
-            </a:endParaRPr>
-          </a:p>
-          <a:p>
-            <a:pPr marL="0" marR="0" lvl="0" indent="0" algn="l" defTabSz="914400" rtl="0" eaLnBrk="1" fontAlgn="auto" latinLnBrk="0" hangingPunct="1">
-              <a:lnSpc>
-                <a:spcPct val="100000"/>
-              </a:lnSpc>
-              <a:spcBef>
-                <a:spcPts val="0"/>
-              </a:spcBef>
-              <a:spcAft>
-                <a:spcPts val="0"/>
-              </a:spcAft>
-              <a:buClrTx/>
-              <a:buSzTx/>
-              <a:buFontTx/>
-              <a:buNone/>
-              <a:tabLst/>
-              <a:defRPr/>
-            </a:pPr>
-            <a:r>
-              <a:rPr lang="de-DE" sz="1200" kern="1200" dirty="0">
-                <a:solidFill>
-                  <a:schemeClr val="tx1"/>
-                </a:solidFill>
-                <a:effectLst/>
-                <a:latin typeface="+mn-lt"/>
-                <a:ea typeface="+mn-ea"/>
-                <a:cs typeface="+mn-cs"/>
-              </a:rPr>
-              <a:t>*2 </a:t>
-            </a:r>
-            <a:r>
-              <a:rPr lang="de-DE" sz="1200" kern="1200" dirty="0" err="1">
-                <a:solidFill>
-                  <a:schemeClr val="tx1"/>
-                </a:solidFill>
-                <a:effectLst/>
-                <a:latin typeface="+mn-lt"/>
-                <a:ea typeface="+mn-ea"/>
-                <a:cs typeface="+mn-cs"/>
-              </a:rPr>
-              <a:t>twice</a:t>
-            </a:r>
-            <a:r>
-              <a:rPr lang="de-DE" sz="1200" kern="1200" dirty="0">
-                <a:solidFill>
-                  <a:schemeClr val="tx1"/>
-                </a:solidFill>
-                <a:effectLst/>
-                <a:latin typeface="+mn-lt"/>
-                <a:ea typeface="+mn-ea"/>
-                <a:cs typeface="+mn-cs"/>
-              </a:rPr>
-              <a:t> a </a:t>
-            </a:r>
-            <a:r>
-              <a:rPr lang="de-DE" sz="1200" kern="1200" dirty="0" err="1">
-                <a:solidFill>
-                  <a:schemeClr val="tx1"/>
-                </a:solidFill>
-                <a:effectLst/>
-                <a:latin typeface="+mn-lt"/>
-                <a:ea typeface="+mn-ea"/>
-                <a:cs typeface="+mn-cs"/>
-              </a:rPr>
-              <a:t>day</a:t>
-            </a:r>
-            <a:endParaRPr lang="de-DE" sz="1200" kern="1200" dirty="0">
-              <a:solidFill>
-                <a:schemeClr val="tx1"/>
-              </a:solidFill>
-              <a:effectLst/>
-              <a:latin typeface="+mn-lt"/>
-              <a:ea typeface="+mn-ea"/>
-              <a:cs typeface="+mn-cs"/>
-            </a:endParaRPr>
-          </a:p>
-          <a:p>
-            <a:pPr marL="0" marR="0" lvl="0" indent="0" algn="l" defTabSz="914400" rtl="0" eaLnBrk="1" fontAlgn="auto" latinLnBrk="0" hangingPunct="1">
-              <a:lnSpc>
-                <a:spcPct val="100000"/>
-              </a:lnSpc>
-              <a:spcBef>
-                <a:spcPts val="0"/>
-              </a:spcBef>
-              <a:spcAft>
-                <a:spcPts val="0"/>
-              </a:spcAft>
-              <a:buClrTx/>
-              <a:buSzTx/>
-              <a:buFontTx/>
-              <a:buNone/>
-              <a:tabLst/>
-              <a:defRPr/>
-            </a:pPr>
-            <a:r>
-              <a:rPr lang="de-DE" sz="1200" kern="1200" dirty="0">
-                <a:solidFill>
-                  <a:schemeClr val="tx1"/>
-                </a:solidFill>
-                <a:effectLst/>
-                <a:latin typeface="+mn-lt"/>
-                <a:ea typeface="+mn-ea"/>
-                <a:cs typeface="+mn-cs"/>
-              </a:rPr>
-              <a:t>*200 </a:t>
-            </a:r>
-            <a:r>
-              <a:rPr lang="de-DE" sz="1200" kern="1200" dirty="0" err="1">
-                <a:solidFill>
-                  <a:schemeClr val="tx1"/>
-                </a:solidFill>
-                <a:effectLst/>
-                <a:latin typeface="+mn-lt"/>
-                <a:ea typeface="+mn-ea"/>
-                <a:cs typeface="+mn-cs"/>
-              </a:rPr>
-              <a:t>times</a:t>
-            </a:r>
-            <a:r>
-              <a:rPr lang="de-DE" sz="1200" kern="1200" dirty="0">
-                <a:solidFill>
-                  <a:schemeClr val="tx1"/>
-                </a:solidFill>
-                <a:effectLst/>
-                <a:latin typeface="+mn-lt"/>
-                <a:ea typeface="+mn-ea"/>
-                <a:cs typeface="+mn-cs"/>
-              </a:rPr>
-              <a:t> a </a:t>
-            </a:r>
-            <a:r>
-              <a:rPr lang="de-DE" sz="1200" kern="1200" dirty="0" err="1">
-                <a:solidFill>
-                  <a:schemeClr val="tx1"/>
-                </a:solidFill>
-                <a:effectLst/>
-                <a:latin typeface="+mn-lt"/>
-                <a:ea typeface="+mn-ea"/>
-                <a:cs typeface="+mn-cs"/>
-              </a:rPr>
-              <a:t>year</a:t>
-            </a:r>
-            <a:endParaRPr lang="de-DE" sz="1200" kern="1200" dirty="0">
-              <a:solidFill>
-                <a:schemeClr val="tx1"/>
-              </a:solidFill>
-              <a:effectLst/>
-              <a:latin typeface="+mn-lt"/>
-              <a:ea typeface="+mn-ea"/>
-              <a:cs typeface="+mn-cs"/>
-            </a:endParaRPr>
-          </a:p>
-          <a:p>
-            <a:pPr marL="0" marR="0" lvl="0" indent="0" algn="l" defTabSz="914400" rtl="0" eaLnBrk="1" fontAlgn="auto" latinLnBrk="0" hangingPunct="1">
-              <a:lnSpc>
-                <a:spcPct val="100000"/>
-              </a:lnSpc>
-              <a:spcBef>
-                <a:spcPts val="0"/>
-              </a:spcBef>
-              <a:spcAft>
-                <a:spcPts val="0"/>
-              </a:spcAft>
-              <a:buClrTx/>
-              <a:buSzTx/>
-              <a:buFontTx/>
-              <a:buNone/>
-              <a:tabLst/>
-              <a:defRPr/>
-            </a:pPr>
-            <a:r>
-              <a:rPr lang="de-DE" sz="1200" kern="1200" dirty="0">
-                <a:solidFill>
-                  <a:schemeClr val="tx1"/>
-                </a:solidFill>
-                <a:effectLst/>
-                <a:latin typeface="+mn-lt"/>
-                <a:ea typeface="+mn-ea"/>
-                <a:cs typeface="+mn-cs"/>
-              </a:rPr>
-              <a:t>*500000 </a:t>
-            </a:r>
-            <a:r>
-              <a:rPr lang="de-DE" sz="1200" kern="1200" dirty="0" err="1">
-                <a:solidFill>
-                  <a:schemeClr val="tx1"/>
-                </a:solidFill>
-                <a:effectLst/>
-                <a:latin typeface="+mn-lt"/>
-                <a:ea typeface="+mn-ea"/>
-                <a:cs typeface="+mn-cs"/>
-              </a:rPr>
-              <a:t>families</a:t>
-            </a:r>
-            <a:r>
-              <a:rPr lang="de-DE" sz="1200" kern="1200" dirty="0">
-                <a:solidFill>
-                  <a:schemeClr val="tx1"/>
-                </a:solidFill>
-                <a:effectLst/>
-                <a:latin typeface="+mn-lt"/>
-                <a:ea typeface="+mn-ea"/>
-                <a:cs typeface="+mn-cs"/>
-              </a:rPr>
-              <a:t> (20% </a:t>
-            </a:r>
-            <a:r>
-              <a:rPr lang="de-DE" sz="1200" kern="1200" dirty="0" err="1">
-                <a:solidFill>
-                  <a:schemeClr val="tx1"/>
-                </a:solidFill>
-                <a:effectLst/>
-                <a:latin typeface="+mn-lt"/>
-                <a:ea typeface="+mn-ea"/>
-                <a:cs typeface="+mn-cs"/>
-              </a:rPr>
-              <a:t>of</a:t>
-            </a:r>
-            <a:r>
-              <a:rPr lang="de-DE" sz="1200" kern="1200" dirty="0">
-                <a:solidFill>
-                  <a:schemeClr val="tx1"/>
-                </a:solidFill>
-                <a:effectLst/>
-                <a:latin typeface="+mn-lt"/>
-                <a:ea typeface="+mn-ea"/>
-                <a:cs typeface="+mn-cs"/>
-              </a:rPr>
-              <a:t> 2.8 MIO)</a:t>
-            </a:r>
-          </a:p>
-          <a:p>
-            <a:pPr marL="0" marR="0" lvl="0" indent="0" algn="l" defTabSz="914400" rtl="0" eaLnBrk="1" fontAlgn="auto" latinLnBrk="0" hangingPunct="1">
-              <a:lnSpc>
-                <a:spcPct val="100000"/>
-              </a:lnSpc>
-              <a:spcBef>
-                <a:spcPts val="0"/>
-              </a:spcBef>
-              <a:spcAft>
-                <a:spcPts val="0"/>
-              </a:spcAft>
-              <a:buClrTx/>
-              <a:buSzTx/>
-              <a:buFontTx/>
-              <a:buNone/>
-              <a:tabLst/>
-              <a:defRPr/>
-            </a:pPr>
-            <a:endParaRPr lang="de-DE" sz="1200" kern="1200" dirty="0">
-              <a:solidFill>
-                <a:schemeClr val="tx1"/>
-              </a:solidFill>
-              <a:effectLst/>
-              <a:latin typeface="+mn-lt"/>
-              <a:ea typeface="+mn-ea"/>
-              <a:cs typeface="+mn-cs"/>
-            </a:endParaRPr>
-          </a:p>
-          <a:p>
-            <a:pPr marL="0" marR="0" lvl="0" indent="0" algn="l" defTabSz="914400" rtl="0" eaLnBrk="1" fontAlgn="auto" latinLnBrk="0" hangingPunct="1">
-              <a:lnSpc>
-                <a:spcPct val="100000"/>
-              </a:lnSpc>
-              <a:spcBef>
-                <a:spcPts val="0"/>
-              </a:spcBef>
-              <a:spcAft>
-                <a:spcPts val="0"/>
-              </a:spcAft>
-              <a:buClrTx/>
-              <a:buSzTx/>
-              <a:buFontTx/>
-              <a:buNone/>
-              <a:tabLst/>
-              <a:defRPr/>
-            </a:pPr>
-            <a:r>
-              <a:rPr lang="de-DE" sz="1200" kern="1200" dirty="0">
-                <a:solidFill>
-                  <a:schemeClr val="tx1"/>
-                </a:solidFill>
-                <a:effectLst/>
-                <a:latin typeface="+mn-lt"/>
-                <a:ea typeface="+mn-ea"/>
-                <a:cs typeface="+mn-cs"/>
-              </a:rPr>
-              <a:t>5-6cent pro Kilometer</a:t>
-            </a:r>
-          </a:p>
-          <a:p>
-            <a:endParaRPr lang="de-DE" dirty="0"/>
-          </a:p>
-        </p:txBody>
-      </p:sp>
-      <p:sp>
-        <p:nvSpPr>
-          <p:cNvPr id="4" name="Foliennummernplatzhalter 3"/>
-          <p:cNvSpPr>
-            <a:spLocks noGrp="1"/>
-          </p:cNvSpPr>
-          <p:nvPr>
-            <p:ph type="sldNum" sz="quarter" idx="5"/>
-          </p:nvPr>
-        </p:nvSpPr>
-        <p:spPr/>
-        <p:txBody>
-          <a:bodyPr/>
-          <a:lstStyle/>
-          <a:p>
-            <a:fld id="{0088EFD8-5ED9-AD4B-A3FB-8A287AE11395}" type="slidenum">
-              <a:rPr lang="de-DE" smtClean="0"/>
-              <a:t>21</a:t>
+              <a:t>19</a:t>
             </a:fld>
             <a:endParaRPr lang="de-DE"/>
           </a:p>
@@ -5950,7 +5784,7 @@
           <a:lstStyle/>
           <a:p>
             <a:pPr algn="ctr"/>
-            <a:endParaRPr lang="de-DE"/>
+            <a:endParaRPr lang="de-DE" dirty="0"/>
           </a:p>
         </p:txBody>
       </p:sp>
@@ -6016,10 +5850,10 @@
       </p:pic>
       <p:pic>
         <p:nvPicPr>
-          <p:cNvPr id="14" name="Grafik 13">
-            <a:extLst>
-              <a:ext uri="{FF2B5EF4-FFF2-40B4-BE49-F238E27FC236}">
-                <a16:creationId xmlns:a16="http://schemas.microsoft.com/office/drawing/2014/main" id="{501DBEB6-4919-8A4E-B174-26971DFC020B}"/>
+          <p:cNvPr id="7" name="Grafik 6">
+            <a:extLst>
+              <a:ext uri="{FF2B5EF4-FFF2-40B4-BE49-F238E27FC236}">
+                <a16:creationId xmlns:a16="http://schemas.microsoft.com/office/drawing/2014/main" id="{59D1C66E-2C07-4B4C-B268-C273190D3E41}"/>
               </a:ext>
             </a:extLst>
           </p:cNvPr>
@@ -6036,8 +5870,158 @@
         </p:blipFill>
         <p:spPr>
           <a:xfrm>
+            <a:off x="1363956" y="850900"/>
+            <a:ext cx="2374900" cy="5156200"/>
+          </a:xfrm>
+          <a:prstGeom prst="rect">
+            <a:avLst/>
+          </a:prstGeom>
+        </p:spPr>
+      </p:pic>
+      <p:pic>
+        <p:nvPicPr>
+          <p:cNvPr id="14" name="Grafik 13">
+            <a:extLst>
+              <a:ext uri="{FF2B5EF4-FFF2-40B4-BE49-F238E27FC236}">
+                <a16:creationId xmlns:a16="http://schemas.microsoft.com/office/drawing/2014/main" id="{501DBEB6-4919-8A4E-B174-26971DFC020B}"/>
+              </a:ext>
+            </a:extLst>
+          </p:cNvPr>
+          <p:cNvPicPr>
+            <a:picLocks noChangeAspect="1"/>
+          </p:cNvPicPr>
+          <p:nvPr/>
+        </p:nvPicPr>
+        <p:blipFill>
+          <a:blip r:embed="rId6"/>
+          <a:stretch>
+            <a:fillRect/>
+          </a:stretch>
+        </p:blipFill>
+        <p:spPr>
+          <a:xfrm>
             <a:off x="8451763" y="850900"/>
             <a:ext cx="2374900" cy="5156200"/>
+          </a:xfrm>
+          <a:prstGeom prst="rect">
+            <a:avLst/>
+          </a:prstGeom>
+        </p:spPr>
+      </p:pic>
+      <p:pic>
+        <p:nvPicPr>
+          <p:cNvPr id="3" name="Grafik 2">
+            <a:extLst>
+              <a:ext uri="{FF2B5EF4-FFF2-40B4-BE49-F238E27FC236}">
+                <a16:creationId xmlns:a16="http://schemas.microsoft.com/office/drawing/2014/main" id="{0D3A31A1-53C1-A642-8BE3-63AB4231B878}"/>
+              </a:ext>
+            </a:extLst>
+          </p:cNvPr>
+          <p:cNvPicPr>
+            <a:picLocks noChangeAspect="1"/>
+          </p:cNvPicPr>
+          <p:nvPr/>
+        </p:nvPicPr>
+        <p:blipFill>
+          <a:blip r:embed="rId7"/>
+          <a:stretch>
+            <a:fillRect/>
+          </a:stretch>
+        </p:blipFill>
+        <p:spPr>
+          <a:xfrm>
+            <a:off x="844953" y="682255"/>
+            <a:ext cx="3412906" cy="5539790"/>
+          </a:xfrm>
+          <a:prstGeom prst="rect">
+            <a:avLst/>
+          </a:prstGeom>
+        </p:spPr>
+      </p:pic>
+      <p:pic>
+        <p:nvPicPr>
+          <p:cNvPr id="8" name="Grafik 7">
+            <a:extLst>
+              <a:ext uri="{FF2B5EF4-FFF2-40B4-BE49-F238E27FC236}">
+                <a16:creationId xmlns:a16="http://schemas.microsoft.com/office/drawing/2014/main" id="{53594CCC-D1CC-FE49-98C7-998ACEE79AB9}"/>
+              </a:ext>
+            </a:extLst>
+          </p:cNvPr>
+          <p:cNvPicPr>
+            <a:picLocks noChangeAspect="1"/>
+          </p:cNvPicPr>
+          <p:nvPr/>
+        </p:nvPicPr>
+        <p:blipFill>
+          <a:blip r:embed="rId7"/>
+          <a:stretch>
+            <a:fillRect/>
+          </a:stretch>
+        </p:blipFill>
+        <p:spPr>
+          <a:xfrm>
+            <a:off x="4389547" y="682255"/>
+            <a:ext cx="3412906" cy="5539790"/>
+          </a:xfrm>
+          <a:prstGeom prst="rect">
+            <a:avLst/>
+          </a:prstGeom>
+        </p:spPr>
+      </p:pic>
+      <p:pic>
+        <p:nvPicPr>
+          <p:cNvPr id="9" name="Grafik 8">
+            <a:extLst>
+              <a:ext uri="{FF2B5EF4-FFF2-40B4-BE49-F238E27FC236}">
+                <a16:creationId xmlns:a16="http://schemas.microsoft.com/office/drawing/2014/main" id="{5C7D0F1A-813B-CB46-AF3A-3DF984ED449A}"/>
+              </a:ext>
+            </a:extLst>
+          </p:cNvPr>
+          <p:cNvPicPr>
+            <a:picLocks noChangeAspect="1"/>
+          </p:cNvPicPr>
+          <p:nvPr/>
+        </p:nvPicPr>
+        <p:blipFill>
+          <a:blip r:embed="rId7"/>
+          <a:stretch>
+            <a:fillRect/>
+          </a:stretch>
+        </p:blipFill>
+        <p:spPr>
+          <a:xfrm>
+            <a:off x="7934141" y="682255"/>
+            <a:ext cx="3412906" cy="5539790"/>
+          </a:xfrm>
+          <a:prstGeom prst="rect">
+            <a:avLst/>
+          </a:prstGeom>
+        </p:spPr>
+      </p:pic>
+      <p:pic>
+        <p:nvPicPr>
+          <p:cNvPr id="10" name="Grafik 9">
+            <a:extLst>
+              <a:ext uri="{FF2B5EF4-FFF2-40B4-BE49-F238E27FC236}">
+                <a16:creationId xmlns:a16="http://schemas.microsoft.com/office/drawing/2014/main" id="{FD9E4288-4810-2E42-A2D1-083511E3F197}"/>
+              </a:ext>
+            </a:extLst>
+          </p:cNvPr>
+          <p:cNvPicPr>
+            <a:picLocks noChangeAspect="1"/>
+          </p:cNvPicPr>
+          <p:nvPr/>
+        </p:nvPicPr>
+        <p:blipFill>
+          <a:blip r:embed="rId8"/>
+          <a:stretch>
+            <a:fillRect/>
+          </a:stretch>
+        </p:blipFill>
+        <p:spPr>
+          <a:xfrm>
+            <a:off x="1900634" y="3429000"/>
+            <a:ext cx="1224000" cy="1224000"/>
           </a:xfrm>
           <a:prstGeom prst="rect">
             <a:avLst/>
@@ -6054,6 +6038,89 @@
   <p:clrMapOvr>
     <a:masterClrMapping/>
   </p:clrMapOvr>
+  <p:timing>
+    <p:tnLst>
+      <p:par>
+        <p:cTn id="1" dur="indefinite" restart="never" nodeType="tmRoot">
+          <p:childTnLst>
+            <p:seq concurrent="1" nextAc="seek">
+              <p:cTn id="2" dur="indefinite" nodeType="mainSeq">
+                <p:childTnLst>
+                  <p:par>
+                    <p:cTn id="3" fill="hold">
+                      <p:stCondLst>
+                        <p:cond delay="indefinite"/>
+                      </p:stCondLst>
+                      <p:childTnLst>
+                        <p:par>
+                          <p:cTn id="4" fill="hold">
+                            <p:stCondLst>
+                              <p:cond delay="0"/>
+                            </p:stCondLst>
+                            <p:childTnLst>
+                              <p:par>
+                                <p:cTn id="5" presetID="10" presetClass="entr" presetSubtype="0" fill="hold" nodeType="clickEffect">
+                                  <p:stCondLst>
+                                    <p:cond delay="0"/>
+                                  </p:stCondLst>
+                                  <p:childTnLst>
+                                    <p:set>
+                                      <p:cBhvr>
+                                        <p:cTn id="6" dur="1" fill="hold">
+                                          <p:stCondLst>
+                                            <p:cond delay="0"/>
+                                          </p:stCondLst>
+                                        </p:cTn>
+                                        <p:tgtEl>
+                                          <p:spTgt spid="10"/>
+                                        </p:tgtEl>
+                                        <p:attrNameLst>
+                                          <p:attrName>style.visibility</p:attrName>
+                                        </p:attrNameLst>
+                                      </p:cBhvr>
+                                      <p:to>
+                                        <p:strVal val="visible"/>
+                                      </p:to>
+                                    </p:set>
+                                    <p:animEffect transition="in" filter="fade">
+                                      <p:cBhvr>
+                                        <p:cTn id="7" dur="500"/>
+                                        <p:tgtEl>
+                                          <p:spTgt spid="10"/>
+                                        </p:tgtEl>
+                                      </p:cBhvr>
+                                    </p:animEffect>
+                                  </p:childTnLst>
+                                </p:cTn>
+                              </p:par>
+                            </p:childTnLst>
+                          </p:cTn>
+                        </p:par>
+                      </p:childTnLst>
+                    </p:cTn>
+                  </p:par>
+                </p:childTnLst>
+              </p:cTn>
+              <p:prevCondLst>
+                <p:cond evt="onPrev" delay="0">
+                  <p:tgtEl>
+                    <p:sldTgt/>
+                  </p:tgtEl>
+                </p:cond>
+              </p:prevCondLst>
+              <p:nextCondLst>
+                <p:cond evt="onNext" delay="0">
+                  <p:tgtEl>
+                    <p:sldTgt/>
+                  </p:tgtEl>
+                </p:cond>
+              </p:nextCondLst>
+            </p:seq>
+          </p:childTnLst>
+        </p:cTn>
+      </p:par>
+    </p:tnLst>
+  </p:timing>
 </p:sld>
 </file>
 
@@ -6197,6 +6264,96 @@
           </a:prstGeom>
         </p:spPr>
       </p:pic>
+      <p:pic>
+        <p:nvPicPr>
+          <p:cNvPr id="5" name="Grafik 4">
+            <a:extLst>
+              <a:ext uri="{FF2B5EF4-FFF2-40B4-BE49-F238E27FC236}">
+                <a16:creationId xmlns:a16="http://schemas.microsoft.com/office/drawing/2014/main" id="{6D4981D1-BA92-A54D-BE34-8BBB45130915}"/>
+              </a:ext>
+            </a:extLst>
+          </p:cNvPr>
+          <p:cNvPicPr>
+            <a:picLocks noChangeAspect="1"/>
+          </p:cNvPicPr>
+          <p:nvPr/>
+        </p:nvPicPr>
+        <p:blipFill>
+          <a:blip r:embed="rId5"/>
+          <a:stretch>
+            <a:fillRect/>
+          </a:stretch>
+        </p:blipFill>
+        <p:spPr>
+          <a:xfrm>
+            <a:off x="2758504" y="693830"/>
+            <a:ext cx="3412906" cy="5539790"/>
+          </a:xfrm>
+          <a:prstGeom prst="rect">
+            <a:avLst/>
+          </a:prstGeom>
+        </p:spPr>
+      </p:pic>
+      <p:pic>
+        <p:nvPicPr>
+          <p:cNvPr id="6" name="Grafik 5">
+            <a:extLst>
+              <a:ext uri="{FF2B5EF4-FFF2-40B4-BE49-F238E27FC236}">
+                <a16:creationId xmlns:a16="http://schemas.microsoft.com/office/drawing/2014/main" id="{0EED6740-A022-1448-9A9A-7D89B2B88F31}"/>
+              </a:ext>
+            </a:extLst>
+          </p:cNvPr>
+          <p:cNvPicPr>
+            <a:picLocks noChangeAspect="1"/>
+          </p:cNvPicPr>
+          <p:nvPr/>
+        </p:nvPicPr>
+        <p:blipFill>
+          <a:blip r:embed="rId5"/>
+          <a:stretch>
+            <a:fillRect/>
+          </a:stretch>
+        </p:blipFill>
+        <p:spPr>
+          <a:xfrm>
+            <a:off x="6020590" y="693830"/>
+            <a:ext cx="3412906" cy="5539790"/>
+          </a:xfrm>
+          <a:prstGeom prst="rect">
+            <a:avLst/>
+          </a:prstGeom>
+        </p:spPr>
+      </p:pic>
+      <p:pic>
+        <p:nvPicPr>
+          <p:cNvPr id="7" name="Grafik 6">
+            <a:extLst>
+              <a:ext uri="{FF2B5EF4-FFF2-40B4-BE49-F238E27FC236}">
+                <a16:creationId xmlns:a16="http://schemas.microsoft.com/office/drawing/2014/main" id="{4F9485EA-FA8C-654E-99A6-B79D375C163B}"/>
+              </a:ext>
+            </a:extLst>
+          </p:cNvPr>
+          <p:cNvPicPr>
+            <a:picLocks noChangeAspect="1"/>
+          </p:cNvPicPr>
+          <p:nvPr/>
+        </p:nvPicPr>
+        <p:blipFill>
+          <a:blip r:embed="rId6"/>
+          <a:stretch>
+            <a:fillRect/>
+          </a:stretch>
+        </p:blipFill>
+        <p:spPr>
+          <a:xfrm>
+            <a:off x="8302493" y="2548917"/>
+            <a:ext cx="1224000" cy="1224000"/>
+          </a:xfrm>
+          <a:prstGeom prst="rect">
+            <a:avLst/>
+          </a:prstGeom>
+        </p:spPr>
+      </p:pic>
     </p:spTree>
     <p:extLst>
       <p:ext uri="{BB962C8B-B14F-4D97-AF65-F5344CB8AC3E}">
@@ -6207,6 +6364,89 @@
   <p:clrMapOvr>
     <a:masterClrMapping/>
   </p:clrMapOvr>
+  <p:timing>
+    <p:tnLst>
+      <p:par>
+        <p:cTn id="1" dur="indefinite" restart="never" nodeType="tmRoot">
+          <p:childTnLst>
+            <p:seq concurrent="1" nextAc="seek">
+              <p:cTn id="2" dur="indefinite" nodeType="mainSeq">
+                <p:childTnLst>
+                  <p:par>
+                    <p:cTn id="3" fill="hold">
+                      <p:stCondLst>
+                        <p:cond delay="indefinite"/>
+                      </p:stCondLst>
+                      <p:childTnLst>
+                        <p:par>
+                          <p:cTn id="4" fill="hold">
+                            <p:stCondLst>
+                              <p:cond delay="0"/>
+                            </p:stCondLst>
+                            <p:childTnLst>
+                              <p:par>
+                                <p:cTn id="5" presetID="10" presetClass="entr" presetSubtype="0" fill="hold" nodeType="clickEffect">
+                                  <p:stCondLst>
+                                    <p:cond delay="0"/>
+                                  </p:stCondLst>
+                                  <p:childTnLst>
+                                    <p:set>
+                                      <p:cBhvr>
+                                        <p:cTn id="6" dur="1" fill="hold">
+                                          <p:stCondLst>
+                                            <p:cond delay="0"/>
+                                          </p:stCondLst>
+                                        </p:cTn>
+                                        <p:tgtEl>
+                                          <p:spTgt spid="7"/>
+                                        </p:tgtEl>
+                                        <p:attrNameLst>
+                                          <p:attrName>style.visibility</p:attrName>
+                                        </p:attrNameLst>
+                                      </p:cBhvr>
+                                      <p:to>
+                                        <p:strVal val="visible"/>
+                                      </p:to>
+                                    </p:set>
+                                    <p:animEffect transition="in" filter="fade">
+                                      <p:cBhvr>
+                                        <p:cTn id="7" dur="500"/>
+                                        <p:tgtEl>
+                                          <p:spTgt spid="7"/>
+                                        </p:tgtEl>
+                                      </p:cBhvr>
+                                    </p:animEffect>
+                                  </p:childTnLst>
+                                </p:cTn>
+                              </p:par>
+                            </p:childTnLst>
+                          </p:cTn>
+                        </p:par>
+                      </p:childTnLst>
+                    </p:cTn>
+                  </p:par>
+                </p:childTnLst>
+              </p:cTn>
+              <p:prevCondLst>
+                <p:cond evt="onPrev" delay="0">
+                  <p:tgtEl>
+                    <p:sldTgt/>
+                  </p:tgtEl>
+                </p:cond>
+              </p:prevCondLst>
+              <p:nextCondLst>
+                <p:cond evt="onNext" delay="0">
+                  <p:tgtEl>
+                    <p:sldTgt/>
+                  </p:tgtEl>
+                </p:cond>
+              </p:nextCondLst>
+            </p:seq>
+          </p:childTnLst>
+        </p:cTn>
+      </p:par>
+    </p:tnLst>
+  </p:timing>
 </p:sld>
 </file>
 
@@ -6380,6 +6620,96 @@
           </a:prstGeom>
         </p:spPr>
       </p:pic>
+      <p:pic>
+        <p:nvPicPr>
+          <p:cNvPr id="6" name="Grafik 5">
+            <a:extLst>
+              <a:ext uri="{FF2B5EF4-FFF2-40B4-BE49-F238E27FC236}">
+                <a16:creationId xmlns:a16="http://schemas.microsoft.com/office/drawing/2014/main" id="{711A4B82-874C-4B4F-ABE3-64C7B1719EA1}"/>
+              </a:ext>
+            </a:extLst>
+          </p:cNvPr>
+          <p:cNvPicPr>
+            <a:picLocks noChangeAspect="1"/>
+          </p:cNvPicPr>
+          <p:nvPr/>
+        </p:nvPicPr>
+        <p:blipFill>
+          <a:blip r:embed="rId6"/>
+          <a:stretch>
+            <a:fillRect/>
+          </a:stretch>
+        </p:blipFill>
+        <p:spPr>
+          <a:xfrm>
+            <a:off x="881058" y="693830"/>
+            <a:ext cx="3412906" cy="5539790"/>
+          </a:xfrm>
+          <a:prstGeom prst="rect">
+            <a:avLst/>
+          </a:prstGeom>
+        </p:spPr>
+      </p:pic>
+      <p:pic>
+        <p:nvPicPr>
+          <p:cNvPr id="7" name="Grafik 6">
+            <a:extLst>
+              <a:ext uri="{FF2B5EF4-FFF2-40B4-BE49-F238E27FC236}">
+                <a16:creationId xmlns:a16="http://schemas.microsoft.com/office/drawing/2014/main" id="{22E9DD91-E142-8443-9751-D74A9C20F92D}"/>
+              </a:ext>
+            </a:extLst>
+          </p:cNvPr>
+          <p:cNvPicPr>
+            <a:picLocks noChangeAspect="1"/>
+          </p:cNvPicPr>
+          <p:nvPr/>
+        </p:nvPicPr>
+        <p:blipFill>
+          <a:blip r:embed="rId6"/>
+          <a:stretch>
+            <a:fillRect/>
+          </a:stretch>
+        </p:blipFill>
+        <p:spPr>
+          <a:xfrm>
+            <a:off x="4424271" y="711842"/>
+            <a:ext cx="3412906" cy="5539790"/>
+          </a:xfrm>
+          <a:prstGeom prst="rect">
+            <a:avLst/>
+          </a:prstGeom>
+        </p:spPr>
+      </p:pic>
+      <p:pic>
+        <p:nvPicPr>
+          <p:cNvPr id="9" name="Grafik 8">
+            <a:extLst>
+              <a:ext uri="{FF2B5EF4-FFF2-40B4-BE49-F238E27FC236}">
+                <a16:creationId xmlns:a16="http://schemas.microsoft.com/office/drawing/2014/main" id="{AB98F2D5-9856-834C-B0CC-97C92C8EC6C5}"/>
+              </a:ext>
+            </a:extLst>
+          </p:cNvPr>
+          <p:cNvPicPr>
+            <a:picLocks noChangeAspect="1"/>
+          </p:cNvPicPr>
+          <p:nvPr/>
+        </p:nvPicPr>
+        <p:blipFill>
+          <a:blip r:embed="rId6"/>
+          <a:stretch>
+            <a:fillRect/>
+          </a:stretch>
+        </p:blipFill>
+        <p:spPr>
+          <a:xfrm>
+            <a:off x="7967484" y="711842"/>
+            <a:ext cx="3412906" cy="5539790"/>
+          </a:xfrm>
+          <a:prstGeom prst="rect">
+            <a:avLst/>
+          </a:prstGeom>
+        </p:spPr>
+      </p:pic>
     </p:spTree>
     <p:extLst>
       <p:ext uri="{BB962C8B-B14F-4D97-AF65-F5344CB8AC3E}">
@@ -6545,55 +6875,42 @@
       </p:sp>
       <p:sp>
         <p:nvSpPr>
-          <p:cNvPr id="2" name="Rechteck 1">
-            <a:extLst>
-              <a:ext uri="{FF2B5EF4-FFF2-40B4-BE49-F238E27FC236}">
-                <a16:creationId xmlns:a16="http://schemas.microsoft.com/office/drawing/2014/main" id="{D268CD54-5F46-AC4A-8688-BDBFB647FF0C}"/>
-              </a:ext>
-            </a:extLst>
-          </p:cNvPr>
-          <p:cNvSpPr/>
+          <p:cNvPr id="6" name="Textfeld 5">
+            <a:extLst>
+              <a:ext uri="{FF2B5EF4-FFF2-40B4-BE49-F238E27FC236}">
+                <a16:creationId xmlns:a16="http://schemas.microsoft.com/office/drawing/2014/main" id="{BE66A0E2-D6F2-F04C-85E5-0C6FF4568643}"/>
+              </a:ext>
+            </a:extLst>
+          </p:cNvPr>
+          <p:cNvSpPr txBox="1"/>
           <p:nvPr/>
         </p:nvSpPr>
         <p:spPr>
           <a:xfrm>
-            <a:off x="5160723" y="2668044"/>
-            <a:ext cx="3269293" cy="488515"/>
+            <a:off x="2745287" y="2644170"/>
+            <a:ext cx="6701425" cy="1569660"/>
           </a:xfrm>
           <a:prstGeom prst="rect">
             <a:avLst/>
           </a:prstGeom>
+          <a:noFill/>
         </p:spPr>
-        <p:style>
-          <a:lnRef idx="2">
-            <a:schemeClr val="accent1">
-              <a:shade val="50000"/>
-            </a:schemeClr>
-          </a:lnRef>
-          <a:fillRef idx="1">
-            <a:schemeClr val="accent1"/>
-          </a:fillRef>
-          <a:effectRef idx="0">
-            <a:schemeClr val="accent1"/>
-          </a:effectRef>
-          <a:fontRef idx="minor">
-            <a:schemeClr val="lt1"/>
-          </a:fontRef>
-        </p:style>
         <p:txBody>
-          <a:bodyPr rtlCol="0" anchor="ctr"/>
+          <a:bodyPr wrap="square" rtlCol="0">
+            <a:spAutoFit/>
+          </a:bodyPr>
           <a:lstStyle/>
           <a:p>
             <a:pPr algn="ctr"/>
             <a:r>
-              <a:rPr lang="de-DE" dirty="0"/>
-              <a:t>Live </a:t>
-            </a:r>
-            <a:r>
-              <a:rPr lang="de-DE" dirty="0" err="1"/>
-              <a:t>demo</a:t>
-            </a:r>
-            <a:endParaRPr lang="de-DE" dirty="0"/>
+              <a:rPr lang="de-DE" sz="9600" b="1" dirty="0">
+                <a:solidFill>
+                  <a:schemeClr val="bg1"/>
+                </a:solidFill>
+                <a:latin typeface="DIN Condensed" pitchFamily="2" charset="0"/>
+              </a:rPr>
+              <a:t>LIVE DEMO!</a:t>
+            </a:r>
           </a:p>
         </p:txBody>
       </p:sp>
@@ -6611,7 +6928,7 @@
 </file>
 
 <file path=ppt/slides/slide14.xml><?xml version="1.0" encoding="utf-8"?>
-<p:sld xmlns:a="http://schemas.openxmlformats.org/drawingml/2006/main" xmlns:r="http://schemas.openxmlformats.org/officeDocument/2006/relationships" xmlns:p="http://schemas.openxmlformats.org/presentationml/2006/main" show="0">
+<p:sld xmlns:a="http://schemas.openxmlformats.org/drawingml/2006/main" xmlns:r="http://schemas.openxmlformats.org/officeDocument/2006/relationships" xmlns:p="http://schemas.openxmlformats.org/presentationml/2006/main">
   <p:cSld>
     <p:spTree>
       <p:nvGrpSpPr>
@@ -6690,897 +7007,6 @@
           </a:p>
         </p:txBody>
       </p:sp>
-      <p:pic>
-        <p:nvPicPr>
-          <p:cNvPr id="5" name="Grafik 4">
-            <a:extLst>
-              <a:ext uri="{FF2B5EF4-FFF2-40B4-BE49-F238E27FC236}">
-                <a16:creationId xmlns:a16="http://schemas.microsoft.com/office/drawing/2014/main" id="{97F7549A-51BA-0E4D-85EB-60F2DB5B7A84}"/>
-              </a:ext>
-            </a:extLst>
-          </p:cNvPr>
-          <p:cNvPicPr>
-            <a:picLocks noChangeAspect="1"/>
-          </p:cNvPicPr>
-          <p:nvPr/>
-        </p:nvPicPr>
-        <p:blipFill>
-          <a:blip r:embed="rId3"/>
-          <a:stretch>
-            <a:fillRect/>
-          </a:stretch>
-        </p:blipFill>
-        <p:spPr>
-          <a:xfrm>
-            <a:off x="141337" y="206550"/>
-            <a:ext cx="1224000" cy="1224000"/>
-          </a:xfrm>
-          <a:prstGeom prst="rect">
-            <a:avLst/>
-          </a:prstGeom>
-        </p:spPr>
-      </p:pic>
-      <p:sp>
-        <p:nvSpPr>
-          <p:cNvPr id="10" name="Textfeld 9">
-            <a:extLst>
-              <a:ext uri="{FF2B5EF4-FFF2-40B4-BE49-F238E27FC236}">
-                <a16:creationId xmlns:a16="http://schemas.microsoft.com/office/drawing/2014/main" id="{89C52750-940F-9A41-A756-9DA1300186EE}"/>
-              </a:ext>
-            </a:extLst>
-          </p:cNvPr>
-          <p:cNvSpPr txBox="1"/>
-          <p:nvPr/>
-        </p:nvSpPr>
-        <p:spPr>
-          <a:xfrm>
-            <a:off x="1506674" y="67440"/>
-            <a:ext cx="8854654" cy="1569660"/>
-          </a:xfrm>
-          <a:prstGeom prst="rect">
-            <a:avLst/>
-          </a:prstGeom>
-          <a:noFill/>
-        </p:spPr>
-        <p:txBody>
-          <a:bodyPr wrap="square" rtlCol="0">
-            <a:spAutoFit/>
-          </a:bodyPr>
-          <a:lstStyle/>
-          <a:p>
-            <a:r>
-              <a:rPr lang="de-DE" sz="9600" b="1" dirty="0">
-                <a:solidFill>
-                  <a:schemeClr val="bg1"/>
-                </a:solidFill>
-                <a:latin typeface="DIN Condensed" pitchFamily="2" charset="0"/>
-              </a:rPr>
-              <a:t>CA$H. LOTS OF CASH</a:t>
-            </a:r>
-          </a:p>
-        </p:txBody>
-      </p:sp>
-      <p:sp>
-        <p:nvSpPr>
-          <p:cNvPr id="6" name="Textfeld 5">
-            <a:extLst>
-              <a:ext uri="{FF2B5EF4-FFF2-40B4-BE49-F238E27FC236}">
-                <a16:creationId xmlns:a16="http://schemas.microsoft.com/office/drawing/2014/main" id="{E467247D-267E-3E4A-BD87-430368712837}"/>
-              </a:ext>
-            </a:extLst>
-          </p:cNvPr>
-          <p:cNvSpPr txBox="1"/>
-          <p:nvPr/>
-        </p:nvSpPr>
-        <p:spPr>
-          <a:xfrm>
-            <a:off x="288098" y="1637100"/>
-            <a:ext cx="10860066" cy="4154984"/>
-          </a:xfrm>
-          <a:prstGeom prst="rect">
-            <a:avLst/>
-          </a:prstGeom>
-          <a:noFill/>
-        </p:spPr>
-        <p:txBody>
-          <a:bodyPr wrap="square" rtlCol="0">
-            <a:spAutoFit/>
-          </a:bodyPr>
-          <a:lstStyle/>
-          <a:p>
-            <a:pPr marL="571500" indent="-571500">
-              <a:buFont typeface="Arial" panose="020B0604020202020204" pitchFamily="34" charset="0"/>
-              <a:buChar char="•"/>
-            </a:pPr>
-            <a:r>
-              <a:rPr lang="de-DE" sz="4400" dirty="0">
-                <a:solidFill>
-                  <a:schemeClr val="bg1"/>
-                </a:solidFill>
-                <a:latin typeface="DIN Condensed" pitchFamily="2" charset="0"/>
-              </a:rPr>
-              <a:t>Abonnement Model: </a:t>
-            </a:r>
-            <a:r>
-              <a:rPr lang="de-DE" sz="4400" dirty="0" err="1">
-                <a:solidFill>
-                  <a:schemeClr val="bg1"/>
-                </a:solidFill>
-                <a:latin typeface="DIN Condensed" pitchFamily="2" charset="0"/>
-              </a:rPr>
-              <a:t>Only</a:t>
-            </a:r>
-            <a:r>
-              <a:rPr lang="de-DE" sz="4400" dirty="0">
-                <a:solidFill>
-                  <a:schemeClr val="bg1"/>
-                </a:solidFill>
-                <a:latin typeface="DIN Condensed" pitchFamily="2" charset="0"/>
-              </a:rPr>
-              <a:t> 2 </a:t>
-            </a:r>
-            <a:r>
-              <a:rPr lang="de-DE" sz="4400" dirty="0" err="1">
-                <a:solidFill>
-                  <a:schemeClr val="bg1"/>
-                </a:solidFill>
-                <a:latin typeface="DIN Condensed" pitchFamily="2" charset="0"/>
-              </a:rPr>
-              <a:t>SafeSpots</a:t>
-            </a:r>
-            <a:r>
-              <a:rPr lang="de-DE" sz="4400" dirty="0">
-                <a:solidFill>
-                  <a:schemeClr val="bg1"/>
-                </a:solidFill>
-                <a:latin typeface="DIN Condensed" pitchFamily="2" charset="0"/>
-              </a:rPr>
-              <a:t> </a:t>
-            </a:r>
-            <a:r>
-              <a:rPr lang="de-DE" sz="4400" dirty="0" err="1">
-                <a:solidFill>
-                  <a:schemeClr val="bg1"/>
-                </a:solidFill>
-                <a:latin typeface="DIN Condensed" pitchFamily="2" charset="0"/>
-              </a:rPr>
-              <a:t>available</a:t>
-            </a:r>
-            <a:r>
-              <a:rPr lang="de-DE" sz="4400" dirty="0">
-                <a:solidFill>
-                  <a:schemeClr val="bg1"/>
-                </a:solidFill>
-                <a:latin typeface="DIN Condensed" pitchFamily="2" charset="0"/>
-              </a:rPr>
-              <a:t> (School &amp; Home), but </a:t>
-            </a:r>
-            <a:r>
-              <a:rPr lang="de-DE" sz="4400" dirty="0" err="1">
-                <a:solidFill>
-                  <a:schemeClr val="bg1"/>
-                </a:solidFill>
-                <a:latin typeface="DIN Condensed" pitchFamily="2" charset="0"/>
-              </a:rPr>
-              <a:t>more</a:t>
-            </a:r>
-            <a:r>
-              <a:rPr lang="de-DE" sz="4400" dirty="0">
-                <a:solidFill>
-                  <a:schemeClr val="bg1"/>
-                </a:solidFill>
-                <a:latin typeface="DIN Condensed" pitchFamily="2" charset="0"/>
-              </a:rPr>
-              <a:t> </a:t>
-            </a:r>
-            <a:r>
-              <a:rPr lang="de-DE" sz="4400" dirty="0" err="1">
-                <a:solidFill>
-                  <a:schemeClr val="bg1"/>
-                </a:solidFill>
-                <a:latin typeface="DIN Condensed" pitchFamily="2" charset="0"/>
-              </a:rPr>
-              <a:t>cost</a:t>
-            </a:r>
-            <a:r>
-              <a:rPr lang="de-DE" sz="4400" dirty="0">
-                <a:solidFill>
-                  <a:schemeClr val="bg1"/>
-                </a:solidFill>
-                <a:latin typeface="DIN Condensed" pitchFamily="2" charset="0"/>
-              </a:rPr>
-              <a:t> </a:t>
-            </a:r>
-            <a:r>
-              <a:rPr lang="de-DE" sz="4400" dirty="0" err="1">
-                <a:solidFill>
-                  <a:schemeClr val="bg1"/>
-                </a:solidFill>
-                <a:latin typeface="DIN Condensed" pitchFamily="2" charset="0"/>
-              </a:rPr>
-              <a:t>money</a:t>
-            </a:r>
-            <a:r>
-              <a:rPr lang="de-DE" sz="4400" dirty="0">
-                <a:solidFill>
-                  <a:schemeClr val="bg1"/>
-                </a:solidFill>
-                <a:latin typeface="DIN Condensed" pitchFamily="2" charset="0"/>
-              </a:rPr>
-              <a:t> (</a:t>
-            </a:r>
-            <a:r>
-              <a:rPr lang="de-DE" sz="4400" dirty="0" err="1">
-                <a:solidFill>
-                  <a:schemeClr val="bg1"/>
-                </a:solidFill>
-                <a:latin typeface="DIN Condensed" pitchFamily="2" charset="0"/>
-              </a:rPr>
-              <a:t>soccer</a:t>
-            </a:r>
-            <a:r>
-              <a:rPr lang="de-DE" sz="4400" dirty="0">
-                <a:solidFill>
-                  <a:schemeClr val="bg1"/>
-                </a:solidFill>
-                <a:latin typeface="DIN Condensed" pitchFamily="2" charset="0"/>
-              </a:rPr>
-              <a:t> </a:t>
-            </a:r>
-            <a:r>
-              <a:rPr lang="de-DE" sz="4400" dirty="0" err="1">
-                <a:solidFill>
-                  <a:schemeClr val="bg1"/>
-                </a:solidFill>
-                <a:latin typeface="DIN Condensed" pitchFamily="2" charset="0"/>
-              </a:rPr>
-              <a:t>practise</a:t>
-            </a:r>
-            <a:r>
-              <a:rPr lang="de-DE" sz="4400" dirty="0">
-                <a:solidFill>
-                  <a:schemeClr val="bg1"/>
-                </a:solidFill>
-                <a:latin typeface="DIN Condensed" pitchFamily="2" charset="0"/>
-              </a:rPr>
-              <a:t>)</a:t>
-            </a:r>
-          </a:p>
-          <a:p>
-            <a:pPr marL="571500" indent="-571500">
-              <a:buFont typeface="Arial" panose="020B0604020202020204" pitchFamily="34" charset="0"/>
-              <a:buChar char="•"/>
-            </a:pPr>
-            <a:r>
-              <a:rPr lang="de-DE" sz="4400" dirty="0" err="1">
-                <a:solidFill>
-                  <a:schemeClr val="bg1"/>
-                </a:solidFill>
-                <a:latin typeface="DIN Condensed" pitchFamily="2" charset="0"/>
-              </a:rPr>
-              <a:t>Buy</a:t>
-            </a:r>
-            <a:r>
-              <a:rPr lang="de-DE" sz="4400" dirty="0">
-                <a:solidFill>
-                  <a:schemeClr val="bg1"/>
-                </a:solidFill>
-                <a:latin typeface="DIN Condensed" pitchFamily="2" charset="0"/>
-              </a:rPr>
-              <a:t> </a:t>
-            </a:r>
-            <a:r>
-              <a:rPr lang="de-DE" sz="4400" dirty="0" err="1">
-                <a:solidFill>
-                  <a:schemeClr val="bg1"/>
-                </a:solidFill>
-                <a:latin typeface="DIN Condensed" pitchFamily="2" charset="0"/>
-              </a:rPr>
-              <a:t>new</a:t>
-            </a:r>
-            <a:r>
-              <a:rPr lang="de-DE" sz="4400" dirty="0">
-                <a:solidFill>
-                  <a:schemeClr val="bg1"/>
-                </a:solidFill>
-                <a:latin typeface="DIN Condensed" pitchFamily="2" charset="0"/>
-              </a:rPr>
-              <a:t> </a:t>
-            </a:r>
-            <a:r>
-              <a:rPr lang="de-DE" sz="4400" dirty="0" err="1">
-                <a:solidFill>
-                  <a:schemeClr val="bg1"/>
-                </a:solidFill>
-                <a:latin typeface="DIN Condensed" pitchFamily="2" charset="0"/>
-              </a:rPr>
-              <a:t>pets</a:t>
-            </a:r>
-            <a:r>
-              <a:rPr lang="de-DE" sz="4400" dirty="0">
-                <a:solidFill>
-                  <a:schemeClr val="bg1"/>
-                </a:solidFill>
-                <a:latin typeface="DIN Condensed" pitchFamily="2" charset="0"/>
-              </a:rPr>
-              <a:t> (</a:t>
-            </a:r>
-            <a:r>
-              <a:rPr lang="de-DE" sz="4400" dirty="0" err="1">
-                <a:solidFill>
-                  <a:schemeClr val="bg1"/>
-                </a:solidFill>
-                <a:latin typeface="DIN Condensed" pitchFamily="2" charset="0"/>
-              </a:rPr>
-              <a:t>can</a:t>
-            </a:r>
-            <a:r>
-              <a:rPr lang="de-DE" sz="4400" dirty="0">
-                <a:solidFill>
-                  <a:schemeClr val="bg1"/>
-                </a:solidFill>
-                <a:latin typeface="DIN Condensed" pitchFamily="2" charset="0"/>
-              </a:rPr>
-              <a:t> </a:t>
-            </a:r>
-            <a:r>
-              <a:rPr lang="de-DE" sz="4400" dirty="0" err="1">
-                <a:solidFill>
-                  <a:schemeClr val="bg1"/>
-                </a:solidFill>
-                <a:latin typeface="DIN Condensed" pitchFamily="2" charset="0"/>
-              </a:rPr>
-              <a:t>only</a:t>
-            </a:r>
-            <a:r>
-              <a:rPr lang="de-DE" sz="4400" dirty="0">
-                <a:solidFill>
-                  <a:schemeClr val="bg1"/>
-                </a:solidFill>
-                <a:latin typeface="DIN Condensed" pitchFamily="2" charset="0"/>
-              </a:rPr>
-              <a:t> </a:t>
-            </a:r>
-            <a:r>
-              <a:rPr lang="de-DE" sz="4400" dirty="0" err="1">
-                <a:solidFill>
-                  <a:schemeClr val="bg1"/>
-                </a:solidFill>
-                <a:latin typeface="DIN Condensed" pitchFamily="2" charset="0"/>
-              </a:rPr>
-              <a:t>be</a:t>
-            </a:r>
-            <a:r>
-              <a:rPr lang="de-DE" sz="4400" dirty="0">
-                <a:solidFill>
-                  <a:schemeClr val="bg1"/>
-                </a:solidFill>
-                <a:latin typeface="DIN Condensed" pitchFamily="2" charset="0"/>
-              </a:rPr>
-              <a:t> </a:t>
-            </a:r>
-            <a:r>
-              <a:rPr lang="de-DE" sz="4400" dirty="0" err="1">
-                <a:solidFill>
-                  <a:schemeClr val="bg1"/>
-                </a:solidFill>
-                <a:latin typeface="DIN Condensed" pitchFamily="2" charset="0"/>
-              </a:rPr>
-              <a:t>done</a:t>
-            </a:r>
-            <a:r>
-              <a:rPr lang="de-DE" sz="4400" dirty="0">
-                <a:solidFill>
-                  <a:schemeClr val="bg1"/>
-                </a:solidFill>
-                <a:latin typeface="DIN Condensed" pitchFamily="2" charset="0"/>
-              </a:rPr>
-              <a:t> </a:t>
-            </a:r>
-            <a:r>
-              <a:rPr lang="de-DE" sz="4400" dirty="0" err="1">
-                <a:solidFill>
-                  <a:schemeClr val="bg1"/>
-                </a:solidFill>
-                <a:latin typeface="DIN Condensed" pitchFamily="2" charset="0"/>
-              </a:rPr>
-              <a:t>by</a:t>
-            </a:r>
-            <a:r>
-              <a:rPr lang="de-DE" sz="4400" dirty="0">
-                <a:solidFill>
-                  <a:schemeClr val="bg1"/>
-                </a:solidFill>
-                <a:latin typeface="DIN Condensed" pitchFamily="2" charset="0"/>
-              </a:rPr>
-              <a:t> </a:t>
-            </a:r>
-            <a:r>
-              <a:rPr lang="de-DE" sz="4400" dirty="0" err="1">
-                <a:solidFill>
-                  <a:schemeClr val="bg1"/>
-                </a:solidFill>
-                <a:latin typeface="DIN Condensed" pitchFamily="2" charset="0"/>
-              </a:rPr>
-              <a:t>parents</a:t>
-            </a:r>
-            <a:r>
-              <a:rPr lang="de-DE" sz="4400" dirty="0">
-                <a:solidFill>
-                  <a:schemeClr val="bg1"/>
-                </a:solidFill>
-                <a:latin typeface="DIN Condensed" pitchFamily="2" charset="0"/>
-              </a:rPr>
-              <a:t>)</a:t>
-            </a:r>
-          </a:p>
-          <a:p>
-            <a:pPr marL="571500" indent="-571500">
-              <a:buFont typeface="Arial" panose="020B0604020202020204" pitchFamily="34" charset="0"/>
-              <a:buChar char="•"/>
-            </a:pPr>
-            <a:endParaRPr lang="de-DE" sz="4400" dirty="0">
-              <a:solidFill>
-                <a:schemeClr val="bg1"/>
-              </a:solidFill>
-              <a:latin typeface="DIN Condensed" pitchFamily="2" charset="0"/>
-            </a:endParaRPr>
-          </a:p>
-          <a:p>
-            <a:pPr marL="571500" indent="-571500">
-              <a:buFont typeface="Arial" panose="020B0604020202020204" pitchFamily="34" charset="0"/>
-              <a:buChar char="•"/>
-            </a:pPr>
-            <a:r>
-              <a:rPr lang="de-DE" sz="4400" dirty="0" err="1">
-                <a:solidFill>
-                  <a:schemeClr val="bg1"/>
-                </a:solidFill>
-                <a:latin typeface="DIN Condensed" pitchFamily="2" charset="0"/>
-              </a:rPr>
-              <a:t>I‘d</a:t>
-            </a:r>
-            <a:r>
-              <a:rPr lang="de-DE" sz="4400" dirty="0">
-                <a:solidFill>
-                  <a:schemeClr val="bg1"/>
-                </a:solidFill>
-                <a:latin typeface="DIN Condensed" pitchFamily="2" charset="0"/>
-              </a:rPr>
-              <a:t> like </a:t>
-            </a:r>
-            <a:r>
-              <a:rPr lang="de-DE" sz="4400" dirty="0" err="1">
-                <a:solidFill>
-                  <a:schemeClr val="bg1"/>
-                </a:solidFill>
-                <a:latin typeface="DIN Condensed" pitchFamily="2" charset="0"/>
-              </a:rPr>
-              <a:t>to</a:t>
-            </a:r>
-            <a:r>
-              <a:rPr lang="de-DE" sz="4400" dirty="0">
-                <a:solidFill>
-                  <a:schemeClr val="bg1"/>
-                </a:solidFill>
-                <a:latin typeface="DIN Condensed" pitchFamily="2" charset="0"/>
-              </a:rPr>
-              <a:t> </a:t>
-            </a:r>
-            <a:r>
-              <a:rPr lang="de-DE" sz="4400" dirty="0" err="1">
-                <a:solidFill>
-                  <a:schemeClr val="bg1"/>
-                </a:solidFill>
-                <a:latin typeface="DIN Condensed" pitchFamily="2" charset="0"/>
-              </a:rPr>
-              <a:t>put</a:t>
-            </a:r>
-            <a:r>
-              <a:rPr lang="de-DE" sz="4400" dirty="0">
-                <a:solidFill>
-                  <a:schemeClr val="bg1"/>
-                </a:solidFill>
-                <a:latin typeface="DIN Condensed" pitchFamily="2" charset="0"/>
-              </a:rPr>
-              <a:t> </a:t>
-            </a:r>
-            <a:r>
-              <a:rPr lang="de-DE" sz="4400" dirty="0" err="1">
-                <a:solidFill>
-                  <a:schemeClr val="bg1"/>
-                </a:solidFill>
-                <a:latin typeface="DIN Condensed" pitchFamily="2" charset="0"/>
-              </a:rPr>
-              <a:t>bank</a:t>
-            </a:r>
-            <a:r>
-              <a:rPr lang="de-DE" sz="4400" dirty="0">
-                <a:solidFill>
-                  <a:schemeClr val="bg1"/>
-                </a:solidFill>
-                <a:latin typeface="DIN Condensed" pitchFamily="2" charset="0"/>
-              </a:rPr>
-              <a:t> </a:t>
-            </a:r>
-            <a:r>
-              <a:rPr lang="de-DE" sz="4400" dirty="0" err="1">
-                <a:solidFill>
-                  <a:schemeClr val="bg1"/>
-                </a:solidFill>
-                <a:latin typeface="DIN Condensed" pitchFamily="2" charset="0"/>
-              </a:rPr>
-              <a:t>notes</a:t>
-            </a:r>
-            <a:r>
-              <a:rPr lang="de-DE" sz="4400" dirty="0">
-                <a:solidFill>
-                  <a:schemeClr val="bg1"/>
-                </a:solidFill>
-                <a:latin typeface="DIN Condensed" pitchFamily="2" charset="0"/>
-              </a:rPr>
-              <a:t> on </a:t>
-            </a:r>
-            <a:r>
-              <a:rPr lang="de-DE" sz="4400" dirty="0" err="1">
-                <a:solidFill>
-                  <a:schemeClr val="bg1"/>
-                </a:solidFill>
-                <a:latin typeface="DIN Condensed" pitchFamily="2" charset="0"/>
-              </a:rPr>
-              <a:t>the</a:t>
-            </a:r>
-            <a:r>
-              <a:rPr lang="de-DE" sz="4400" dirty="0">
-                <a:solidFill>
-                  <a:schemeClr val="bg1"/>
-                </a:solidFill>
-                <a:latin typeface="DIN Condensed" pitchFamily="2" charset="0"/>
-              </a:rPr>
-              <a:t> </a:t>
-            </a:r>
-            <a:r>
-              <a:rPr lang="de-DE" sz="4400" dirty="0" err="1">
-                <a:solidFill>
-                  <a:schemeClr val="bg1"/>
-                </a:solidFill>
-                <a:latin typeface="DIN Condensed" pitchFamily="2" charset="0"/>
-              </a:rPr>
-              <a:t>screens</a:t>
-            </a:r>
-            <a:r>
-              <a:rPr lang="de-DE" sz="4400" dirty="0">
-                <a:solidFill>
-                  <a:schemeClr val="bg1"/>
-                </a:solidFill>
-                <a:latin typeface="DIN Condensed" pitchFamily="2" charset="0"/>
-              </a:rPr>
-              <a:t> </a:t>
-            </a:r>
-            <a:r>
-              <a:rPr lang="de-DE" sz="4400" dirty="0" err="1">
-                <a:solidFill>
-                  <a:schemeClr val="bg1"/>
-                </a:solidFill>
-                <a:latin typeface="DIN Condensed" pitchFamily="2" charset="0"/>
-              </a:rPr>
-              <a:t>to</a:t>
-            </a:r>
-            <a:r>
-              <a:rPr lang="de-DE" sz="4400" dirty="0">
-                <a:solidFill>
-                  <a:schemeClr val="bg1"/>
-                </a:solidFill>
-                <a:latin typeface="DIN Condensed" pitchFamily="2" charset="0"/>
-              </a:rPr>
-              <a:t> </a:t>
-            </a:r>
-            <a:r>
-              <a:rPr lang="de-DE" sz="4400" dirty="0" err="1">
-                <a:solidFill>
-                  <a:schemeClr val="bg1"/>
-                </a:solidFill>
-                <a:latin typeface="DIN Condensed" pitchFamily="2" charset="0"/>
-              </a:rPr>
-              <a:t>directly</a:t>
-            </a:r>
-            <a:r>
-              <a:rPr lang="de-DE" sz="4400" dirty="0">
-                <a:solidFill>
-                  <a:schemeClr val="bg1"/>
-                </a:solidFill>
-                <a:latin typeface="DIN Condensed" pitchFamily="2" charset="0"/>
-              </a:rPr>
-              <a:t> </a:t>
-            </a:r>
-            <a:r>
-              <a:rPr lang="de-DE" sz="4400" dirty="0" err="1">
-                <a:solidFill>
-                  <a:schemeClr val="bg1"/>
-                </a:solidFill>
-                <a:latin typeface="DIN Condensed" pitchFamily="2" charset="0"/>
-              </a:rPr>
-              <a:t>talk</a:t>
-            </a:r>
-            <a:r>
-              <a:rPr lang="de-DE" sz="4400" dirty="0">
-                <a:solidFill>
-                  <a:schemeClr val="bg1"/>
-                </a:solidFill>
-                <a:latin typeface="DIN Condensed" pitchFamily="2" charset="0"/>
-              </a:rPr>
-              <a:t> </a:t>
-            </a:r>
-            <a:r>
-              <a:rPr lang="de-DE" sz="4400" dirty="0" err="1">
-                <a:solidFill>
-                  <a:schemeClr val="bg1"/>
-                </a:solidFill>
-                <a:latin typeface="DIN Condensed" pitchFamily="2" charset="0"/>
-              </a:rPr>
-              <a:t>about</a:t>
-            </a:r>
-            <a:r>
-              <a:rPr lang="de-DE" sz="4400" dirty="0">
-                <a:solidFill>
-                  <a:schemeClr val="bg1"/>
-                </a:solidFill>
-                <a:latin typeface="DIN Condensed" pitchFamily="2" charset="0"/>
-              </a:rPr>
-              <a:t> </a:t>
-            </a:r>
-            <a:r>
-              <a:rPr lang="de-DE" sz="4400" dirty="0" err="1">
-                <a:solidFill>
-                  <a:schemeClr val="bg1"/>
-                </a:solidFill>
-                <a:latin typeface="DIN Condensed" pitchFamily="2" charset="0"/>
-              </a:rPr>
-              <a:t>monetization</a:t>
-            </a:r>
-            <a:r>
-              <a:rPr lang="de-DE" sz="4400" dirty="0">
-                <a:solidFill>
-                  <a:schemeClr val="bg1"/>
-                </a:solidFill>
-                <a:latin typeface="DIN Condensed" pitchFamily="2" charset="0"/>
-              </a:rPr>
-              <a:t> </a:t>
-            </a:r>
-            <a:r>
-              <a:rPr lang="de-DE" sz="4400" dirty="0" err="1">
-                <a:solidFill>
-                  <a:schemeClr val="bg1"/>
-                </a:solidFill>
-                <a:latin typeface="DIN Condensed" pitchFamily="2" charset="0"/>
-              </a:rPr>
-              <a:t>while</a:t>
-            </a:r>
-            <a:r>
-              <a:rPr lang="de-DE" sz="4400" dirty="0">
-                <a:solidFill>
-                  <a:schemeClr val="bg1"/>
-                </a:solidFill>
-                <a:latin typeface="DIN Condensed" pitchFamily="2" charset="0"/>
-              </a:rPr>
-              <a:t> </a:t>
-            </a:r>
-            <a:r>
-              <a:rPr lang="de-DE" sz="4400" dirty="0" err="1">
-                <a:solidFill>
-                  <a:schemeClr val="bg1"/>
-                </a:solidFill>
-                <a:latin typeface="DIN Condensed" pitchFamily="2" charset="0"/>
-              </a:rPr>
-              <a:t>explaining</a:t>
-            </a:r>
-            <a:r>
-              <a:rPr lang="de-DE" sz="4400" dirty="0">
-                <a:solidFill>
-                  <a:schemeClr val="bg1"/>
-                </a:solidFill>
-                <a:latin typeface="DIN Condensed" pitchFamily="2" charset="0"/>
-              </a:rPr>
-              <a:t> </a:t>
-            </a:r>
-            <a:r>
-              <a:rPr lang="de-DE" sz="4400" dirty="0" err="1">
-                <a:solidFill>
-                  <a:schemeClr val="bg1"/>
-                </a:solidFill>
-                <a:latin typeface="DIN Condensed" pitchFamily="2" charset="0"/>
-              </a:rPr>
-              <a:t>the</a:t>
-            </a:r>
-            <a:r>
-              <a:rPr lang="de-DE" sz="4400" dirty="0">
-                <a:solidFill>
-                  <a:schemeClr val="bg1"/>
-                </a:solidFill>
-                <a:latin typeface="DIN Condensed" pitchFamily="2" charset="0"/>
-              </a:rPr>
-              <a:t> </a:t>
-            </a:r>
-            <a:r>
-              <a:rPr lang="de-DE" sz="4400" dirty="0" err="1">
-                <a:solidFill>
-                  <a:schemeClr val="bg1"/>
-                </a:solidFill>
-                <a:latin typeface="DIN Condensed" pitchFamily="2" charset="0"/>
-              </a:rPr>
-              <a:t>features</a:t>
-            </a:r>
-            <a:r>
-              <a:rPr lang="de-DE" sz="4400" dirty="0">
-                <a:solidFill>
-                  <a:schemeClr val="bg1"/>
-                </a:solidFill>
-                <a:latin typeface="DIN Condensed" pitchFamily="2" charset="0"/>
-              </a:rPr>
-              <a:t>.</a:t>
-            </a:r>
-          </a:p>
-        </p:txBody>
-      </p:sp>
-      <p:sp>
-        <p:nvSpPr>
-          <p:cNvPr id="7" name="Rechteck 6">
-            <a:extLst>
-              <a:ext uri="{FF2B5EF4-FFF2-40B4-BE49-F238E27FC236}">
-                <a16:creationId xmlns:a16="http://schemas.microsoft.com/office/drawing/2014/main" id="{7DB36913-0BD8-E540-B6CD-BDED08AAB7FD}"/>
-              </a:ext>
-            </a:extLst>
-          </p:cNvPr>
-          <p:cNvSpPr/>
-          <p:nvPr/>
-        </p:nvSpPr>
-        <p:spPr>
-          <a:xfrm>
-            <a:off x="6626269" y="3429000"/>
-            <a:ext cx="3281819" cy="588724"/>
-          </a:xfrm>
-          <a:prstGeom prst="rect">
-            <a:avLst/>
-          </a:prstGeom>
-        </p:spPr>
-        <p:style>
-          <a:lnRef idx="2">
-            <a:schemeClr val="accent1">
-              <a:shade val="50000"/>
-            </a:schemeClr>
-          </a:lnRef>
-          <a:fillRef idx="1">
-            <a:schemeClr val="accent1"/>
-          </a:fillRef>
-          <a:effectRef idx="0">
-            <a:schemeClr val="accent1"/>
-          </a:effectRef>
-          <a:fontRef idx="minor">
-            <a:schemeClr val="lt1"/>
-          </a:fontRef>
-        </p:style>
-        <p:txBody>
-          <a:bodyPr rtlCol="0" anchor="ctr"/>
-          <a:lstStyle/>
-          <a:p>
-            <a:pPr algn="ctr"/>
-            <a:r>
-              <a:rPr lang="de-DE" dirty="0" err="1"/>
-              <a:t>Dont</a:t>
-            </a:r>
-            <a:r>
-              <a:rPr lang="de-DE" dirty="0"/>
-              <a:t> </a:t>
-            </a:r>
-            <a:r>
-              <a:rPr lang="de-DE" dirty="0" err="1"/>
-              <a:t>use</a:t>
-            </a:r>
-            <a:r>
-              <a:rPr lang="de-DE" dirty="0"/>
-              <a:t> </a:t>
-            </a:r>
-            <a:r>
-              <a:rPr lang="de-DE" dirty="0" err="1"/>
-              <a:t>slide</a:t>
-            </a:r>
-            <a:endParaRPr lang="de-DE" dirty="0"/>
-          </a:p>
-        </p:txBody>
-      </p:sp>
-    </p:spTree>
-    <p:extLst>
-      <p:ext uri="{BB962C8B-B14F-4D97-AF65-F5344CB8AC3E}">
-        <p14:creationId xmlns:p14="http://schemas.microsoft.com/office/powerpoint/2010/main" val="753468063"/>
-      </p:ext>
-    </p:extLst>
-  </p:cSld>
-  <p:clrMapOvr>
-    <a:masterClrMapping/>
-  </p:clrMapOvr>
-</p:sld>
-</file>
-
-<file path=ppt/slides/slide15.xml><?xml version="1.0" encoding="utf-8"?>
-<p:sld xmlns:a="http://schemas.openxmlformats.org/drawingml/2006/main" xmlns:r="http://schemas.openxmlformats.org/officeDocument/2006/relationships" xmlns:p="http://schemas.openxmlformats.org/presentationml/2006/main">
-  <p:cSld>
-    <p:spTree>
-      <p:nvGrpSpPr>
-        <p:cNvPr id="1" name=""/>
-        <p:cNvGrpSpPr/>
-        <p:nvPr/>
-      </p:nvGrpSpPr>
-      <p:grpSpPr>
-        <a:xfrm>
-          <a:off x="0" y="0"/>
-          <a:ext cx="0" cy="0"/>
-          <a:chOff x="0" y="0"/>
-          <a:chExt cx="0" cy="0"/>
-        </a:xfrm>
-      </p:grpSpPr>
-      <p:sp>
-        <p:nvSpPr>
-          <p:cNvPr id="4" name="Rechteck 3">
-            <a:extLst>
-              <a:ext uri="{FF2B5EF4-FFF2-40B4-BE49-F238E27FC236}">
-                <a16:creationId xmlns:a16="http://schemas.microsoft.com/office/drawing/2014/main" id="{4DC97915-D3D7-AD4B-9337-E8319E17DDD9}"/>
-              </a:ext>
-            </a:extLst>
-          </p:cNvPr>
-          <p:cNvSpPr/>
-          <p:nvPr/>
-        </p:nvSpPr>
-        <p:spPr>
-          <a:xfrm>
-            <a:off x="0" y="0"/>
-            <a:ext cx="12192000" cy="6858000"/>
-          </a:xfrm>
-          <a:prstGeom prst="rect">
-            <a:avLst/>
-          </a:prstGeom>
-          <a:gradFill flip="none" rotWithShape="1">
-            <a:gsLst>
-              <a:gs pos="100000">
-                <a:srgbClr val="5EDCFF"/>
-              </a:gs>
-              <a:gs pos="12000">
-                <a:srgbClr val="4A9CE8"/>
-              </a:gs>
-            </a:gsLst>
-            <a:path path="circle">
-              <a:fillToRect t="100000" r="100000"/>
-            </a:path>
-            <a:tileRect l="-100000" b="-100000"/>
-          </a:gradFill>
-          <a:ln>
-            <a:noFill/>
-          </a:ln>
-        </p:spPr>
-        <p:style>
-          <a:lnRef idx="2">
-            <a:schemeClr val="accent1">
-              <a:shade val="50000"/>
-            </a:schemeClr>
-          </a:lnRef>
-          <a:fillRef idx="1">
-            <a:schemeClr val="accent1"/>
-          </a:fillRef>
-          <a:effectRef idx="0">
-            <a:schemeClr val="accent1"/>
-          </a:effectRef>
-          <a:fontRef idx="minor">
-            <a:schemeClr val="lt1"/>
-          </a:fontRef>
-        </p:style>
-        <p:txBody>
-          <a:bodyPr rtlCol="0" anchor="ctr"/>
-          <a:lstStyle/>
-          <a:p>
-            <a:pPr algn="ctr"/>
-            <a:endParaRPr lang="de-DE"/>
-          </a:p>
-        </p:txBody>
-      </p:sp>
       <p:sp>
         <p:nvSpPr>
           <p:cNvPr id="5" name="Textfeld 4">
@@ -7635,7 +7061,7 @@
 </p:sld>
 </file>
 
-<file path=ppt/slides/slide16.xml><?xml version="1.0" encoding="utf-8"?>
+<file path=ppt/slides/slide15.xml><?xml version="1.0" encoding="utf-8"?>
 <p:sld xmlns:a="http://schemas.openxmlformats.org/drawingml/2006/main" xmlns:r="http://schemas.openxmlformats.org/officeDocument/2006/relationships" xmlns:p="http://schemas.openxmlformats.org/presentationml/2006/main">
   <p:cSld>
     <p:spTree>
@@ -8494,7 +7920,7 @@
 </p:sld>
 </file>
 
-<file path=ppt/slides/slide17.xml><?xml version="1.0" encoding="utf-8"?>
+<file path=ppt/slides/slide16.xml><?xml version="1.0" encoding="utf-8"?>
 <p:sld xmlns:a="http://schemas.openxmlformats.org/drawingml/2006/main" xmlns:r="http://schemas.openxmlformats.org/officeDocument/2006/relationships" xmlns:p="http://schemas.openxmlformats.org/presentationml/2006/main">
   <p:cSld>
     <p:spTree>
@@ -8628,7 +8054,7 @@
 </p:sld>
 </file>
 
-<file path=ppt/slides/slide18.xml><?xml version="1.0" encoding="utf-8"?>
+<file path=ppt/slides/slide17.xml><?xml version="1.0" encoding="utf-8"?>
 <p:sld xmlns:a="http://schemas.openxmlformats.org/drawingml/2006/main" xmlns:r="http://schemas.openxmlformats.org/officeDocument/2006/relationships" xmlns:p="http://schemas.openxmlformats.org/presentationml/2006/main">
   <p:cSld>
     <p:spTree>
@@ -8907,7 +8333,7 @@
                 </a:solidFill>
                 <a:latin typeface="DIN Condensed" pitchFamily="2" charset="0"/>
               </a:rPr>
-              <a:t>NICE FUTURE PLANS.</a:t>
+              <a:t>NICE FUTURE PLANS!</a:t>
             </a:r>
           </a:p>
         </p:txBody>
@@ -8925,7 +8351,7 @@
 </p:sld>
 </file>
 
-<file path=ppt/slides/slide19.xml><?xml version="1.0" encoding="utf-8"?>
+<file path=ppt/slides/slide18.xml><?xml version="1.0" encoding="utf-8"?>
 <p:sld xmlns:a="http://schemas.openxmlformats.org/drawingml/2006/main" xmlns:r="http://schemas.openxmlformats.org/officeDocument/2006/relationships" xmlns:p="http://schemas.openxmlformats.org/presentationml/2006/main">
   <p:cSld>
     <p:spTree>
@@ -9059,7 +8485,7 @@
 </p:sld>
 </file>
 
-<file path=ppt/slides/slide2.xml><?xml version="1.0" encoding="utf-8"?>
+<file path=ppt/slides/slide19.xml><?xml version="1.0" encoding="utf-8"?>
 <p:sld xmlns:a="http://schemas.openxmlformats.org/drawingml/2006/main" xmlns:r="http://schemas.openxmlformats.org/officeDocument/2006/relationships" xmlns:p="http://schemas.openxmlformats.org/presentationml/2006/main">
   <p:cSld>
     <p:spTree>
@@ -9139,576 +8565,384 @@
           </a:p>
         </p:txBody>
       </p:sp>
-      <p:grpSp>
-        <p:nvGrpSpPr>
-          <p:cNvPr id="3" name="Gruppieren 2">
-            <a:extLst>
-              <a:ext uri="{FF2B5EF4-FFF2-40B4-BE49-F238E27FC236}">
-                <a16:creationId xmlns:a16="http://schemas.microsoft.com/office/drawing/2014/main" id="{5C17BA9A-0059-1444-9D6A-9614451DB352}"/>
-              </a:ext>
-            </a:extLst>
-          </p:cNvPr>
-          <p:cNvGrpSpPr/>
+      <p:pic>
+        <p:nvPicPr>
+          <p:cNvPr id="9" name="Grafik 8">
+            <a:extLst>
+              <a:ext uri="{FF2B5EF4-FFF2-40B4-BE49-F238E27FC236}">
+                <a16:creationId xmlns:a16="http://schemas.microsoft.com/office/drawing/2014/main" id="{AB095246-CE2B-4E42-A87D-FD9A86FEBE80}"/>
+              </a:ext>
+            </a:extLst>
+          </p:cNvPr>
+          <p:cNvPicPr>
+            <a:picLocks noChangeAspect="1"/>
+          </p:cNvPicPr>
           <p:nvPr/>
-        </p:nvGrpSpPr>
-        <p:grpSpPr>
+        </p:nvPicPr>
+        <p:blipFill>
+          <a:blip r:embed="rId3"/>
+          <a:stretch>
+            <a:fillRect/>
+          </a:stretch>
+        </p:blipFill>
+        <p:spPr>
           <a:xfrm>
-            <a:off x="5375753" y="4432647"/>
-            <a:ext cx="1453019" cy="2148366"/>
-            <a:chOff x="5375753" y="4432647"/>
-            <a:chExt cx="1453019" cy="2148366"/>
+            <a:off x="141337" y="240270"/>
+            <a:ext cx="1224000" cy="1224000"/>
           </a:xfrm>
-        </p:grpSpPr>
-        <p:sp>
-          <p:nvSpPr>
-            <p:cNvPr id="6" name="Oval 5">
-              <a:extLst>
-                <a:ext uri="{FF2B5EF4-FFF2-40B4-BE49-F238E27FC236}">
-                  <a16:creationId xmlns:a16="http://schemas.microsoft.com/office/drawing/2014/main" id="{A043522E-F1A6-134A-BBA0-B767C592C8D2}"/>
-                </a:ext>
-              </a:extLst>
-            </p:cNvPr>
-            <p:cNvSpPr/>
-            <p:nvPr/>
-          </p:nvSpPr>
-          <p:spPr>
-            <a:xfrm>
-              <a:off x="5375753" y="4432647"/>
-              <a:ext cx="1440494" cy="1440494"/>
-            </a:xfrm>
-            <a:prstGeom prst="ellipse">
-              <a:avLst/>
-            </a:prstGeom>
-            <a:solidFill>
-              <a:schemeClr val="bg1"/>
-            </a:solidFill>
-            <a:ln>
-              <a:noFill/>
-            </a:ln>
-          </p:spPr>
-          <p:style>
-            <a:lnRef idx="2">
-              <a:schemeClr val="accent1">
-                <a:shade val="50000"/>
-              </a:schemeClr>
-            </a:lnRef>
-            <a:fillRef idx="1">
-              <a:schemeClr val="accent1"/>
-            </a:fillRef>
-            <a:effectRef idx="0">
-              <a:schemeClr val="accent1"/>
-            </a:effectRef>
-            <a:fontRef idx="minor">
-              <a:schemeClr val="lt1"/>
-            </a:fontRef>
-          </p:style>
-          <p:txBody>
-            <a:bodyPr rtlCol="0" anchor="ctr"/>
-            <a:lstStyle/>
-            <a:p>
-              <a:pPr algn="ctr"/>
-              <a:endParaRPr lang="de-DE"/>
-            </a:p>
-          </p:txBody>
-        </p:sp>
-        <p:sp>
-          <p:nvSpPr>
-            <p:cNvPr id="2" name="Textfeld 1">
-              <a:extLst>
-                <a:ext uri="{FF2B5EF4-FFF2-40B4-BE49-F238E27FC236}">
-                  <a16:creationId xmlns:a16="http://schemas.microsoft.com/office/drawing/2014/main" id="{4FCEFBF4-4CC9-314A-B7D4-D43FF164854F}"/>
-                </a:ext>
-              </a:extLst>
-            </p:cNvPr>
-            <p:cNvSpPr txBox="1"/>
-            <p:nvPr/>
-          </p:nvSpPr>
-          <p:spPr>
-            <a:xfrm>
-              <a:off x="5375753" y="5996238"/>
-              <a:ext cx="1453019" cy="584775"/>
-            </a:xfrm>
-            <a:prstGeom prst="rect">
-              <a:avLst/>
-            </a:prstGeom>
+          <a:prstGeom prst="rect">
+            <a:avLst/>
+          </a:prstGeom>
+        </p:spPr>
+      </p:pic>
+      <p:sp>
+        <p:nvSpPr>
+          <p:cNvPr id="10" name="Textfeld 9">
+            <a:extLst>
+              <a:ext uri="{FF2B5EF4-FFF2-40B4-BE49-F238E27FC236}">
+                <a16:creationId xmlns:a16="http://schemas.microsoft.com/office/drawing/2014/main" id="{89C52750-940F-9A41-A756-9DA1300186EE}"/>
+              </a:ext>
+            </a:extLst>
+          </p:cNvPr>
+          <p:cNvSpPr txBox="1"/>
+          <p:nvPr/>
+        </p:nvSpPr>
+        <p:spPr>
+          <a:xfrm>
+            <a:off x="1506674" y="67440"/>
+            <a:ext cx="8854654" cy="1569660"/>
+          </a:xfrm>
+          <a:prstGeom prst="rect">
+            <a:avLst/>
+          </a:prstGeom>
+          <a:noFill/>
+        </p:spPr>
+        <p:txBody>
+          <a:bodyPr wrap="square" rtlCol="0">
+            <a:spAutoFit/>
+          </a:bodyPr>
+          <a:lstStyle/>
+          <a:p>
+            <a:r>
+              <a:rPr lang="de-DE" sz="9600" b="1" dirty="0">
+                <a:solidFill>
+                  <a:schemeClr val="bg1"/>
+                </a:solidFill>
+                <a:latin typeface="DIN Condensed" pitchFamily="2" charset="0"/>
+              </a:rPr>
+              <a:t>FUTURE PLANS</a:t>
+            </a:r>
+          </a:p>
+        </p:txBody>
+      </p:sp>
+      <p:sp>
+        <p:nvSpPr>
+          <p:cNvPr id="2" name="Textfeld 1">
+            <a:extLst>
+              <a:ext uri="{FF2B5EF4-FFF2-40B4-BE49-F238E27FC236}">
+                <a16:creationId xmlns:a16="http://schemas.microsoft.com/office/drawing/2014/main" id="{839E9D07-48CB-6042-9A97-50DD4AC9B313}"/>
+              </a:ext>
+            </a:extLst>
+          </p:cNvPr>
+          <p:cNvSpPr txBox="1"/>
+          <p:nvPr/>
+        </p:nvSpPr>
+        <p:spPr>
+          <a:xfrm>
+            <a:off x="288098" y="1637100"/>
+            <a:ext cx="11903902" cy="3477875"/>
+          </a:xfrm>
+          <a:prstGeom prst="rect">
+            <a:avLst/>
+          </a:prstGeom>
+          <a:noFill/>
+        </p:spPr>
+        <p:txBody>
+          <a:bodyPr wrap="square" rtlCol="0">
+            <a:spAutoFit/>
+          </a:bodyPr>
+          <a:lstStyle/>
+          <a:p>
+            <a:pPr marL="571500" indent="-571500">
+              <a:buFont typeface="Arial" panose="020B0604020202020204" pitchFamily="34" charset="0"/>
+              <a:buChar char="•"/>
+            </a:pPr>
+            <a:r>
+              <a:rPr lang="de-DE" sz="4400" dirty="0">
+                <a:solidFill>
+                  <a:schemeClr val="bg1"/>
+                </a:solidFill>
+                <a:latin typeface="DIN Condensed" pitchFamily="2" charset="0"/>
+              </a:rPr>
+              <a:t>Integration </a:t>
+            </a:r>
+            <a:r>
+              <a:rPr lang="de-DE" sz="4400" dirty="0" err="1">
+                <a:solidFill>
+                  <a:schemeClr val="bg1"/>
+                </a:solidFill>
+                <a:latin typeface="DIN Condensed" pitchFamily="2" charset="0"/>
+              </a:rPr>
+              <a:t>of</a:t>
+            </a:r>
+            <a:r>
+              <a:rPr lang="de-DE" sz="4400" dirty="0">
+                <a:solidFill>
+                  <a:schemeClr val="bg1"/>
+                </a:solidFill>
+                <a:latin typeface="DIN Condensed" pitchFamily="2" charset="0"/>
+              </a:rPr>
+              <a:t> Bus Feature</a:t>
+            </a:r>
+          </a:p>
+          <a:p>
+            <a:pPr marL="571500" indent="-571500">
+              <a:buFont typeface="Arial" panose="020B0604020202020204" pitchFamily="34" charset="0"/>
+              <a:buChar char="•"/>
+            </a:pPr>
+            <a:r>
+              <a:rPr lang="de-DE" sz="4400" dirty="0" err="1">
+                <a:solidFill>
+                  <a:schemeClr val="bg1"/>
+                </a:solidFill>
+                <a:latin typeface="DIN Condensed" pitchFamily="2" charset="0"/>
+              </a:rPr>
+              <a:t>Safety</a:t>
+            </a:r>
+            <a:r>
+              <a:rPr lang="de-DE" sz="4400" dirty="0">
+                <a:solidFill>
+                  <a:schemeClr val="bg1"/>
+                </a:solidFill>
+                <a:latin typeface="DIN Condensed" pitchFamily="2" charset="0"/>
+              </a:rPr>
+              <a:t> </a:t>
+            </a:r>
+            <a:r>
+              <a:rPr lang="de-DE" sz="4400" dirty="0" err="1">
+                <a:solidFill>
+                  <a:schemeClr val="bg1"/>
+                </a:solidFill>
+                <a:latin typeface="DIN Condensed" pitchFamily="2" charset="0"/>
+              </a:rPr>
+              <a:t>Wristband</a:t>
+            </a:r>
+            <a:endParaRPr lang="de-DE" sz="4400" dirty="0">
+              <a:solidFill>
+                <a:schemeClr val="bg1"/>
+              </a:solidFill>
+              <a:latin typeface="DIN Condensed" pitchFamily="2" charset="0"/>
+            </a:endParaRPr>
+          </a:p>
+          <a:p>
+            <a:pPr marL="571500" indent="-571500">
+              <a:buFont typeface="Arial" panose="020B0604020202020204" pitchFamily="34" charset="0"/>
+              <a:buChar char="•"/>
+            </a:pPr>
+            <a:r>
+              <a:rPr lang="de-DE" sz="4400" dirty="0">
+                <a:solidFill>
+                  <a:schemeClr val="bg1"/>
+                </a:solidFill>
+                <a:latin typeface="DIN Condensed" pitchFamily="2" charset="0"/>
+              </a:rPr>
+              <a:t>Parental Setup App</a:t>
+            </a:r>
+          </a:p>
+          <a:p>
+            <a:pPr marL="571500" indent="-571500">
+              <a:buFont typeface="Arial" panose="020B0604020202020204" pitchFamily="34" charset="0"/>
+              <a:buChar char="•"/>
+            </a:pPr>
+            <a:r>
+              <a:rPr lang="de-DE" sz="4400" dirty="0">
+                <a:solidFill>
+                  <a:schemeClr val="bg1"/>
+                </a:solidFill>
+                <a:latin typeface="DIN Condensed" pitchFamily="2" charset="0"/>
+              </a:rPr>
+              <a:t>Even </a:t>
+            </a:r>
+            <a:r>
+              <a:rPr lang="de-DE" sz="4400" dirty="0" err="1">
+                <a:solidFill>
+                  <a:schemeClr val="bg1"/>
+                </a:solidFill>
+                <a:latin typeface="DIN Condensed" pitchFamily="2" charset="0"/>
+              </a:rPr>
+              <a:t>more</a:t>
+            </a:r>
+            <a:r>
+              <a:rPr lang="de-DE" sz="4400" dirty="0">
+                <a:solidFill>
+                  <a:schemeClr val="bg1"/>
+                </a:solidFill>
+                <a:latin typeface="DIN Condensed" pitchFamily="2" charset="0"/>
+              </a:rPr>
+              <a:t> </a:t>
+            </a:r>
+            <a:r>
+              <a:rPr lang="de-DE" sz="4400" dirty="0" err="1">
+                <a:solidFill>
+                  <a:schemeClr val="bg1"/>
+                </a:solidFill>
+                <a:latin typeface="DIN Condensed" pitchFamily="2" charset="0"/>
+              </a:rPr>
+              <a:t>Gamification</a:t>
+            </a:r>
+            <a:endParaRPr lang="de-DE" sz="4400" dirty="0">
+              <a:solidFill>
+                <a:schemeClr val="bg1"/>
+              </a:solidFill>
+              <a:latin typeface="DIN Condensed" pitchFamily="2" charset="0"/>
+            </a:endParaRPr>
+          </a:p>
+          <a:p>
+            <a:pPr marL="571500" indent="-571500">
+              <a:buFont typeface="Arial" panose="020B0604020202020204" pitchFamily="34" charset="0"/>
+              <a:buChar char="•"/>
+            </a:pPr>
+            <a:r>
+              <a:rPr lang="de-DE" sz="4400" dirty="0">
+                <a:solidFill>
+                  <a:schemeClr val="bg1"/>
+                </a:solidFill>
+                <a:latin typeface="DIN Condensed" pitchFamily="2" charset="0"/>
+              </a:rPr>
+              <a:t>Learning Feature: </a:t>
+            </a:r>
+            <a:r>
+              <a:rPr lang="de-DE" sz="4400" dirty="0" err="1">
+                <a:solidFill>
+                  <a:schemeClr val="bg1"/>
+                </a:solidFill>
+                <a:latin typeface="DIN Condensed" pitchFamily="2" charset="0"/>
+              </a:rPr>
+              <a:t>Signs</a:t>
+            </a:r>
+            <a:r>
+              <a:rPr lang="de-DE" sz="4400" dirty="0">
+                <a:solidFill>
+                  <a:schemeClr val="bg1"/>
+                </a:solidFill>
+                <a:latin typeface="DIN Condensed" pitchFamily="2" charset="0"/>
+              </a:rPr>
+              <a:t> </a:t>
+            </a:r>
+            <a:r>
+              <a:rPr lang="de-DE" sz="4400" dirty="0" err="1">
+                <a:solidFill>
+                  <a:schemeClr val="bg1"/>
+                </a:solidFill>
+                <a:latin typeface="DIN Condensed" pitchFamily="2" charset="0"/>
+              </a:rPr>
+              <a:t>and</a:t>
+            </a:r>
+            <a:r>
+              <a:rPr lang="de-DE" sz="4400" dirty="0">
+                <a:solidFill>
+                  <a:schemeClr val="bg1"/>
+                </a:solidFill>
+                <a:latin typeface="DIN Condensed" pitchFamily="2" charset="0"/>
+              </a:rPr>
+              <a:t> Road-Rules</a:t>
+            </a:r>
+          </a:p>
+        </p:txBody>
+      </p:sp>
+    </p:spTree>
+    <p:extLst>
+      <p:ext uri="{BB962C8B-B14F-4D97-AF65-F5344CB8AC3E}">
+        <p14:creationId xmlns:p14="http://schemas.microsoft.com/office/powerpoint/2010/main" val="3608187931"/>
+      </p:ext>
+    </p:extLst>
+  </p:cSld>
+  <p:clrMapOvr>
+    <a:masterClrMapping/>
+  </p:clrMapOvr>
+</p:sld>
+</file>
+
+<file path=ppt/slides/slide2.xml><?xml version="1.0" encoding="utf-8"?>
+<p:sld xmlns:a="http://schemas.openxmlformats.org/drawingml/2006/main" xmlns:r="http://schemas.openxmlformats.org/officeDocument/2006/relationships" xmlns:p="http://schemas.openxmlformats.org/presentationml/2006/main">
+  <p:cSld>
+    <p:spTree>
+      <p:nvGrpSpPr>
+        <p:cNvPr id="1" name=""/>
+        <p:cNvGrpSpPr/>
+        <p:nvPr/>
+      </p:nvGrpSpPr>
+      <p:grpSpPr>
+        <a:xfrm>
+          <a:off x="0" y="0"/>
+          <a:ext cx="0" cy="0"/>
+          <a:chOff x="0" y="0"/>
+          <a:chExt cx="0" cy="0"/>
+        </a:xfrm>
+      </p:grpSpPr>
+      <p:sp>
+        <p:nvSpPr>
+          <p:cNvPr id="4" name="Rechteck 3">
+            <a:extLst>
+              <a:ext uri="{FF2B5EF4-FFF2-40B4-BE49-F238E27FC236}">
+                <a16:creationId xmlns:a16="http://schemas.microsoft.com/office/drawing/2014/main" id="{4DC97915-D3D7-AD4B-9337-E8319E17DDD9}"/>
+              </a:ext>
+            </a:extLst>
+          </p:cNvPr>
+          <p:cNvSpPr/>
+          <p:nvPr/>
+        </p:nvSpPr>
+        <p:spPr>
+          <a:xfrm>
+            <a:off x="0" y="0"/>
+            <a:ext cx="12192000" cy="6858000"/>
+          </a:xfrm>
+          <a:prstGeom prst="rect">
+            <a:avLst/>
+          </a:prstGeom>
+          <a:gradFill flip="none" rotWithShape="1">
+            <a:gsLst>
+              <a:gs pos="100000">
+                <a:srgbClr val="5EDCFF"/>
+              </a:gs>
+              <a:gs pos="12000">
+                <a:srgbClr val="4A9CE8"/>
+              </a:gs>
+            </a:gsLst>
+            <a:path path="circle">
+              <a:fillToRect t="100000" r="100000"/>
+            </a:path>
+            <a:tileRect l="-100000" b="-100000"/>
+          </a:gradFill>
+          <a:ln>
             <a:noFill/>
-          </p:spPr>
-          <p:txBody>
-            <a:bodyPr wrap="square" rtlCol="0">
-              <a:spAutoFit/>
-            </a:bodyPr>
-            <a:lstStyle/>
-            <a:p>
-              <a:pPr algn="ctr"/>
-              <a:r>
-                <a:rPr lang="de-DE" sz="3200" dirty="0">
-                  <a:solidFill>
-                    <a:schemeClr val="bg1"/>
-                  </a:solidFill>
-                  <a:latin typeface="DIN Condensed" pitchFamily="2" charset="0"/>
-                </a:rPr>
-                <a:t>MANUEL</a:t>
-              </a:r>
-            </a:p>
-          </p:txBody>
-        </p:sp>
-      </p:grpSp>
-      <p:grpSp>
-        <p:nvGrpSpPr>
-          <p:cNvPr id="7" name="Gruppieren 6">
-            <a:extLst>
-              <a:ext uri="{FF2B5EF4-FFF2-40B4-BE49-F238E27FC236}">
-                <a16:creationId xmlns:a16="http://schemas.microsoft.com/office/drawing/2014/main" id="{F6A170DA-D990-9F44-A931-490E4159A6B1}"/>
-              </a:ext>
-            </a:extLst>
-          </p:cNvPr>
-          <p:cNvGrpSpPr/>
-          <p:nvPr/>
-        </p:nvGrpSpPr>
-        <p:grpSpPr>
-          <a:xfrm>
-            <a:off x="2985370" y="4432647"/>
-            <a:ext cx="1453019" cy="2148366"/>
-            <a:chOff x="5375753" y="4432647"/>
-            <a:chExt cx="1453019" cy="2148366"/>
-          </a:xfrm>
-        </p:grpSpPr>
-        <p:sp>
-          <p:nvSpPr>
-            <p:cNvPr id="8" name="Oval 7">
-              <a:extLst>
-                <a:ext uri="{FF2B5EF4-FFF2-40B4-BE49-F238E27FC236}">
-                  <a16:creationId xmlns:a16="http://schemas.microsoft.com/office/drawing/2014/main" id="{5CAB3BB9-3C6B-CC48-824F-2EAF7EC33FF9}"/>
-                </a:ext>
-              </a:extLst>
-            </p:cNvPr>
-            <p:cNvSpPr/>
-            <p:nvPr/>
-          </p:nvSpPr>
-          <p:spPr>
-            <a:xfrm>
-              <a:off x="5375753" y="4432647"/>
-              <a:ext cx="1440494" cy="1440494"/>
-            </a:xfrm>
-            <a:prstGeom prst="ellipse">
-              <a:avLst/>
-            </a:prstGeom>
-            <a:solidFill>
-              <a:schemeClr val="bg1"/>
-            </a:solidFill>
-            <a:ln>
-              <a:noFill/>
-            </a:ln>
-          </p:spPr>
-          <p:style>
-            <a:lnRef idx="2">
-              <a:schemeClr val="accent1">
-                <a:shade val="50000"/>
-              </a:schemeClr>
-            </a:lnRef>
-            <a:fillRef idx="1">
-              <a:schemeClr val="accent1"/>
-            </a:fillRef>
-            <a:effectRef idx="0">
-              <a:schemeClr val="accent1"/>
-            </a:effectRef>
-            <a:fontRef idx="minor">
-              <a:schemeClr val="lt1"/>
-            </a:fontRef>
-          </p:style>
-          <p:txBody>
-            <a:bodyPr rtlCol="0" anchor="ctr"/>
-            <a:lstStyle/>
-            <a:p>
-              <a:pPr algn="ctr"/>
-              <a:endParaRPr lang="de-DE"/>
-            </a:p>
-          </p:txBody>
-        </p:sp>
-        <p:sp>
-          <p:nvSpPr>
-            <p:cNvPr id="9" name="Textfeld 8">
-              <a:extLst>
-                <a:ext uri="{FF2B5EF4-FFF2-40B4-BE49-F238E27FC236}">
-                  <a16:creationId xmlns:a16="http://schemas.microsoft.com/office/drawing/2014/main" id="{1AD46A08-536B-8A41-B370-F72F64E55776}"/>
-                </a:ext>
-              </a:extLst>
-            </p:cNvPr>
-            <p:cNvSpPr txBox="1"/>
-            <p:nvPr/>
-          </p:nvSpPr>
-          <p:spPr>
-            <a:xfrm>
-              <a:off x="5375753" y="5996238"/>
-              <a:ext cx="1453019" cy="584775"/>
-            </a:xfrm>
-            <a:prstGeom prst="rect">
-              <a:avLst/>
-            </a:prstGeom>
-            <a:noFill/>
-          </p:spPr>
-          <p:txBody>
-            <a:bodyPr wrap="square" rtlCol="0">
-              <a:spAutoFit/>
-            </a:bodyPr>
-            <a:lstStyle/>
-            <a:p>
-              <a:pPr algn="ctr"/>
-              <a:r>
-                <a:rPr lang="de-DE" sz="3200" dirty="0">
-                  <a:solidFill>
-                    <a:schemeClr val="bg1"/>
-                  </a:solidFill>
-                  <a:latin typeface="DIN Condensed" pitchFamily="2" charset="0"/>
-                </a:rPr>
-                <a:t>BENNY</a:t>
-              </a:r>
-            </a:p>
-          </p:txBody>
-        </p:sp>
-      </p:grpSp>
-      <p:grpSp>
-        <p:nvGrpSpPr>
-          <p:cNvPr id="10" name="Gruppieren 9">
-            <a:extLst>
-              <a:ext uri="{FF2B5EF4-FFF2-40B4-BE49-F238E27FC236}">
-                <a16:creationId xmlns:a16="http://schemas.microsoft.com/office/drawing/2014/main" id="{9D0DB8CD-E6CF-CC48-8219-46D9D3BDD4F4}"/>
-              </a:ext>
-            </a:extLst>
-          </p:cNvPr>
-          <p:cNvGrpSpPr/>
-          <p:nvPr/>
-        </p:nvGrpSpPr>
-        <p:grpSpPr>
-          <a:xfrm>
-            <a:off x="7753611" y="4404878"/>
-            <a:ext cx="1453019" cy="2148366"/>
-            <a:chOff x="5375753" y="4432647"/>
-            <a:chExt cx="1453019" cy="2148366"/>
-          </a:xfrm>
-        </p:grpSpPr>
-        <p:sp>
-          <p:nvSpPr>
-            <p:cNvPr id="11" name="Oval 10">
-              <a:extLst>
-                <a:ext uri="{FF2B5EF4-FFF2-40B4-BE49-F238E27FC236}">
-                  <a16:creationId xmlns:a16="http://schemas.microsoft.com/office/drawing/2014/main" id="{9DDE168A-662C-F74A-AA99-624F15E4456A}"/>
-                </a:ext>
-              </a:extLst>
-            </p:cNvPr>
-            <p:cNvSpPr/>
-            <p:nvPr/>
-          </p:nvSpPr>
-          <p:spPr>
-            <a:xfrm>
-              <a:off x="5375753" y="4432647"/>
-              <a:ext cx="1440494" cy="1440494"/>
-            </a:xfrm>
-            <a:prstGeom prst="ellipse">
-              <a:avLst/>
-            </a:prstGeom>
-            <a:solidFill>
-              <a:schemeClr val="bg1"/>
-            </a:solidFill>
-            <a:ln>
-              <a:noFill/>
-            </a:ln>
-          </p:spPr>
-          <p:style>
-            <a:lnRef idx="2">
-              <a:schemeClr val="accent1">
-                <a:shade val="50000"/>
-              </a:schemeClr>
-            </a:lnRef>
-            <a:fillRef idx="1">
-              <a:schemeClr val="accent1"/>
-            </a:fillRef>
-            <a:effectRef idx="0">
-              <a:schemeClr val="accent1"/>
-            </a:effectRef>
-            <a:fontRef idx="minor">
-              <a:schemeClr val="lt1"/>
-            </a:fontRef>
-          </p:style>
-          <p:txBody>
-            <a:bodyPr rtlCol="0" anchor="ctr"/>
-            <a:lstStyle/>
-            <a:p>
-              <a:pPr algn="ctr"/>
-              <a:endParaRPr lang="de-DE"/>
-            </a:p>
-          </p:txBody>
-        </p:sp>
-        <p:sp>
-          <p:nvSpPr>
-            <p:cNvPr id="12" name="Textfeld 11">
-              <a:extLst>
-                <a:ext uri="{FF2B5EF4-FFF2-40B4-BE49-F238E27FC236}">
-                  <a16:creationId xmlns:a16="http://schemas.microsoft.com/office/drawing/2014/main" id="{5127C24F-05C3-4C4D-8846-64C7DD496AF5}"/>
-                </a:ext>
-              </a:extLst>
-            </p:cNvPr>
-            <p:cNvSpPr txBox="1"/>
-            <p:nvPr/>
-          </p:nvSpPr>
-          <p:spPr>
-            <a:xfrm>
-              <a:off x="5375753" y="5996238"/>
-              <a:ext cx="1453019" cy="584775"/>
-            </a:xfrm>
-            <a:prstGeom prst="rect">
-              <a:avLst/>
-            </a:prstGeom>
-            <a:noFill/>
-          </p:spPr>
-          <p:txBody>
-            <a:bodyPr wrap="square" rtlCol="0">
-              <a:spAutoFit/>
-            </a:bodyPr>
-            <a:lstStyle/>
-            <a:p>
-              <a:pPr algn="ctr"/>
-              <a:r>
-                <a:rPr lang="de-DE" sz="3200" dirty="0">
-                  <a:solidFill>
-                    <a:schemeClr val="bg1"/>
-                  </a:solidFill>
-                  <a:latin typeface="DIN Condensed" pitchFamily="2" charset="0"/>
-                </a:rPr>
-                <a:t>PASCAL</a:t>
-              </a:r>
-            </a:p>
-          </p:txBody>
-        </p:sp>
-      </p:grpSp>
-      <p:grpSp>
-        <p:nvGrpSpPr>
-          <p:cNvPr id="13" name="Gruppieren 12">
-            <a:extLst>
-              <a:ext uri="{FF2B5EF4-FFF2-40B4-BE49-F238E27FC236}">
-                <a16:creationId xmlns:a16="http://schemas.microsoft.com/office/drawing/2014/main" id="{9B0CB0ED-1731-2B42-96BC-6E7D2250AAE0}"/>
-              </a:ext>
-            </a:extLst>
-          </p:cNvPr>
-          <p:cNvGrpSpPr/>
-          <p:nvPr/>
-        </p:nvGrpSpPr>
-        <p:grpSpPr>
-          <a:xfrm>
-            <a:off x="10118944" y="4404878"/>
-            <a:ext cx="1453019" cy="2148366"/>
-            <a:chOff x="5375753" y="4432647"/>
-            <a:chExt cx="1453019" cy="2148366"/>
-          </a:xfrm>
-        </p:grpSpPr>
-        <p:sp>
-          <p:nvSpPr>
-            <p:cNvPr id="14" name="Oval 13">
-              <a:extLst>
-                <a:ext uri="{FF2B5EF4-FFF2-40B4-BE49-F238E27FC236}">
-                  <a16:creationId xmlns:a16="http://schemas.microsoft.com/office/drawing/2014/main" id="{83224861-E76C-5F47-90B3-2FEDC8027E45}"/>
-                </a:ext>
-              </a:extLst>
-            </p:cNvPr>
-            <p:cNvSpPr/>
-            <p:nvPr/>
-          </p:nvSpPr>
-          <p:spPr>
-            <a:xfrm>
-              <a:off x="5375753" y="4432647"/>
-              <a:ext cx="1440494" cy="1440494"/>
-            </a:xfrm>
-            <a:prstGeom prst="ellipse">
-              <a:avLst/>
-            </a:prstGeom>
-            <a:solidFill>
-              <a:schemeClr val="bg1"/>
-            </a:solidFill>
-            <a:ln>
-              <a:noFill/>
-            </a:ln>
-          </p:spPr>
-          <p:style>
-            <a:lnRef idx="2">
-              <a:schemeClr val="accent1">
-                <a:shade val="50000"/>
-              </a:schemeClr>
-            </a:lnRef>
-            <a:fillRef idx="1">
-              <a:schemeClr val="accent1"/>
-            </a:fillRef>
-            <a:effectRef idx="0">
-              <a:schemeClr val="accent1"/>
-            </a:effectRef>
-            <a:fontRef idx="minor">
-              <a:schemeClr val="lt1"/>
-            </a:fontRef>
-          </p:style>
-          <p:txBody>
-            <a:bodyPr rtlCol="0" anchor="ctr"/>
-            <a:lstStyle/>
-            <a:p>
-              <a:pPr algn="ctr"/>
-              <a:endParaRPr lang="de-DE"/>
-            </a:p>
-          </p:txBody>
-        </p:sp>
-        <p:sp>
-          <p:nvSpPr>
-            <p:cNvPr id="15" name="Textfeld 14">
-              <a:extLst>
-                <a:ext uri="{FF2B5EF4-FFF2-40B4-BE49-F238E27FC236}">
-                  <a16:creationId xmlns:a16="http://schemas.microsoft.com/office/drawing/2014/main" id="{63159C16-D77F-6645-8FDF-DE1F716644EA}"/>
-                </a:ext>
-              </a:extLst>
-            </p:cNvPr>
-            <p:cNvSpPr txBox="1"/>
-            <p:nvPr/>
-          </p:nvSpPr>
-          <p:spPr>
-            <a:xfrm>
-              <a:off x="5375753" y="5996238"/>
-              <a:ext cx="1453019" cy="584775"/>
-            </a:xfrm>
-            <a:prstGeom prst="rect">
-              <a:avLst/>
-            </a:prstGeom>
-            <a:noFill/>
-          </p:spPr>
-          <p:txBody>
-            <a:bodyPr wrap="square" rtlCol="0">
-              <a:spAutoFit/>
-            </a:bodyPr>
-            <a:lstStyle/>
-            <a:p>
-              <a:pPr algn="ctr"/>
-              <a:r>
-                <a:rPr lang="de-DE" sz="3200" dirty="0">
-                  <a:solidFill>
-                    <a:schemeClr val="bg1"/>
-                  </a:solidFill>
-                  <a:latin typeface="DIN Condensed" pitchFamily="2" charset="0"/>
-                </a:rPr>
-                <a:t>SUKI</a:t>
-              </a:r>
-            </a:p>
-          </p:txBody>
-        </p:sp>
-      </p:grpSp>
-      <p:grpSp>
-        <p:nvGrpSpPr>
-          <p:cNvPr id="16" name="Gruppieren 15">
-            <a:extLst>
-              <a:ext uri="{FF2B5EF4-FFF2-40B4-BE49-F238E27FC236}">
-                <a16:creationId xmlns:a16="http://schemas.microsoft.com/office/drawing/2014/main" id="{D7EB64F7-D65F-F64D-9A06-E9B70909C355}"/>
-              </a:ext>
-            </a:extLst>
-          </p:cNvPr>
-          <p:cNvGrpSpPr/>
-          <p:nvPr/>
-        </p:nvGrpSpPr>
-        <p:grpSpPr>
-          <a:xfrm>
-            <a:off x="594987" y="4432647"/>
-            <a:ext cx="1453019" cy="2148366"/>
-            <a:chOff x="5375753" y="4432647"/>
-            <a:chExt cx="1453019" cy="2148366"/>
-          </a:xfrm>
-        </p:grpSpPr>
-        <p:sp>
-          <p:nvSpPr>
-            <p:cNvPr id="17" name="Oval 16">
-              <a:extLst>
-                <a:ext uri="{FF2B5EF4-FFF2-40B4-BE49-F238E27FC236}">
-                  <a16:creationId xmlns:a16="http://schemas.microsoft.com/office/drawing/2014/main" id="{A9F85BF3-111B-994D-994A-8AF0C930CC73}"/>
-                </a:ext>
-              </a:extLst>
-            </p:cNvPr>
-            <p:cNvSpPr/>
-            <p:nvPr/>
-          </p:nvSpPr>
-          <p:spPr>
-            <a:xfrm>
-              <a:off x="5375753" y="4432647"/>
-              <a:ext cx="1440494" cy="1440494"/>
-            </a:xfrm>
-            <a:prstGeom prst="ellipse">
-              <a:avLst/>
-            </a:prstGeom>
-            <a:solidFill>
-              <a:schemeClr val="bg1"/>
-            </a:solidFill>
-            <a:ln>
-              <a:noFill/>
-            </a:ln>
-          </p:spPr>
-          <p:style>
-            <a:lnRef idx="2">
-              <a:schemeClr val="accent1">
-                <a:shade val="50000"/>
-              </a:schemeClr>
-            </a:lnRef>
-            <a:fillRef idx="1">
-              <a:schemeClr val="accent1"/>
-            </a:fillRef>
-            <a:effectRef idx="0">
-              <a:schemeClr val="accent1"/>
-            </a:effectRef>
-            <a:fontRef idx="minor">
-              <a:schemeClr val="lt1"/>
-            </a:fontRef>
-          </p:style>
-          <p:txBody>
-            <a:bodyPr rtlCol="0" anchor="ctr"/>
-            <a:lstStyle/>
-            <a:p>
-              <a:pPr algn="ctr"/>
-              <a:endParaRPr lang="de-DE"/>
-            </a:p>
-          </p:txBody>
-        </p:sp>
-        <p:sp>
-          <p:nvSpPr>
-            <p:cNvPr id="18" name="Textfeld 17">
-              <a:extLst>
-                <a:ext uri="{FF2B5EF4-FFF2-40B4-BE49-F238E27FC236}">
-                  <a16:creationId xmlns:a16="http://schemas.microsoft.com/office/drawing/2014/main" id="{1CF79AD9-518C-0347-B239-96920288FCED}"/>
-                </a:ext>
-              </a:extLst>
-            </p:cNvPr>
-            <p:cNvSpPr txBox="1"/>
-            <p:nvPr/>
-          </p:nvSpPr>
-          <p:spPr>
-            <a:xfrm>
-              <a:off x="5375753" y="5996238"/>
-              <a:ext cx="1453019" cy="584775"/>
-            </a:xfrm>
-            <a:prstGeom prst="rect">
-              <a:avLst/>
-            </a:prstGeom>
-            <a:noFill/>
-          </p:spPr>
-          <p:txBody>
-            <a:bodyPr wrap="square" rtlCol="0">
-              <a:spAutoFit/>
-            </a:bodyPr>
-            <a:lstStyle/>
-            <a:p>
-              <a:pPr algn="ctr"/>
-              <a:r>
-                <a:rPr lang="de-DE" sz="3200" dirty="0">
-                  <a:solidFill>
-                    <a:schemeClr val="bg1"/>
-                  </a:solidFill>
-                  <a:latin typeface="DIN Condensed" pitchFamily="2" charset="0"/>
-                </a:rPr>
-                <a:t>ANITA</a:t>
-              </a:r>
-            </a:p>
-          </p:txBody>
-        </p:sp>
-      </p:grpSp>
+          </a:ln>
+        </p:spPr>
+        <p:style>
+          <a:lnRef idx="2">
+            <a:schemeClr val="accent1">
+              <a:shade val="50000"/>
+            </a:schemeClr>
+          </a:lnRef>
+          <a:fillRef idx="1">
+            <a:schemeClr val="accent1"/>
+          </a:fillRef>
+          <a:effectRef idx="0">
+            <a:schemeClr val="accent1"/>
+          </a:effectRef>
+          <a:fontRef idx="minor">
+            <a:schemeClr val="lt1"/>
+          </a:fontRef>
+        </p:style>
+        <p:txBody>
+          <a:bodyPr rtlCol="0" anchor="ctr"/>
+          <a:lstStyle/>
+          <a:p>
+            <a:pPr algn="ctr"/>
+            <a:endParaRPr lang="de-DE"/>
+          </a:p>
+        </p:txBody>
+      </p:sp>
       <p:sp>
         <p:nvSpPr>
           <p:cNvPr id="19" name="Textfeld 18">
@@ -9750,6 +8984,831 @@
           </a:p>
         </p:txBody>
       </p:sp>
+      <p:grpSp>
+        <p:nvGrpSpPr>
+          <p:cNvPr id="28" name="Gruppieren 27">
+            <a:extLst>
+              <a:ext uri="{FF2B5EF4-FFF2-40B4-BE49-F238E27FC236}">
+                <a16:creationId xmlns:a16="http://schemas.microsoft.com/office/drawing/2014/main" id="{B7CDAE11-50C3-6448-9135-18B96D37E50C}"/>
+              </a:ext>
+            </a:extLst>
+          </p:cNvPr>
+          <p:cNvGrpSpPr/>
+          <p:nvPr/>
+        </p:nvGrpSpPr>
+        <p:grpSpPr>
+          <a:xfrm>
+            <a:off x="594987" y="4432647"/>
+            <a:ext cx="1453019" cy="2148366"/>
+            <a:chOff x="594987" y="4432647"/>
+            <a:chExt cx="1453019" cy="2148366"/>
+          </a:xfrm>
+        </p:grpSpPr>
+        <p:grpSp>
+          <p:nvGrpSpPr>
+            <p:cNvPr id="16" name="Gruppieren 15">
+              <a:extLst>
+                <a:ext uri="{FF2B5EF4-FFF2-40B4-BE49-F238E27FC236}">
+                  <a16:creationId xmlns:a16="http://schemas.microsoft.com/office/drawing/2014/main" id="{D7EB64F7-D65F-F64D-9A06-E9B70909C355}"/>
+                </a:ext>
+              </a:extLst>
+            </p:cNvPr>
+            <p:cNvGrpSpPr/>
+            <p:nvPr/>
+          </p:nvGrpSpPr>
+          <p:grpSpPr>
+            <a:xfrm>
+              <a:off x="594987" y="4432647"/>
+              <a:ext cx="1453019" cy="2148366"/>
+              <a:chOff x="5375753" y="4432647"/>
+              <a:chExt cx="1453019" cy="2148366"/>
+            </a:xfrm>
+          </p:grpSpPr>
+          <p:sp>
+            <p:nvSpPr>
+              <p:cNvPr id="17" name="Oval 16">
+                <a:extLst>
+                  <a:ext uri="{FF2B5EF4-FFF2-40B4-BE49-F238E27FC236}">
+                    <a16:creationId xmlns:a16="http://schemas.microsoft.com/office/drawing/2014/main" id="{A9F85BF3-111B-994D-994A-8AF0C930CC73}"/>
+                  </a:ext>
+                </a:extLst>
+              </p:cNvPr>
+              <p:cNvSpPr/>
+              <p:nvPr/>
+            </p:nvSpPr>
+            <p:spPr>
+              <a:xfrm>
+                <a:off x="5375753" y="4432647"/>
+                <a:ext cx="1440494" cy="1440494"/>
+              </a:xfrm>
+              <a:prstGeom prst="ellipse">
+                <a:avLst/>
+              </a:prstGeom>
+              <a:solidFill>
+                <a:schemeClr val="bg1"/>
+              </a:solidFill>
+              <a:ln>
+                <a:noFill/>
+              </a:ln>
+            </p:spPr>
+            <p:style>
+              <a:lnRef idx="2">
+                <a:schemeClr val="accent1">
+                  <a:shade val="50000"/>
+                </a:schemeClr>
+              </a:lnRef>
+              <a:fillRef idx="1">
+                <a:schemeClr val="accent1"/>
+              </a:fillRef>
+              <a:effectRef idx="0">
+                <a:schemeClr val="accent1"/>
+              </a:effectRef>
+              <a:fontRef idx="minor">
+                <a:schemeClr val="lt1"/>
+              </a:fontRef>
+            </p:style>
+            <p:txBody>
+              <a:bodyPr rtlCol="0" anchor="ctr"/>
+              <a:lstStyle/>
+              <a:p>
+                <a:pPr algn="ctr"/>
+                <a:endParaRPr lang="de-DE"/>
+              </a:p>
+            </p:txBody>
+          </p:sp>
+          <p:sp>
+            <p:nvSpPr>
+              <p:cNvPr id="18" name="Textfeld 17">
+                <a:extLst>
+                  <a:ext uri="{FF2B5EF4-FFF2-40B4-BE49-F238E27FC236}">
+                    <a16:creationId xmlns:a16="http://schemas.microsoft.com/office/drawing/2014/main" id="{1CF79AD9-518C-0347-B239-96920288FCED}"/>
+                  </a:ext>
+                </a:extLst>
+              </p:cNvPr>
+              <p:cNvSpPr txBox="1"/>
+              <p:nvPr/>
+            </p:nvSpPr>
+            <p:spPr>
+              <a:xfrm>
+                <a:off x="5375753" y="5996238"/>
+                <a:ext cx="1453019" cy="584775"/>
+              </a:xfrm>
+              <a:prstGeom prst="rect">
+                <a:avLst/>
+              </a:prstGeom>
+              <a:noFill/>
+            </p:spPr>
+            <p:txBody>
+              <a:bodyPr wrap="square" rtlCol="0">
+                <a:spAutoFit/>
+              </a:bodyPr>
+              <a:lstStyle/>
+              <a:p>
+                <a:pPr algn="ctr"/>
+                <a:r>
+                  <a:rPr lang="de-DE" sz="3200" dirty="0">
+                    <a:solidFill>
+                      <a:schemeClr val="bg1"/>
+                    </a:solidFill>
+                    <a:latin typeface="DIN Condensed" pitchFamily="2" charset="0"/>
+                  </a:rPr>
+                  <a:t>ANITA</a:t>
+                </a:r>
+              </a:p>
+            </p:txBody>
+          </p:sp>
+        </p:grpSp>
+        <p:pic>
+          <p:nvPicPr>
+            <p:cNvPr id="20" name="Grafik 19">
+              <a:extLst>
+                <a:ext uri="{FF2B5EF4-FFF2-40B4-BE49-F238E27FC236}">
+                  <a16:creationId xmlns:a16="http://schemas.microsoft.com/office/drawing/2014/main" id="{76C880C5-A68E-1F42-9D2D-8FBA975E580D}"/>
+                </a:ext>
+              </a:extLst>
+            </p:cNvPr>
+            <p:cNvPicPr>
+              <a:picLocks noChangeAspect="1"/>
+            </p:cNvPicPr>
+            <p:nvPr/>
+          </p:nvPicPr>
+          <p:blipFill>
+            <a:blip r:embed="rId2"/>
+            <a:stretch>
+              <a:fillRect/>
+            </a:stretch>
+          </p:blipFill>
+          <p:spPr>
+            <a:xfrm>
+              <a:off x="709497" y="4513125"/>
+              <a:ext cx="1224000" cy="1224000"/>
+            </a:xfrm>
+            <a:prstGeom prst="rect">
+              <a:avLst/>
+            </a:prstGeom>
+          </p:spPr>
+        </p:pic>
+      </p:grpSp>
+      <p:grpSp>
+        <p:nvGrpSpPr>
+          <p:cNvPr id="27" name="Gruppieren 26">
+            <a:extLst>
+              <a:ext uri="{FF2B5EF4-FFF2-40B4-BE49-F238E27FC236}">
+                <a16:creationId xmlns:a16="http://schemas.microsoft.com/office/drawing/2014/main" id="{401BF2F7-6010-634B-99A6-590FC3033B11}"/>
+              </a:ext>
+            </a:extLst>
+          </p:cNvPr>
+          <p:cNvGrpSpPr/>
+          <p:nvPr/>
+        </p:nvGrpSpPr>
+        <p:grpSpPr>
+          <a:xfrm>
+            <a:off x="2985370" y="4432647"/>
+            <a:ext cx="1453019" cy="2148366"/>
+            <a:chOff x="2985370" y="4432647"/>
+            <a:chExt cx="1453019" cy="2148366"/>
+          </a:xfrm>
+        </p:grpSpPr>
+        <p:grpSp>
+          <p:nvGrpSpPr>
+            <p:cNvPr id="7" name="Gruppieren 6">
+              <a:extLst>
+                <a:ext uri="{FF2B5EF4-FFF2-40B4-BE49-F238E27FC236}">
+                  <a16:creationId xmlns:a16="http://schemas.microsoft.com/office/drawing/2014/main" id="{F6A170DA-D990-9F44-A931-490E4159A6B1}"/>
+                </a:ext>
+              </a:extLst>
+            </p:cNvPr>
+            <p:cNvGrpSpPr/>
+            <p:nvPr/>
+          </p:nvGrpSpPr>
+          <p:grpSpPr>
+            <a:xfrm>
+              <a:off x="2985370" y="4432647"/>
+              <a:ext cx="1453019" cy="2148366"/>
+              <a:chOff x="5375753" y="4432647"/>
+              <a:chExt cx="1453019" cy="2148366"/>
+            </a:xfrm>
+          </p:grpSpPr>
+          <p:sp>
+            <p:nvSpPr>
+              <p:cNvPr id="8" name="Oval 7">
+                <a:extLst>
+                  <a:ext uri="{FF2B5EF4-FFF2-40B4-BE49-F238E27FC236}">
+                    <a16:creationId xmlns:a16="http://schemas.microsoft.com/office/drawing/2014/main" id="{5CAB3BB9-3C6B-CC48-824F-2EAF7EC33FF9}"/>
+                  </a:ext>
+                </a:extLst>
+              </p:cNvPr>
+              <p:cNvSpPr/>
+              <p:nvPr/>
+            </p:nvSpPr>
+            <p:spPr>
+              <a:xfrm>
+                <a:off x="5375753" y="4432647"/>
+                <a:ext cx="1440494" cy="1440494"/>
+              </a:xfrm>
+              <a:prstGeom prst="ellipse">
+                <a:avLst/>
+              </a:prstGeom>
+              <a:solidFill>
+                <a:schemeClr val="bg1"/>
+              </a:solidFill>
+              <a:ln>
+                <a:noFill/>
+              </a:ln>
+            </p:spPr>
+            <p:style>
+              <a:lnRef idx="2">
+                <a:schemeClr val="accent1">
+                  <a:shade val="50000"/>
+                </a:schemeClr>
+              </a:lnRef>
+              <a:fillRef idx="1">
+                <a:schemeClr val="accent1"/>
+              </a:fillRef>
+              <a:effectRef idx="0">
+                <a:schemeClr val="accent1"/>
+              </a:effectRef>
+              <a:fontRef idx="minor">
+                <a:schemeClr val="lt1"/>
+              </a:fontRef>
+            </p:style>
+            <p:txBody>
+              <a:bodyPr rtlCol="0" anchor="ctr"/>
+              <a:lstStyle/>
+              <a:p>
+                <a:pPr algn="ctr"/>
+                <a:endParaRPr lang="de-DE"/>
+              </a:p>
+            </p:txBody>
+          </p:sp>
+          <p:sp>
+            <p:nvSpPr>
+              <p:cNvPr id="9" name="Textfeld 8">
+                <a:extLst>
+                  <a:ext uri="{FF2B5EF4-FFF2-40B4-BE49-F238E27FC236}">
+                    <a16:creationId xmlns:a16="http://schemas.microsoft.com/office/drawing/2014/main" id="{1AD46A08-536B-8A41-B370-F72F64E55776}"/>
+                  </a:ext>
+                </a:extLst>
+              </p:cNvPr>
+              <p:cNvSpPr txBox="1"/>
+              <p:nvPr/>
+            </p:nvSpPr>
+            <p:spPr>
+              <a:xfrm>
+                <a:off x="5375753" y="5996238"/>
+                <a:ext cx="1453019" cy="584775"/>
+              </a:xfrm>
+              <a:prstGeom prst="rect">
+                <a:avLst/>
+              </a:prstGeom>
+              <a:noFill/>
+            </p:spPr>
+            <p:txBody>
+              <a:bodyPr wrap="square" rtlCol="0">
+                <a:spAutoFit/>
+              </a:bodyPr>
+              <a:lstStyle/>
+              <a:p>
+                <a:pPr algn="ctr"/>
+                <a:r>
+                  <a:rPr lang="de-DE" sz="3200" dirty="0">
+                    <a:solidFill>
+                      <a:schemeClr val="bg1"/>
+                    </a:solidFill>
+                    <a:latin typeface="DIN Condensed" pitchFamily="2" charset="0"/>
+                  </a:rPr>
+                  <a:t>BENNY</a:t>
+                </a:r>
+              </a:p>
+            </p:txBody>
+          </p:sp>
+        </p:grpSp>
+        <p:pic>
+          <p:nvPicPr>
+            <p:cNvPr id="21" name="Grafik 20">
+              <a:extLst>
+                <a:ext uri="{FF2B5EF4-FFF2-40B4-BE49-F238E27FC236}">
+                  <a16:creationId xmlns:a16="http://schemas.microsoft.com/office/drawing/2014/main" id="{DBF945FA-1C92-854C-AE48-3F32166B2529}"/>
+                </a:ext>
+              </a:extLst>
+            </p:cNvPr>
+            <p:cNvPicPr>
+              <a:picLocks noChangeAspect="1"/>
+            </p:cNvPicPr>
+            <p:nvPr/>
+          </p:nvPicPr>
+          <p:blipFill>
+            <a:blip r:embed="rId3"/>
+            <a:stretch>
+              <a:fillRect/>
+            </a:stretch>
+          </p:blipFill>
+          <p:spPr>
+            <a:xfrm>
+              <a:off x="3099880" y="4540894"/>
+              <a:ext cx="1224000" cy="1224000"/>
+            </a:xfrm>
+            <a:prstGeom prst="rect">
+              <a:avLst/>
+            </a:prstGeom>
+          </p:spPr>
+        </p:pic>
+      </p:grpSp>
+      <p:grpSp>
+        <p:nvGrpSpPr>
+          <p:cNvPr id="26" name="Gruppieren 25">
+            <a:extLst>
+              <a:ext uri="{FF2B5EF4-FFF2-40B4-BE49-F238E27FC236}">
+                <a16:creationId xmlns:a16="http://schemas.microsoft.com/office/drawing/2014/main" id="{42733239-6731-7047-843F-A446BA859AE6}"/>
+              </a:ext>
+            </a:extLst>
+          </p:cNvPr>
+          <p:cNvGrpSpPr/>
+          <p:nvPr/>
+        </p:nvGrpSpPr>
+        <p:grpSpPr>
+          <a:xfrm>
+            <a:off x="5375753" y="4432647"/>
+            <a:ext cx="1453019" cy="2148366"/>
+            <a:chOff x="5375753" y="4432647"/>
+            <a:chExt cx="1453019" cy="2148366"/>
+          </a:xfrm>
+        </p:grpSpPr>
+        <p:grpSp>
+          <p:nvGrpSpPr>
+            <p:cNvPr id="3" name="Gruppieren 2">
+              <a:extLst>
+                <a:ext uri="{FF2B5EF4-FFF2-40B4-BE49-F238E27FC236}">
+                  <a16:creationId xmlns:a16="http://schemas.microsoft.com/office/drawing/2014/main" id="{5C17BA9A-0059-1444-9D6A-9614451DB352}"/>
+                </a:ext>
+              </a:extLst>
+            </p:cNvPr>
+            <p:cNvGrpSpPr/>
+            <p:nvPr/>
+          </p:nvGrpSpPr>
+          <p:grpSpPr>
+            <a:xfrm>
+              <a:off x="5375753" y="4432647"/>
+              <a:ext cx="1453019" cy="2148366"/>
+              <a:chOff x="5375753" y="4432647"/>
+              <a:chExt cx="1453019" cy="2148366"/>
+            </a:xfrm>
+          </p:grpSpPr>
+          <p:sp>
+            <p:nvSpPr>
+              <p:cNvPr id="6" name="Oval 5">
+                <a:extLst>
+                  <a:ext uri="{FF2B5EF4-FFF2-40B4-BE49-F238E27FC236}">
+                    <a16:creationId xmlns:a16="http://schemas.microsoft.com/office/drawing/2014/main" id="{A043522E-F1A6-134A-BBA0-B767C592C8D2}"/>
+                  </a:ext>
+                </a:extLst>
+              </p:cNvPr>
+              <p:cNvSpPr/>
+              <p:nvPr/>
+            </p:nvSpPr>
+            <p:spPr>
+              <a:xfrm>
+                <a:off x="5375753" y="4432647"/>
+                <a:ext cx="1440494" cy="1440494"/>
+              </a:xfrm>
+              <a:prstGeom prst="ellipse">
+                <a:avLst/>
+              </a:prstGeom>
+              <a:solidFill>
+                <a:schemeClr val="bg1"/>
+              </a:solidFill>
+              <a:ln>
+                <a:noFill/>
+              </a:ln>
+            </p:spPr>
+            <p:style>
+              <a:lnRef idx="2">
+                <a:schemeClr val="accent1">
+                  <a:shade val="50000"/>
+                </a:schemeClr>
+              </a:lnRef>
+              <a:fillRef idx="1">
+                <a:schemeClr val="accent1"/>
+              </a:fillRef>
+              <a:effectRef idx="0">
+                <a:schemeClr val="accent1"/>
+              </a:effectRef>
+              <a:fontRef idx="minor">
+                <a:schemeClr val="lt1"/>
+              </a:fontRef>
+            </p:style>
+            <p:txBody>
+              <a:bodyPr rtlCol="0" anchor="ctr"/>
+              <a:lstStyle/>
+              <a:p>
+                <a:pPr algn="ctr"/>
+                <a:endParaRPr lang="de-DE"/>
+              </a:p>
+            </p:txBody>
+          </p:sp>
+          <p:sp>
+            <p:nvSpPr>
+              <p:cNvPr id="2" name="Textfeld 1">
+                <a:extLst>
+                  <a:ext uri="{FF2B5EF4-FFF2-40B4-BE49-F238E27FC236}">
+                    <a16:creationId xmlns:a16="http://schemas.microsoft.com/office/drawing/2014/main" id="{4FCEFBF4-4CC9-314A-B7D4-D43FF164854F}"/>
+                  </a:ext>
+                </a:extLst>
+              </p:cNvPr>
+              <p:cNvSpPr txBox="1"/>
+              <p:nvPr/>
+            </p:nvSpPr>
+            <p:spPr>
+              <a:xfrm>
+                <a:off x="5375753" y="5996238"/>
+                <a:ext cx="1453019" cy="584775"/>
+              </a:xfrm>
+              <a:prstGeom prst="rect">
+                <a:avLst/>
+              </a:prstGeom>
+              <a:noFill/>
+            </p:spPr>
+            <p:txBody>
+              <a:bodyPr wrap="square" rtlCol="0">
+                <a:spAutoFit/>
+              </a:bodyPr>
+              <a:lstStyle/>
+              <a:p>
+                <a:pPr algn="ctr"/>
+                <a:r>
+                  <a:rPr lang="de-DE" sz="3200" dirty="0">
+                    <a:solidFill>
+                      <a:schemeClr val="bg1"/>
+                    </a:solidFill>
+                    <a:latin typeface="DIN Condensed" pitchFamily="2" charset="0"/>
+                  </a:rPr>
+                  <a:t>MANUEL</a:t>
+                </a:r>
+              </a:p>
+            </p:txBody>
+          </p:sp>
+        </p:grpSp>
+        <p:pic>
+          <p:nvPicPr>
+            <p:cNvPr id="22" name="Grafik 21">
+              <a:extLst>
+                <a:ext uri="{FF2B5EF4-FFF2-40B4-BE49-F238E27FC236}">
+                  <a16:creationId xmlns:a16="http://schemas.microsoft.com/office/drawing/2014/main" id="{25FD6172-D589-E542-9E8E-F1261C1F0966}"/>
+                </a:ext>
+              </a:extLst>
+            </p:cNvPr>
+            <p:cNvPicPr>
+              <a:picLocks noChangeAspect="1"/>
+            </p:cNvPicPr>
+            <p:nvPr/>
+          </p:nvPicPr>
+          <p:blipFill>
+            <a:blip r:embed="rId3"/>
+            <a:stretch>
+              <a:fillRect/>
+            </a:stretch>
+          </p:blipFill>
+          <p:spPr>
+            <a:xfrm>
+              <a:off x="5484000" y="4540894"/>
+              <a:ext cx="1224000" cy="1224000"/>
+            </a:xfrm>
+            <a:prstGeom prst="rect">
+              <a:avLst/>
+            </a:prstGeom>
+          </p:spPr>
+        </p:pic>
+      </p:grpSp>
+      <p:grpSp>
+        <p:nvGrpSpPr>
+          <p:cNvPr id="25" name="Gruppieren 24">
+            <a:extLst>
+              <a:ext uri="{FF2B5EF4-FFF2-40B4-BE49-F238E27FC236}">
+                <a16:creationId xmlns:a16="http://schemas.microsoft.com/office/drawing/2014/main" id="{1F8D1457-A7B0-2D40-A357-2B60E832F119}"/>
+              </a:ext>
+            </a:extLst>
+          </p:cNvPr>
+          <p:cNvGrpSpPr/>
+          <p:nvPr/>
+        </p:nvGrpSpPr>
+        <p:grpSpPr>
+          <a:xfrm>
+            <a:off x="7753611" y="4404878"/>
+            <a:ext cx="1453019" cy="2148366"/>
+            <a:chOff x="7753611" y="4404878"/>
+            <a:chExt cx="1453019" cy="2148366"/>
+          </a:xfrm>
+        </p:grpSpPr>
+        <p:grpSp>
+          <p:nvGrpSpPr>
+            <p:cNvPr id="10" name="Gruppieren 9">
+              <a:extLst>
+                <a:ext uri="{FF2B5EF4-FFF2-40B4-BE49-F238E27FC236}">
+                  <a16:creationId xmlns:a16="http://schemas.microsoft.com/office/drawing/2014/main" id="{9D0DB8CD-E6CF-CC48-8219-46D9D3BDD4F4}"/>
+                </a:ext>
+              </a:extLst>
+            </p:cNvPr>
+            <p:cNvGrpSpPr/>
+            <p:nvPr/>
+          </p:nvGrpSpPr>
+          <p:grpSpPr>
+            <a:xfrm>
+              <a:off x="7753611" y="4404878"/>
+              <a:ext cx="1453019" cy="2148366"/>
+              <a:chOff x="5375753" y="4432647"/>
+              <a:chExt cx="1453019" cy="2148366"/>
+            </a:xfrm>
+          </p:grpSpPr>
+          <p:sp>
+            <p:nvSpPr>
+              <p:cNvPr id="11" name="Oval 10">
+                <a:extLst>
+                  <a:ext uri="{FF2B5EF4-FFF2-40B4-BE49-F238E27FC236}">
+                    <a16:creationId xmlns:a16="http://schemas.microsoft.com/office/drawing/2014/main" id="{9DDE168A-662C-F74A-AA99-624F15E4456A}"/>
+                  </a:ext>
+                </a:extLst>
+              </p:cNvPr>
+              <p:cNvSpPr/>
+              <p:nvPr/>
+            </p:nvSpPr>
+            <p:spPr>
+              <a:xfrm>
+                <a:off x="5375753" y="4432647"/>
+                <a:ext cx="1440494" cy="1440494"/>
+              </a:xfrm>
+              <a:prstGeom prst="ellipse">
+                <a:avLst/>
+              </a:prstGeom>
+              <a:solidFill>
+                <a:schemeClr val="bg1"/>
+              </a:solidFill>
+              <a:ln>
+                <a:noFill/>
+              </a:ln>
+            </p:spPr>
+            <p:style>
+              <a:lnRef idx="2">
+                <a:schemeClr val="accent1">
+                  <a:shade val="50000"/>
+                </a:schemeClr>
+              </a:lnRef>
+              <a:fillRef idx="1">
+                <a:schemeClr val="accent1"/>
+              </a:fillRef>
+              <a:effectRef idx="0">
+                <a:schemeClr val="accent1"/>
+              </a:effectRef>
+              <a:fontRef idx="minor">
+                <a:schemeClr val="lt1"/>
+              </a:fontRef>
+            </p:style>
+            <p:txBody>
+              <a:bodyPr rtlCol="0" anchor="ctr"/>
+              <a:lstStyle/>
+              <a:p>
+                <a:pPr algn="ctr"/>
+                <a:endParaRPr lang="de-DE"/>
+              </a:p>
+            </p:txBody>
+          </p:sp>
+          <p:sp>
+            <p:nvSpPr>
+              <p:cNvPr id="12" name="Textfeld 11">
+                <a:extLst>
+                  <a:ext uri="{FF2B5EF4-FFF2-40B4-BE49-F238E27FC236}">
+                    <a16:creationId xmlns:a16="http://schemas.microsoft.com/office/drawing/2014/main" id="{5127C24F-05C3-4C4D-8846-64C7DD496AF5}"/>
+                  </a:ext>
+                </a:extLst>
+              </p:cNvPr>
+              <p:cNvSpPr txBox="1"/>
+              <p:nvPr/>
+            </p:nvSpPr>
+            <p:spPr>
+              <a:xfrm>
+                <a:off x="5375753" y="5996238"/>
+                <a:ext cx="1453019" cy="584775"/>
+              </a:xfrm>
+              <a:prstGeom prst="rect">
+                <a:avLst/>
+              </a:prstGeom>
+              <a:noFill/>
+            </p:spPr>
+            <p:txBody>
+              <a:bodyPr wrap="square" rtlCol="0">
+                <a:spAutoFit/>
+              </a:bodyPr>
+              <a:lstStyle/>
+              <a:p>
+                <a:pPr algn="ctr"/>
+                <a:r>
+                  <a:rPr lang="de-DE" sz="3200" dirty="0">
+                    <a:solidFill>
+                      <a:schemeClr val="bg1"/>
+                    </a:solidFill>
+                    <a:latin typeface="DIN Condensed" pitchFamily="2" charset="0"/>
+                  </a:rPr>
+                  <a:t>PASCAL</a:t>
+                </a:r>
+              </a:p>
+            </p:txBody>
+          </p:sp>
+        </p:grpSp>
+        <p:pic>
+          <p:nvPicPr>
+            <p:cNvPr id="23" name="Grafik 22">
+              <a:extLst>
+                <a:ext uri="{FF2B5EF4-FFF2-40B4-BE49-F238E27FC236}">
+                  <a16:creationId xmlns:a16="http://schemas.microsoft.com/office/drawing/2014/main" id="{15A43672-DD6F-D64A-B1F4-BC9D2DE1C4B4}"/>
+                </a:ext>
+              </a:extLst>
+            </p:cNvPr>
+            <p:cNvPicPr>
+              <a:picLocks noChangeAspect="1"/>
+            </p:cNvPicPr>
+            <p:nvPr/>
+          </p:nvPicPr>
+          <p:blipFill>
+            <a:blip r:embed="rId3"/>
+            <a:stretch>
+              <a:fillRect/>
+            </a:stretch>
+          </p:blipFill>
+          <p:spPr>
+            <a:xfrm>
+              <a:off x="7861858" y="4513125"/>
+              <a:ext cx="1224000" cy="1224000"/>
+            </a:xfrm>
+            <a:prstGeom prst="rect">
+              <a:avLst/>
+            </a:prstGeom>
+          </p:spPr>
+        </p:pic>
+      </p:grpSp>
+      <p:grpSp>
+        <p:nvGrpSpPr>
+          <p:cNvPr id="5" name="Gruppieren 4">
+            <a:extLst>
+              <a:ext uri="{FF2B5EF4-FFF2-40B4-BE49-F238E27FC236}">
+                <a16:creationId xmlns:a16="http://schemas.microsoft.com/office/drawing/2014/main" id="{CAD4ACCA-C0EE-1A44-97CB-B2CEAAB5B756}"/>
+              </a:ext>
+            </a:extLst>
+          </p:cNvPr>
+          <p:cNvGrpSpPr/>
+          <p:nvPr/>
+        </p:nvGrpSpPr>
+        <p:grpSpPr>
+          <a:xfrm>
+            <a:off x="10118944" y="4404878"/>
+            <a:ext cx="1453019" cy="2148366"/>
+            <a:chOff x="10118944" y="4404878"/>
+            <a:chExt cx="1453019" cy="2148366"/>
+          </a:xfrm>
+        </p:grpSpPr>
+        <p:grpSp>
+          <p:nvGrpSpPr>
+            <p:cNvPr id="13" name="Gruppieren 12">
+              <a:extLst>
+                <a:ext uri="{FF2B5EF4-FFF2-40B4-BE49-F238E27FC236}">
+                  <a16:creationId xmlns:a16="http://schemas.microsoft.com/office/drawing/2014/main" id="{9B0CB0ED-1731-2B42-96BC-6E7D2250AAE0}"/>
+                </a:ext>
+              </a:extLst>
+            </p:cNvPr>
+            <p:cNvGrpSpPr/>
+            <p:nvPr/>
+          </p:nvGrpSpPr>
+          <p:grpSpPr>
+            <a:xfrm>
+              <a:off x="10118944" y="4404878"/>
+              <a:ext cx="1453019" cy="2148366"/>
+              <a:chOff x="5375753" y="4432647"/>
+              <a:chExt cx="1453019" cy="2148366"/>
+            </a:xfrm>
+          </p:grpSpPr>
+          <p:sp>
+            <p:nvSpPr>
+              <p:cNvPr id="14" name="Oval 13">
+                <a:extLst>
+                  <a:ext uri="{FF2B5EF4-FFF2-40B4-BE49-F238E27FC236}">
+                    <a16:creationId xmlns:a16="http://schemas.microsoft.com/office/drawing/2014/main" id="{83224861-E76C-5F47-90B3-2FEDC8027E45}"/>
+                  </a:ext>
+                </a:extLst>
+              </p:cNvPr>
+              <p:cNvSpPr/>
+              <p:nvPr/>
+            </p:nvSpPr>
+            <p:spPr>
+              <a:xfrm>
+                <a:off x="5375753" y="4432647"/>
+                <a:ext cx="1440494" cy="1440494"/>
+              </a:xfrm>
+              <a:prstGeom prst="ellipse">
+                <a:avLst/>
+              </a:prstGeom>
+              <a:solidFill>
+                <a:schemeClr val="bg1"/>
+              </a:solidFill>
+              <a:ln>
+                <a:noFill/>
+              </a:ln>
+            </p:spPr>
+            <p:style>
+              <a:lnRef idx="2">
+                <a:schemeClr val="accent1">
+                  <a:shade val="50000"/>
+                </a:schemeClr>
+              </a:lnRef>
+              <a:fillRef idx="1">
+                <a:schemeClr val="accent1"/>
+              </a:fillRef>
+              <a:effectRef idx="0">
+                <a:schemeClr val="accent1"/>
+              </a:effectRef>
+              <a:fontRef idx="minor">
+                <a:schemeClr val="lt1"/>
+              </a:fontRef>
+            </p:style>
+            <p:txBody>
+              <a:bodyPr rtlCol="0" anchor="ctr"/>
+              <a:lstStyle/>
+              <a:p>
+                <a:pPr algn="ctr"/>
+                <a:endParaRPr lang="de-DE"/>
+              </a:p>
+            </p:txBody>
+          </p:sp>
+          <p:sp>
+            <p:nvSpPr>
+              <p:cNvPr id="15" name="Textfeld 14">
+                <a:extLst>
+                  <a:ext uri="{FF2B5EF4-FFF2-40B4-BE49-F238E27FC236}">
+                    <a16:creationId xmlns:a16="http://schemas.microsoft.com/office/drawing/2014/main" id="{63159C16-D77F-6645-8FDF-DE1F716644EA}"/>
+                  </a:ext>
+                </a:extLst>
+              </p:cNvPr>
+              <p:cNvSpPr txBox="1"/>
+              <p:nvPr/>
+            </p:nvSpPr>
+            <p:spPr>
+              <a:xfrm>
+                <a:off x="5375753" y="5996238"/>
+                <a:ext cx="1453019" cy="584775"/>
+              </a:xfrm>
+              <a:prstGeom prst="rect">
+                <a:avLst/>
+              </a:prstGeom>
+              <a:noFill/>
+            </p:spPr>
+            <p:txBody>
+              <a:bodyPr wrap="square" rtlCol="0">
+                <a:spAutoFit/>
+              </a:bodyPr>
+              <a:lstStyle/>
+              <a:p>
+                <a:pPr algn="ctr"/>
+                <a:r>
+                  <a:rPr lang="de-DE" sz="3200" dirty="0">
+                    <a:solidFill>
+                      <a:schemeClr val="bg1"/>
+                    </a:solidFill>
+                    <a:latin typeface="DIN Condensed" pitchFamily="2" charset="0"/>
+                  </a:rPr>
+                  <a:t>SUKI</a:t>
+                </a:r>
+              </a:p>
+            </p:txBody>
+          </p:sp>
+        </p:grpSp>
+        <p:pic>
+          <p:nvPicPr>
+            <p:cNvPr id="24" name="Grafik 23">
+              <a:extLst>
+                <a:ext uri="{FF2B5EF4-FFF2-40B4-BE49-F238E27FC236}">
+                  <a16:creationId xmlns:a16="http://schemas.microsoft.com/office/drawing/2014/main" id="{5DB78C80-F490-F44F-90AB-4C3F1432834C}"/>
+                </a:ext>
+              </a:extLst>
+            </p:cNvPr>
+            <p:cNvPicPr>
+              <a:picLocks noChangeAspect="1"/>
+            </p:cNvPicPr>
+            <p:nvPr/>
+          </p:nvPicPr>
+          <p:blipFill>
+            <a:blip r:embed="rId3"/>
+            <a:stretch>
+              <a:fillRect/>
+            </a:stretch>
+          </p:blipFill>
+          <p:spPr>
+            <a:xfrm>
+              <a:off x="10227191" y="4513125"/>
+              <a:ext cx="1224000" cy="1224000"/>
+            </a:xfrm>
+            <a:prstGeom prst="rect">
+              <a:avLst/>
+            </a:prstGeom>
+          </p:spPr>
+        </p:pic>
+      </p:grpSp>
     </p:spTree>
     <p:extLst>
       <p:ext uri="{BB962C8B-B14F-4D97-AF65-F5344CB8AC3E}">
@@ -9828,7 +9887,7 @@
                                           </p:stCondLst>
                                         </p:cTn>
                                         <p:tgtEl>
-                                          <p:spTgt spid="16"/>
+                                          <p:spTgt spid="28"/>
                                         </p:tgtEl>
                                         <p:attrNameLst>
                                           <p:attrName>style.visibility</p:attrName>
@@ -9842,7 +9901,7 @@
                                       <p:cBhvr>
                                         <p:cTn id="10" dur="500"/>
                                         <p:tgtEl>
-                                          <p:spTgt spid="16"/>
+                                          <p:spTgt spid="28"/>
                                         </p:tgtEl>
                                       </p:cBhvr>
                                     </p:animEffect>
@@ -9863,7 +9922,7 @@
                                           </p:stCondLst>
                                         </p:cTn>
                                         <p:tgtEl>
-                                          <p:spTgt spid="7"/>
+                                          <p:spTgt spid="27"/>
                                         </p:tgtEl>
                                         <p:attrNameLst>
                                           <p:attrName>style.visibility</p:attrName>
@@ -9877,7 +9936,7 @@
                                       <p:cBhvr>
                                         <p:cTn id="13" dur="500"/>
                                         <p:tgtEl>
-                                          <p:spTgt spid="7"/>
+                                          <p:spTgt spid="27"/>
                                         </p:tgtEl>
                                       </p:cBhvr>
                                     </p:animEffect>
@@ -9898,7 +9957,7 @@
                                           </p:stCondLst>
                                         </p:cTn>
                                         <p:tgtEl>
-                                          <p:spTgt spid="3"/>
+                                          <p:spTgt spid="26"/>
                                         </p:tgtEl>
                                         <p:attrNameLst>
                                           <p:attrName>style.visibility</p:attrName>
@@ -9912,7 +9971,7 @@
                                       <p:cBhvr>
                                         <p:cTn id="16" dur="500"/>
                                         <p:tgtEl>
-                                          <p:spTgt spid="3"/>
+                                          <p:spTgt spid="26"/>
                                         </p:tgtEl>
                                       </p:cBhvr>
                                     </p:animEffect>
@@ -9933,7 +9992,7 @@
                                           </p:stCondLst>
                                         </p:cTn>
                                         <p:tgtEl>
-                                          <p:spTgt spid="10"/>
+                                          <p:spTgt spid="25"/>
                                         </p:tgtEl>
                                         <p:attrNameLst>
                                           <p:attrName>style.visibility</p:attrName>
@@ -9947,7 +10006,7 @@
                                       <p:cBhvr>
                                         <p:cTn id="19" dur="500"/>
                                         <p:tgtEl>
-                                          <p:spTgt spid="10"/>
+                                          <p:spTgt spid="25"/>
                                         </p:tgtEl>
                                       </p:cBhvr>
                                     </p:animEffect>
@@ -9968,7 +10027,7 @@
                                           </p:stCondLst>
                                         </p:cTn>
                                         <p:tgtEl>
-                                          <p:spTgt spid="13"/>
+                                          <p:spTgt spid="5"/>
                                         </p:tgtEl>
                                         <p:attrNameLst>
                                           <p:attrName>style.visibility</p:attrName>
@@ -9982,7 +10041,7 @@
                                       <p:cBhvr>
                                         <p:cTn id="22" dur="500"/>
                                         <p:tgtEl>
-                                          <p:spTgt spid="13"/>
+                                          <p:spTgt spid="5"/>
                                         </p:tgtEl>
                                       </p:cBhvr>
                                     </p:animEffect>
@@ -10020,518 +10079,6 @@
       <p:bldP spid="19" grpId="0"/>
     </p:bldLst>
   </p:timing>
-</p:sld>
-</file>
-
-<file path=ppt/slides/slide20.xml><?xml version="1.0" encoding="utf-8"?>
-<p:sld xmlns:a="http://schemas.openxmlformats.org/drawingml/2006/main" xmlns:r="http://schemas.openxmlformats.org/officeDocument/2006/relationships" xmlns:p="http://schemas.openxmlformats.org/presentationml/2006/main">
-  <p:cSld>
-    <p:spTree>
-      <p:nvGrpSpPr>
-        <p:cNvPr id="1" name=""/>
-        <p:cNvGrpSpPr/>
-        <p:nvPr/>
-      </p:nvGrpSpPr>
-      <p:grpSpPr>
-        <a:xfrm>
-          <a:off x="0" y="0"/>
-          <a:ext cx="0" cy="0"/>
-          <a:chOff x="0" y="0"/>
-          <a:chExt cx="0" cy="0"/>
-        </a:xfrm>
-      </p:grpSpPr>
-      <p:sp>
-        <p:nvSpPr>
-          <p:cNvPr id="4" name="Rechteck 3">
-            <a:extLst>
-              <a:ext uri="{FF2B5EF4-FFF2-40B4-BE49-F238E27FC236}">
-                <a16:creationId xmlns:a16="http://schemas.microsoft.com/office/drawing/2014/main" id="{4DC97915-D3D7-AD4B-9337-E8319E17DDD9}"/>
-              </a:ext>
-            </a:extLst>
-          </p:cNvPr>
-          <p:cNvSpPr/>
-          <p:nvPr/>
-        </p:nvSpPr>
-        <p:spPr>
-          <a:xfrm>
-            <a:off x="0" y="0"/>
-            <a:ext cx="12192000" cy="6858000"/>
-          </a:xfrm>
-          <a:prstGeom prst="rect">
-            <a:avLst/>
-          </a:prstGeom>
-          <a:gradFill flip="none" rotWithShape="1">
-            <a:gsLst>
-              <a:gs pos="100000">
-                <a:srgbClr val="5EDCFF"/>
-              </a:gs>
-              <a:gs pos="12000">
-                <a:srgbClr val="4A9CE8"/>
-              </a:gs>
-            </a:gsLst>
-            <a:path path="circle">
-              <a:fillToRect t="100000" r="100000"/>
-            </a:path>
-            <a:tileRect l="-100000" b="-100000"/>
-          </a:gradFill>
-          <a:ln>
-            <a:noFill/>
-          </a:ln>
-        </p:spPr>
-        <p:style>
-          <a:lnRef idx="2">
-            <a:schemeClr val="accent1">
-              <a:shade val="50000"/>
-            </a:schemeClr>
-          </a:lnRef>
-          <a:fillRef idx="1">
-            <a:schemeClr val="accent1"/>
-          </a:fillRef>
-          <a:effectRef idx="0">
-            <a:schemeClr val="accent1"/>
-          </a:effectRef>
-          <a:fontRef idx="minor">
-            <a:schemeClr val="lt1"/>
-          </a:fontRef>
-        </p:style>
-        <p:txBody>
-          <a:bodyPr rtlCol="0" anchor="ctr"/>
-          <a:lstStyle/>
-          <a:p>
-            <a:pPr algn="ctr"/>
-            <a:endParaRPr lang="de-DE"/>
-          </a:p>
-        </p:txBody>
-      </p:sp>
-      <p:sp>
-        <p:nvSpPr>
-          <p:cNvPr id="5" name="Textfeld 4">
-            <a:extLst>
-              <a:ext uri="{FF2B5EF4-FFF2-40B4-BE49-F238E27FC236}">
-                <a16:creationId xmlns:a16="http://schemas.microsoft.com/office/drawing/2014/main" id="{D172A450-7243-3241-8338-6594A435549B}"/>
-              </a:ext>
-            </a:extLst>
-          </p:cNvPr>
-          <p:cNvSpPr txBox="1"/>
-          <p:nvPr/>
-        </p:nvSpPr>
-        <p:spPr>
-          <a:xfrm>
-            <a:off x="2745287" y="2644170"/>
-            <a:ext cx="6701425" cy="1569660"/>
-          </a:xfrm>
-          <a:prstGeom prst="rect">
-            <a:avLst/>
-          </a:prstGeom>
-          <a:noFill/>
-        </p:spPr>
-        <p:txBody>
-          <a:bodyPr wrap="square" rtlCol="0">
-            <a:spAutoFit/>
-          </a:bodyPr>
-          <a:lstStyle/>
-          <a:p>
-            <a:pPr algn="ctr"/>
-            <a:r>
-              <a:rPr lang="de-DE" sz="9600" b="1" dirty="0">
-                <a:solidFill>
-                  <a:schemeClr val="bg1"/>
-                </a:solidFill>
-                <a:latin typeface="DIN Condensed" pitchFamily="2" charset="0"/>
-              </a:rPr>
-              <a:t>BOOOOOM.</a:t>
-            </a:r>
-          </a:p>
-        </p:txBody>
-      </p:sp>
-    </p:spTree>
-    <p:extLst>
-      <p:ext uri="{BB962C8B-B14F-4D97-AF65-F5344CB8AC3E}">
-        <p14:creationId xmlns:p14="http://schemas.microsoft.com/office/powerpoint/2010/main" val="2199140047"/>
-      </p:ext>
-    </p:extLst>
-  </p:cSld>
-  <p:clrMapOvr>
-    <a:masterClrMapping/>
-  </p:clrMapOvr>
-</p:sld>
-</file>
-
-<file path=ppt/slides/slide21.xml><?xml version="1.0" encoding="utf-8"?>
-<p:sld xmlns:a="http://schemas.openxmlformats.org/drawingml/2006/main" xmlns:r="http://schemas.openxmlformats.org/officeDocument/2006/relationships" xmlns:p="http://schemas.openxmlformats.org/presentationml/2006/main">
-  <p:cSld>
-    <p:spTree>
-      <p:nvGrpSpPr>
-        <p:cNvPr id="1" name=""/>
-        <p:cNvGrpSpPr/>
-        <p:nvPr/>
-      </p:nvGrpSpPr>
-      <p:grpSpPr>
-        <a:xfrm>
-          <a:off x="0" y="0"/>
-          <a:ext cx="0" cy="0"/>
-          <a:chOff x="0" y="0"/>
-          <a:chExt cx="0" cy="0"/>
-        </a:xfrm>
-      </p:grpSpPr>
-      <p:sp>
-        <p:nvSpPr>
-          <p:cNvPr id="4" name="Rechteck 3">
-            <a:extLst>
-              <a:ext uri="{FF2B5EF4-FFF2-40B4-BE49-F238E27FC236}">
-                <a16:creationId xmlns:a16="http://schemas.microsoft.com/office/drawing/2014/main" id="{4DC97915-D3D7-AD4B-9337-E8319E17DDD9}"/>
-              </a:ext>
-            </a:extLst>
-          </p:cNvPr>
-          <p:cNvSpPr/>
-          <p:nvPr/>
-        </p:nvSpPr>
-        <p:spPr>
-          <a:xfrm>
-            <a:off x="0" y="0"/>
-            <a:ext cx="12192000" cy="6858000"/>
-          </a:xfrm>
-          <a:prstGeom prst="rect">
-            <a:avLst/>
-          </a:prstGeom>
-          <a:gradFill flip="none" rotWithShape="1">
-            <a:gsLst>
-              <a:gs pos="100000">
-                <a:srgbClr val="5EDCFF"/>
-              </a:gs>
-              <a:gs pos="12000">
-                <a:srgbClr val="4A9CE8"/>
-              </a:gs>
-            </a:gsLst>
-            <a:path path="circle">
-              <a:fillToRect t="100000" r="100000"/>
-            </a:path>
-            <a:tileRect l="-100000" b="-100000"/>
-          </a:gradFill>
-          <a:ln>
-            <a:noFill/>
-          </a:ln>
-        </p:spPr>
-        <p:style>
-          <a:lnRef idx="2">
-            <a:schemeClr val="accent1">
-              <a:shade val="50000"/>
-            </a:schemeClr>
-          </a:lnRef>
-          <a:fillRef idx="1">
-            <a:schemeClr val="accent1"/>
-          </a:fillRef>
-          <a:effectRef idx="0">
-            <a:schemeClr val="accent1"/>
-          </a:effectRef>
-          <a:fontRef idx="minor">
-            <a:schemeClr val="lt1"/>
-          </a:fontRef>
-        </p:style>
-        <p:txBody>
-          <a:bodyPr rtlCol="0" anchor="ctr"/>
-          <a:lstStyle/>
-          <a:p>
-            <a:pPr algn="ctr"/>
-            <a:endParaRPr lang="de-DE"/>
-          </a:p>
-        </p:txBody>
-      </p:sp>
-      <p:pic>
-        <p:nvPicPr>
-          <p:cNvPr id="9" name="Grafik 8">
-            <a:extLst>
-              <a:ext uri="{FF2B5EF4-FFF2-40B4-BE49-F238E27FC236}">
-                <a16:creationId xmlns:a16="http://schemas.microsoft.com/office/drawing/2014/main" id="{AB095246-CE2B-4E42-A87D-FD9A86FEBE80}"/>
-              </a:ext>
-            </a:extLst>
-          </p:cNvPr>
-          <p:cNvPicPr>
-            <a:picLocks noChangeAspect="1"/>
-          </p:cNvPicPr>
-          <p:nvPr/>
-        </p:nvPicPr>
-        <p:blipFill>
-          <a:blip r:embed="rId3"/>
-          <a:stretch>
-            <a:fillRect/>
-          </a:stretch>
-        </p:blipFill>
-        <p:spPr>
-          <a:xfrm>
-            <a:off x="141337" y="240270"/>
-            <a:ext cx="1224000" cy="1224000"/>
-          </a:xfrm>
-          <a:prstGeom prst="rect">
-            <a:avLst/>
-          </a:prstGeom>
-        </p:spPr>
-      </p:pic>
-      <p:sp>
-        <p:nvSpPr>
-          <p:cNvPr id="10" name="Textfeld 9">
-            <a:extLst>
-              <a:ext uri="{FF2B5EF4-FFF2-40B4-BE49-F238E27FC236}">
-                <a16:creationId xmlns:a16="http://schemas.microsoft.com/office/drawing/2014/main" id="{89C52750-940F-9A41-A756-9DA1300186EE}"/>
-              </a:ext>
-            </a:extLst>
-          </p:cNvPr>
-          <p:cNvSpPr txBox="1"/>
-          <p:nvPr/>
-        </p:nvSpPr>
-        <p:spPr>
-          <a:xfrm>
-            <a:off x="1506674" y="67440"/>
-            <a:ext cx="8854654" cy="1569660"/>
-          </a:xfrm>
-          <a:prstGeom prst="rect">
-            <a:avLst/>
-          </a:prstGeom>
-          <a:noFill/>
-        </p:spPr>
-        <p:txBody>
-          <a:bodyPr wrap="square" rtlCol="0">
-            <a:spAutoFit/>
-          </a:bodyPr>
-          <a:lstStyle/>
-          <a:p>
-            <a:r>
-              <a:rPr lang="de-DE" sz="9600" b="1" dirty="0">
-                <a:solidFill>
-                  <a:schemeClr val="bg1"/>
-                </a:solidFill>
-                <a:latin typeface="DIN Condensed" pitchFamily="2" charset="0"/>
-              </a:rPr>
-              <a:t>FUTURE PLANS</a:t>
-            </a:r>
-          </a:p>
-        </p:txBody>
-      </p:sp>
-      <p:sp>
-        <p:nvSpPr>
-          <p:cNvPr id="2" name="Textfeld 1">
-            <a:extLst>
-              <a:ext uri="{FF2B5EF4-FFF2-40B4-BE49-F238E27FC236}">
-                <a16:creationId xmlns:a16="http://schemas.microsoft.com/office/drawing/2014/main" id="{839E9D07-48CB-6042-9A97-50DD4AC9B313}"/>
-              </a:ext>
-            </a:extLst>
-          </p:cNvPr>
-          <p:cNvSpPr txBox="1"/>
-          <p:nvPr/>
-        </p:nvSpPr>
-        <p:spPr>
-          <a:xfrm>
-            <a:off x="288098" y="1637100"/>
-            <a:ext cx="11903902" cy="4154984"/>
-          </a:xfrm>
-          <a:prstGeom prst="rect">
-            <a:avLst/>
-          </a:prstGeom>
-          <a:noFill/>
-        </p:spPr>
-        <p:txBody>
-          <a:bodyPr wrap="square" rtlCol="0">
-            <a:spAutoFit/>
-          </a:bodyPr>
-          <a:lstStyle/>
-          <a:p>
-            <a:pPr marL="571500" indent="-571500">
-              <a:buFont typeface="Arial" panose="020B0604020202020204" pitchFamily="34" charset="0"/>
-              <a:buChar char="•"/>
-            </a:pPr>
-            <a:r>
-              <a:rPr lang="de-DE" sz="4400" dirty="0">
-                <a:solidFill>
-                  <a:schemeClr val="bg1"/>
-                </a:solidFill>
-                <a:latin typeface="DIN Condensed" pitchFamily="2" charset="0"/>
-              </a:rPr>
-              <a:t>Bus</a:t>
-            </a:r>
-          </a:p>
-          <a:p>
-            <a:pPr marL="571500" indent="-571500">
-              <a:buFont typeface="Arial" panose="020B0604020202020204" pitchFamily="34" charset="0"/>
-              <a:buChar char="•"/>
-            </a:pPr>
-            <a:r>
-              <a:rPr lang="de-DE" sz="4400" dirty="0" err="1">
-                <a:solidFill>
-                  <a:schemeClr val="bg1"/>
-                </a:solidFill>
-                <a:latin typeface="DIN Condensed" pitchFamily="2" charset="0"/>
-              </a:rPr>
-              <a:t>Wristband</a:t>
-            </a:r>
-            <a:endParaRPr lang="de-DE" sz="4400" dirty="0">
-              <a:solidFill>
-                <a:schemeClr val="bg1"/>
-              </a:solidFill>
-              <a:latin typeface="DIN Condensed" pitchFamily="2" charset="0"/>
-            </a:endParaRPr>
-          </a:p>
-          <a:p>
-            <a:pPr marL="571500" indent="-571500">
-              <a:buFont typeface="Arial" panose="020B0604020202020204" pitchFamily="34" charset="0"/>
-              <a:buChar char="•"/>
-            </a:pPr>
-            <a:r>
-              <a:rPr lang="de-DE" sz="4400" dirty="0">
-                <a:solidFill>
-                  <a:schemeClr val="bg1"/>
-                </a:solidFill>
-                <a:latin typeface="DIN Condensed" pitchFamily="2" charset="0"/>
-              </a:rPr>
-              <a:t>Parental </a:t>
-            </a:r>
-            <a:r>
-              <a:rPr lang="de-DE" sz="4400" dirty="0" err="1">
-                <a:solidFill>
-                  <a:schemeClr val="bg1"/>
-                </a:solidFill>
-                <a:latin typeface="DIN Condensed" pitchFamily="2" charset="0"/>
-              </a:rPr>
-              <a:t>thingy</a:t>
-            </a:r>
-            <a:endParaRPr lang="de-DE" sz="4400" dirty="0">
-              <a:solidFill>
-                <a:schemeClr val="bg1"/>
-              </a:solidFill>
-              <a:latin typeface="DIN Condensed" pitchFamily="2" charset="0"/>
-            </a:endParaRPr>
-          </a:p>
-          <a:p>
-            <a:pPr marL="571500" indent="-571500">
-              <a:buFont typeface="Arial" panose="020B0604020202020204" pitchFamily="34" charset="0"/>
-              <a:buChar char="•"/>
-            </a:pPr>
-            <a:r>
-              <a:rPr lang="de-DE" sz="4400" dirty="0">
-                <a:solidFill>
-                  <a:schemeClr val="bg1"/>
-                </a:solidFill>
-                <a:latin typeface="DIN Condensed" pitchFamily="2" charset="0"/>
-              </a:rPr>
-              <a:t>Tracking</a:t>
-            </a:r>
-          </a:p>
-          <a:p>
-            <a:pPr marL="571500" indent="-571500">
-              <a:buFont typeface="Arial" panose="020B0604020202020204" pitchFamily="34" charset="0"/>
-              <a:buChar char="•"/>
-            </a:pPr>
-            <a:r>
-              <a:rPr lang="de-DE" sz="4400" dirty="0">
-                <a:solidFill>
-                  <a:schemeClr val="bg1"/>
-                </a:solidFill>
-                <a:latin typeface="DIN Condensed" pitchFamily="2" charset="0"/>
-              </a:rPr>
-              <a:t>More </a:t>
-            </a:r>
-            <a:r>
-              <a:rPr lang="de-DE" sz="4400" dirty="0" err="1">
-                <a:solidFill>
-                  <a:schemeClr val="bg1"/>
-                </a:solidFill>
-                <a:latin typeface="DIN Condensed" pitchFamily="2" charset="0"/>
-              </a:rPr>
-              <a:t>gamification</a:t>
-            </a:r>
-            <a:endParaRPr lang="de-DE" sz="4400" dirty="0">
-              <a:solidFill>
-                <a:schemeClr val="bg1"/>
-              </a:solidFill>
-              <a:latin typeface="DIN Condensed" pitchFamily="2" charset="0"/>
-            </a:endParaRPr>
-          </a:p>
-          <a:p>
-            <a:pPr marL="571500" indent="-571500">
-              <a:buFont typeface="Arial" panose="020B0604020202020204" pitchFamily="34" charset="0"/>
-              <a:buChar char="•"/>
-            </a:pPr>
-            <a:r>
-              <a:rPr lang="de-DE" sz="4400" dirty="0" err="1">
-                <a:solidFill>
-                  <a:schemeClr val="bg1"/>
-                </a:solidFill>
-                <a:latin typeface="DIN Condensed" pitchFamily="2" charset="0"/>
-              </a:rPr>
-              <a:t>Learn</a:t>
-            </a:r>
-            <a:r>
-              <a:rPr lang="de-DE" sz="4400" dirty="0">
-                <a:solidFill>
-                  <a:schemeClr val="bg1"/>
-                </a:solidFill>
-                <a:latin typeface="DIN Condensed" pitchFamily="2" charset="0"/>
-              </a:rPr>
-              <a:t> </a:t>
-            </a:r>
-            <a:r>
-              <a:rPr lang="de-DE" sz="4400" dirty="0" err="1">
-                <a:solidFill>
-                  <a:schemeClr val="bg1"/>
-                </a:solidFill>
-                <a:latin typeface="DIN Condensed" pitchFamily="2" charset="0"/>
-              </a:rPr>
-              <a:t>traffic</a:t>
-            </a:r>
-            <a:r>
-              <a:rPr lang="de-DE" sz="4400" dirty="0">
-                <a:solidFill>
-                  <a:schemeClr val="bg1"/>
-                </a:solidFill>
-                <a:latin typeface="DIN Condensed" pitchFamily="2" charset="0"/>
-              </a:rPr>
-              <a:t> </a:t>
-            </a:r>
-            <a:r>
-              <a:rPr lang="de-DE" sz="4400" dirty="0" err="1">
-                <a:solidFill>
-                  <a:schemeClr val="bg1"/>
-                </a:solidFill>
-                <a:latin typeface="DIN Condensed" pitchFamily="2" charset="0"/>
-              </a:rPr>
-              <a:t>sign</a:t>
-            </a:r>
-            <a:r>
-              <a:rPr lang="de-DE" sz="4400" dirty="0">
-                <a:solidFill>
-                  <a:schemeClr val="bg1"/>
-                </a:solidFill>
-                <a:latin typeface="DIN Condensed" pitchFamily="2" charset="0"/>
-              </a:rPr>
-              <a:t> </a:t>
-            </a:r>
-            <a:r>
-              <a:rPr lang="de-DE" sz="4400" dirty="0" err="1">
-                <a:solidFill>
-                  <a:schemeClr val="bg1"/>
-                </a:solidFill>
-                <a:latin typeface="DIN Condensed" pitchFamily="2" charset="0"/>
-              </a:rPr>
-              <a:t>stuff</a:t>
-            </a:r>
-            <a:endParaRPr lang="de-DE" sz="4400" dirty="0">
-              <a:solidFill>
-                <a:schemeClr val="bg1"/>
-              </a:solidFill>
-              <a:latin typeface="DIN Condensed" pitchFamily="2" charset="0"/>
-            </a:endParaRPr>
-          </a:p>
-        </p:txBody>
-      </p:sp>
-    </p:spTree>
-    <p:extLst>
-      <p:ext uri="{BB962C8B-B14F-4D97-AF65-F5344CB8AC3E}">
-        <p14:creationId xmlns:p14="http://schemas.microsoft.com/office/powerpoint/2010/main" val="3608187931"/>
-      </p:ext>
-    </p:extLst>
-  </p:cSld>
-  <p:clrMapOvr>
-    <a:masterClrMapping/>
-  </p:clrMapOvr>
 </p:sld>
 </file>
 
